--- a/document/SpringCloud融会贯通/07-Redis源码解析.pptx
+++ b/document/SpringCloud融会贯通/07-Redis源码解析.pptx
@@ -12,7 +12,12 @@
     <p:sldId id="259" r:id="rId7"/>
     <p:sldId id="260" r:id="rId8"/>
     <p:sldId id="261" r:id="rId9"/>
-    <p:sldId id="262" r:id="rId10"/>
+    <p:sldId id="263" r:id="rId10"/>
+    <p:sldId id="264" r:id="rId11"/>
+    <p:sldId id="265" r:id="rId12"/>
+    <p:sldId id="266" r:id="rId13"/>
+    <p:sldId id="267" r:id="rId14"/>
+    <p:sldId id="262" r:id="rId15"/>
   </p:sldIdLst>
   <p:sldSz cx="12192000" cy="6858000"/>
   <p:notesSz cx="6858000" cy="9144000"/>
@@ -10920,7 +10925,7 @@
 </p:sld>
 </file>
 
-<file path=ppt/slides/slide2.xml><?xml version="1.0" encoding="utf-8"?>
+<file path=ppt/slides/slide10.xml><?xml version="1.0" encoding="utf-8"?>
 <p:sld xmlns:a="http://schemas.openxmlformats.org/drawingml/2006/main" xmlns:r="http://schemas.openxmlformats.org/officeDocument/2006/relationships" xmlns:p="http://schemas.openxmlformats.org/presentationml/2006/main">
   <p:cSld>
     <p:spTree>
@@ -10958,7 +10963,7 @@
         </p:spPr>
         <p:txBody>
           <a:bodyPr>
-            <a:normAutofit/>
+            <a:normAutofit fontScale="90000" lnSpcReduction="10000"/>
           </a:bodyPr>
           <a:lstStyle>
             <a:lvl1pPr marL="228600" indent="-228600" algn="l" defTabSz="914400" rtl="0" eaLnBrk="1" fontAlgn="auto" latinLnBrk="0" hangingPunct="1">
@@ -11175,10 +11180,499 @@
                 <a:latin typeface="隶书" panose="02010509060101010101" charset="-122"/>
                 <a:ea typeface="隶书" panose="02010509060101010101" charset="-122"/>
               </a:rPr>
-              <a:t>单击此处输入你的正文，文字是您思想的提炼，为了最终演示发布的良好效果，请尽量言简意赅的阐述观点；根据需要可酌情增减文字，以便观者可以准确理解您所传达的信息。-您的正文已经简明扼要，字字珠玑，但信息却错综复杂，需要用更多的文字来表述；但请您尽可能提炼思想的精髓，否则容易造成观者的阅读压力，适得其反。正如我们都希望改变世界，希望给人带去光明，但更多时候只需播下一颗种子，自然有微光照拂，雨露滋养。恰如其分的表达观点，往往可以事半功倍。-单击此处输入你的正文，文字是您思想的提炼，为了最终演示发布的良好效果，请尽量言简意赅的阐述观点；根据需要可酌情增减文字，以便观者可以准确理解您所传达的信息。-您的正文已经简明扼要，字字珠玑，但信息却错综复杂，需要用更多的文字来表述；但请您尽可能提炼思想的精髓，否则容易造成观者的阅读压力，适得其反。正如我们都希望改变世界，希望给人带去光明，但更多时候只需播下一颗种子，自然有微光照拂，雨露滋养。恰如其分的表达观点，往往可以事半功倍。</a:t>
+              <a:t>一些工具类的文件如下： </a:t>
+            </a:r>
+            <a:endParaRPr lang="en-US" spc="0" dirty="0">
+              <a:solidFill>
+                <a:schemeClr val="tx1">
+                  <a:lumMod val="65000"/>
+                  <a:lumOff val="35000"/>
+                </a:schemeClr>
+              </a:solidFill>
+              <a:latin typeface="隶书" panose="02010509060101010101" charset="-122"/>
+              <a:ea typeface="隶书" panose="02010509060101010101" charset="-122"/>
+            </a:endParaRPr>
+          </a:p>
+          <a:p>
+            <a:pPr marR="0" lvl="0" indent="0" algn="just" defTabSz="914400" rtl="0" eaLnBrk="1" fontAlgn="auto" latinLnBrk="0" hangingPunct="1">
+              <a:lnSpc>
+                <a:spcPct val="130000"/>
+              </a:lnSpc>
+              <a:spcBef>
+                <a:spcPts val="0"/>
+              </a:spcBef>
+              <a:spcAft>
+                <a:spcPts val="800"/>
+              </a:spcAft>
+              <a:buClrTx/>
+              <a:buSzTx/>
+              <a:buFont typeface="Arial" panose="020B0604020202020204" pitchFamily="34" charset="0"/>
+              <a:buNone/>
+              <a:defRPr/>
+            </a:pPr>
+            <a:r>
+              <a:rPr lang="en-US" spc="0" dirty="0">
+                <a:solidFill>
+                  <a:schemeClr val="tx1">
+                    <a:lumMod val="65000"/>
+                    <a:lumOff val="35000"/>
+                  </a:schemeClr>
+                </a:solidFill>
+                <a:latin typeface="隶书" panose="02010509060101010101" charset="-122"/>
+                <a:ea typeface="隶书" panose="02010509060101010101" charset="-122"/>
+              </a:rPr>
+              <a:t>+ bitops.c GETBIT、SETBIT 等二进制位操作命令的实现 </a:t>
+            </a:r>
+            <a:endParaRPr lang="en-US" spc="0" dirty="0">
+              <a:solidFill>
+                <a:schemeClr val="tx1">
+                  <a:lumMod val="65000"/>
+                  <a:lumOff val="35000"/>
+                </a:schemeClr>
+              </a:solidFill>
+              <a:latin typeface="隶书" panose="02010509060101010101" charset="-122"/>
+              <a:ea typeface="隶书" panose="02010509060101010101" charset="-122"/>
+            </a:endParaRPr>
+          </a:p>
+          <a:p>
+            <a:pPr marR="0" lvl="0" indent="0" algn="just" defTabSz="914400" rtl="0" eaLnBrk="1" fontAlgn="auto" latinLnBrk="0" hangingPunct="1">
+              <a:lnSpc>
+                <a:spcPct val="130000"/>
+              </a:lnSpc>
+              <a:spcBef>
+                <a:spcPts val="0"/>
+              </a:spcBef>
+              <a:spcAft>
+                <a:spcPts val="800"/>
+              </a:spcAft>
+              <a:buClrTx/>
+              <a:buSzTx/>
+              <a:buFont typeface="Arial" panose="020B0604020202020204" pitchFamily="34" charset="0"/>
+              <a:buNone/>
+              <a:defRPr/>
+            </a:pPr>
+            <a:r>
+              <a:rPr lang="en-US" spc="0" dirty="0">
+                <a:solidFill>
+                  <a:schemeClr val="tx1">
+                    <a:lumMod val="65000"/>
+                    <a:lumOff val="35000"/>
+                  </a:schemeClr>
+                </a:solidFill>
+                <a:latin typeface="隶书" panose="02010509060101010101" charset="-122"/>
+                <a:ea typeface="隶书" panose="02010509060101010101" charset="-122"/>
+              </a:rPr>
+              <a:t>+ debug.c 用于调试时使用 </a:t>
+            </a:r>
+            <a:endParaRPr lang="en-US" spc="0" dirty="0">
+              <a:solidFill>
+                <a:schemeClr val="tx1">
+                  <a:lumMod val="65000"/>
+                  <a:lumOff val="35000"/>
+                </a:schemeClr>
+              </a:solidFill>
+              <a:latin typeface="隶书" panose="02010509060101010101" charset="-122"/>
+              <a:ea typeface="隶书" panose="02010509060101010101" charset="-122"/>
+            </a:endParaRPr>
+          </a:p>
+          <a:p>
+            <a:pPr marR="0" lvl="0" indent="0" algn="just" defTabSz="914400" rtl="0" eaLnBrk="1" fontAlgn="auto" latinLnBrk="0" hangingPunct="1">
+              <a:lnSpc>
+                <a:spcPct val="130000"/>
+              </a:lnSpc>
+              <a:spcBef>
+                <a:spcPts val="0"/>
+              </a:spcBef>
+              <a:spcAft>
+                <a:spcPts val="800"/>
+              </a:spcAft>
+              <a:buClrTx/>
+              <a:buSzTx/>
+              <a:buFont typeface="Arial" panose="020B0604020202020204" pitchFamily="34" charset="0"/>
+              <a:buNone/>
+              <a:defRPr/>
+            </a:pPr>
+            <a:r>
+              <a:rPr lang="en-US" spc="0" dirty="0">
+                <a:solidFill>
+                  <a:schemeClr val="tx1">
+                    <a:lumMod val="65000"/>
+                    <a:lumOff val="35000"/>
+                  </a:schemeClr>
+                </a:solidFill>
+                <a:latin typeface="隶书" panose="02010509060101010101" charset="-122"/>
+                <a:ea typeface="隶书" panose="02010509060101010101" charset="-122"/>
+              </a:rPr>
+              <a:t>+ endianconv.c 高低位转换，不同系统，高低位顺序不同 </a:t>
+            </a:r>
+            <a:endParaRPr lang="en-US" spc="0" dirty="0">
+              <a:solidFill>
+                <a:schemeClr val="tx1">
+                  <a:lumMod val="65000"/>
+                  <a:lumOff val="35000"/>
+                </a:schemeClr>
+              </a:solidFill>
+              <a:latin typeface="隶书" panose="02010509060101010101" charset="-122"/>
+              <a:ea typeface="隶书" panose="02010509060101010101" charset="-122"/>
+            </a:endParaRPr>
+          </a:p>
+          <a:p>
+            <a:pPr marR="0" lvl="0" indent="0" algn="just" defTabSz="914400" rtl="0" eaLnBrk="1" fontAlgn="auto" latinLnBrk="0" hangingPunct="1">
+              <a:lnSpc>
+                <a:spcPct val="130000"/>
+              </a:lnSpc>
+              <a:spcBef>
+                <a:spcPts val="0"/>
+              </a:spcBef>
+              <a:spcAft>
+                <a:spcPts val="800"/>
+              </a:spcAft>
+              <a:buClrTx/>
+              <a:buSzTx/>
+              <a:buFont typeface="Arial" panose="020B0604020202020204" pitchFamily="34" charset="0"/>
+              <a:buNone/>
+              <a:defRPr/>
+            </a:pPr>
+            <a:r>
+              <a:rPr lang="en-US" spc="0" dirty="0">
+                <a:solidFill>
+                  <a:schemeClr val="tx1">
+                    <a:lumMod val="65000"/>
+                    <a:lumOff val="35000"/>
+                  </a:schemeClr>
+                </a:solidFill>
+                <a:latin typeface="隶书" panose="02010509060101010101" charset="-122"/>
+                <a:ea typeface="隶书" panose="02010509060101010101" charset="-122"/>
+              </a:rPr>
+              <a:t>+ help.h 辅助于命令的提示信息 </a:t>
+            </a:r>
+            <a:endParaRPr lang="en-US" spc="0" dirty="0">
+              <a:solidFill>
+                <a:schemeClr val="tx1">
+                  <a:lumMod val="65000"/>
+                  <a:lumOff val="35000"/>
+                </a:schemeClr>
+              </a:solidFill>
+              <a:latin typeface="隶书" panose="02010509060101010101" charset="-122"/>
+              <a:ea typeface="隶书" panose="02010509060101010101" charset="-122"/>
+            </a:endParaRPr>
+          </a:p>
+          <a:p>
+            <a:pPr marR="0" lvl="0" indent="0" algn="just" defTabSz="914400" rtl="0" eaLnBrk="1" fontAlgn="auto" latinLnBrk="0" hangingPunct="1">
+              <a:lnSpc>
+                <a:spcPct val="130000"/>
+              </a:lnSpc>
+              <a:spcBef>
+                <a:spcPts val="0"/>
+              </a:spcBef>
+              <a:spcAft>
+                <a:spcPts val="800"/>
+              </a:spcAft>
+              <a:buClrTx/>
+              <a:buSzTx/>
+              <a:buFont typeface="Arial" panose="020B0604020202020204" pitchFamily="34" charset="0"/>
+              <a:buNone/>
+              <a:defRPr/>
+            </a:pPr>
+            <a:r>
+              <a:rPr lang="en-US" spc="0" dirty="0">
+                <a:solidFill>
+                  <a:schemeClr val="tx1">
+                    <a:lumMod val="65000"/>
+                    <a:lumOff val="35000"/>
+                  </a:schemeClr>
+                </a:solidFill>
+                <a:latin typeface="隶书" panose="02010509060101010101" charset="-122"/>
+                <a:ea typeface="隶书" panose="02010509060101010101" charset="-122"/>
+              </a:rPr>
+              <a:t>+ lzf_c.c 压缩算法系列 </a:t>
+            </a:r>
+            <a:endParaRPr lang="en-US" spc="0" dirty="0">
+              <a:solidFill>
+                <a:schemeClr val="tx1">
+                  <a:lumMod val="65000"/>
+                  <a:lumOff val="35000"/>
+                </a:schemeClr>
+              </a:solidFill>
+              <a:latin typeface="隶书" panose="02010509060101010101" charset="-122"/>
+              <a:ea typeface="隶书" panose="02010509060101010101" charset="-122"/>
+            </a:endParaRPr>
+          </a:p>
+          <a:p>
+            <a:pPr marR="0" lvl="0" indent="0" algn="just" defTabSz="914400" rtl="0" eaLnBrk="1" fontAlgn="auto" latinLnBrk="0" hangingPunct="1">
+              <a:lnSpc>
+                <a:spcPct val="130000"/>
+              </a:lnSpc>
+              <a:spcBef>
+                <a:spcPts val="0"/>
+              </a:spcBef>
+              <a:spcAft>
+                <a:spcPts val="800"/>
+              </a:spcAft>
+              <a:buClrTx/>
+              <a:buSzTx/>
+              <a:buFont typeface="Arial" panose="020B0604020202020204" pitchFamily="34" charset="0"/>
+              <a:buNone/>
+              <a:defRPr/>
+            </a:pPr>
+            <a:r>
+              <a:rPr lang="en-US" spc="0" dirty="0">
+                <a:solidFill>
+                  <a:schemeClr val="tx1">
+                    <a:lumMod val="65000"/>
+                    <a:lumOff val="35000"/>
+                  </a:schemeClr>
+                </a:solidFill>
+                <a:latin typeface="隶书" panose="02010509060101010101" charset="-122"/>
+                <a:ea typeface="隶书" panose="02010509060101010101" charset="-122"/>
+              </a:rPr>
+              <a:t>+ lzf_d.c 压缩算法系列 </a:t>
+            </a:r>
+            <a:endParaRPr lang="en-US" spc="0" dirty="0">
+              <a:solidFill>
+                <a:schemeClr val="tx1">
+                  <a:lumMod val="65000"/>
+                  <a:lumOff val="35000"/>
+                </a:schemeClr>
+              </a:solidFill>
+              <a:latin typeface="隶书" panose="02010509060101010101" charset="-122"/>
+              <a:ea typeface="隶书" panose="02010509060101010101" charset="-122"/>
+            </a:endParaRPr>
+          </a:p>
+          <a:p>
+            <a:pPr marR="0" lvl="0" indent="0" algn="just" defTabSz="914400" rtl="0" eaLnBrk="1" fontAlgn="auto" latinLnBrk="0" hangingPunct="1">
+              <a:lnSpc>
+                <a:spcPct val="130000"/>
+              </a:lnSpc>
+              <a:spcBef>
+                <a:spcPts val="0"/>
+              </a:spcBef>
+              <a:spcAft>
+                <a:spcPts val="800"/>
+              </a:spcAft>
+              <a:buClrTx/>
+              <a:buSzTx/>
+              <a:buFont typeface="Arial" panose="020B0604020202020204" pitchFamily="34" charset="0"/>
+              <a:buNone/>
+              <a:defRPr/>
+            </a:pPr>
+            <a:r>
+              <a:rPr lang="en-US" spc="0" dirty="0">
+                <a:solidFill>
+                  <a:schemeClr val="tx1">
+                    <a:lumMod val="65000"/>
+                    <a:lumOff val="35000"/>
+                  </a:schemeClr>
+                </a:solidFill>
+                <a:latin typeface="隶书" panose="02010509060101010101" charset="-122"/>
+                <a:ea typeface="隶书" panose="02010509060101010101" charset="-122"/>
+              </a:rPr>
+              <a:t>+ rand.c 用于产生随机数 </a:t>
+            </a:r>
+            <a:endParaRPr lang="en-US" spc="0" dirty="0">
+              <a:solidFill>
+                <a:schemeClr val="tx1">
+                  <a:lumMod val="65000"/>
+                  <a:lumOff val="35000"/>
+                </a:schemeClr>
+              </a:solidFill>
+              <a:latin typeface="隶书" panose="02010509060101010101" charset="-122"/>
+              <a:ea typeface="隶书" panose="02010509060101010101" charset="-122"/>
+            </a:endParaRPr>
+          </a:p>
+          <a:p>
+            <a:pPr marR="0" lvl="0" indent="0" algn="just" defTabSz="914400" rtl="0" eaLnBrk="1" fontAlgn="auto" latinLnBrk="0" hangingPunct="1">
+              <a:lnSpc>
+                <a:spcPct val="130000"/>
+              </a:lnSpc>
+              <a:spcBef>
+                <a:spcPts val="0"/>
+              </a:spcBef>
+              <a:spcAft>
+                <a:spcPts val="800"/>
+              </a:spcAft>
+              <a:buClrTx/>
+              <a:buSzTx/>
+              <a:buFont typeface="Arial" panose="020B0604020202020204" pitchFamily="34" charset="0"/>
+              <a:buNone/>
+              <a:defRPr/>
+            </a:pPr>
+            <a:r>
+              <a:rPr lang="en-US" spc="0" dirty="0">
+                <a:solidFill>
+                  <a:schemeClr val="tx1">
+                    <a:lumMod val="65000"/>
+                    <a:lumOff val="35000"/>
+                  </a:schemeClr>
+                </a:solidFill>
+                <a:latin typeface="隶书" panose="02010509060101010101" charset="-122"/>
+                <a:ea typeface="隶书" panose="02010509060101010101" charset="-122"/>
+              </a:rPr>
+              <a:t>+ release.c 用于发布时使用 </a:t>
+            </a:r>
+            <a:endParaRPr lang="en-US" spc="0" dirty="0">
+              <a:solidFill>
+                <a:schemeClr val="tx1">
+                  <a:lumMod val="65000"/>
+                  <a:lumOff val="35000"/>
+                </a:schemeClr>
+              </a:solidFill>
+              <a:latin typeface="隶书" panose="02010509060101010101" charset="-122"/>
+              <a:ea typeface="隶书" panose="02010509060101010101" charset="-122"/>
+            </a:endParaRPr>
+          </a:p>
+          <a:p>
+            <a:pPr marR="0" lvl="0" indent="0" algn="just" defTabSz="914400" rtl="0" eaLnBrk="1" fontAlgn="auto" latinLnBrk="0" hangingPunct="1">
+              <a:lnSpc>
+                <a:spcPct val="130000"/>
+              </a:lnSpc>
+              <a:spcBef>
+                <a:spcPts val="0"/>
+              </a:spcBef>
+              <a:spcAft>
+                <a:spcPts val="800"/>
+              </a:spcAft>
+              <a:buClrTx/>
+              <a:buSzTx/>
+              <a:buFont typeface="Arial" panose="020B0604020202020204" pitchFamily="34" charset="0"/>
+              <a:buNone/>
+              <a:defRPr/>
+            </a:pPr>
+            <a:r>
+              <a:rPr lang="en-US" spc="0" dirty="0">
+                <a:solidFill>
+                  <a:schemeClr val="tx1">
+                    <a:lumMod val="65000"/>
+                    <a:lumOff val="35000"/>
+                  </a:schemeClr>
+                </a:solidFill>
+                <a:latin typeface="隶书" panose="02010509060101010101" charset="-122"/>
+                <a:ea typeface="隶书" panose="02010509060101010101" charset="-122"/>
+              </a:rPr>
+              <a:t>+ sha1.c sha加密算法的实现 </a:t>
+            </a:r>
+            <a:endParaRPr lang="en-US" spc="0" dirty="0">
+              <a:solidFill>
+                <a:schemeClr val="tx1">
+                  <a:lumMod val="65000"/>
+                  <a:lumOff val="35000"/>
+                </a:schemeClr>
+              </a:solidFill>
+              <a:latin typeface="隶书" panose="02010509060101010101" charset="-122"/>
+              <a:ea typeface="隶书" panose="02010509060101010101" charset="-122"/>
+            </a:endParaRPr>
+          </a:p>
+          <a:p>
+            <a:pPr marR="0" lvl="0" indent="0" algn="just" defTabSz="914400" rtl="0" eaLnBrk="1" fontAlgn="auto" latinLnBrk="0" hangingPunct="1">
+              <a:lnSpc>
+                <a:spcPct val="130000"/>
+              </a:lnSpc>
+              <a:spcBef>
+                <a:spcPts val="0"/>
+              </a:spcBef>
+              <a:spcAft>
+                <a:spcPts val="800"/>
+              </a:spcAft>
+              <a:buClrTx/>
+              <a:buSzTx/>
+              <a:buFont typeface="Arial" panose="020B0604020202020204" pitchFamily="34" charset="0"/>
+              <a:buNone/>
+              <a:defRPr/>
+            </a:pPr>
+            <a:r>
+              <a:rPr lang="en-US" spc="0" dirty="0">
+                <a:solidFill>
+                  <a:schemeClr val="tx1">
+                    <a:lumMod val="65000"/>
+                    <a:lumOff val="35000"/>
+                  </a:schemeClr>
+                </a:solidFill>
+                <a:latin typeface="隶书" panose="02010509060101010101" charset="-122"/>
+                <a:ea typeface="隶书" panose="02010509060101010101" charset="-122"/>
+              </a:rPr>
+              <a:t>+ util.c 通用工具方法 </a:t>
+            </a:r>
+            <a:endParaRPr lang="en-US" spc="0" dirty="0">
+              <a:solidFill>
+                <a:schemeClr val="tx1">
+                  <a:lumMod val="65000"/>
+                  <a:lumOff val="35000"/>
+                </a:schemeClr>
+              </a:solidFill>
+              <a:latin typeface="隶书" panose="02010509060101010101" charset="-122"/>
+              <a:ea typeface="隶书" panose="02010509060101010101" charset="-122"/>
+            </a:endParaRPr>
+          </a:p>
+          <a:p>
+            <a:pPr marR="0" lvl="0" indent="0" algn="just" defTabSz="914400" rtl="0" eaLnBrk="1" fontAlgn="auto" latinLnBrk="0" hangingPunct="1">
+              <a:lnSpc>
+                <a:spcPct val="130000"/>
+              </a:lnSpc>
+              <a:spcBef>
+                <a:spcPts val="0"/>
+              </a:spcBef>
+              <a:spcAft>
+                <a:spcPts val="800"/>
+              </a:spcAft>
+              <a:buClrTx/>
+              <a:buSzTx/>
+              <a:buFont typeface="Arial" panose="020B0604020202020204" pitchFamily="34" charset="0"/>
+              <a:buNone/>
+              <a:defRPr/>
+            </a:pPr>
+            <a:r>
+              <a:rPr lang="en-US" spc="0" dirty="0">
+                <a:solidFill>
+                  <a:schemeClr val="tx1">
+                    <a:lumMod val="65000"/>
+                    <a:lumOff val="35000"/>
+                  </a:schemeClr>
+                </a:solidFill>
+                <a:latin typeface="隶书" panose="02010509060101010101" charset="-122"/>
+                <a:ea typeface="隶书" panose="02010509060101010101" charset="-122"/>
+              </a:rPr>
+              <a:t>+ crc64.c 循环冗余校验 </a:t>
+            </a:r>
+            <a:endParaRPr lang="en-US" spc="0" dirty="0">
+              <a:solidFill>
+                <a:schemeClr val="tx1">
+                  <a:lumMod val="65000"/>
+                  <a:lumOff val="35000"/>
+                </a:schemeClr>
+              </a:solidFill>
+              <a:latin typeface="隶书" panose="02010509060101010101" charset="-122"/>
+              <a:ea typeface="隶书" panose="02010509060101010101" charset="-122"/>
+            </a:endParaRPr>
+          </a:p>
+          <a:p>
+            <a:pPr marR="0" lvl="0" indent="0" algn="just" defTabSz="914400" rtl="0" eaLnBrk="1" fontAlgn="auto" latinLnBrk="0" hangingPunct="1">
+              <a:lnSpc>
+                <a:spcPct val="130000"/>
+              </a:lnSpc>
+              <a:spcBef>
+                <a:spcPts val="0"/>
+              </a:spcBef>
+              <a:spcAft>
+                <a:spcPts val="800"/>
+              </a:spcAft>
+              <a:buClrTx/>
+              <a:buSzTx/>
+              <a:buFont typeface="Arial" panose="020B0604020202020204" pitchFamily="34" charset="0"/>
+              <a:buNone/>
+              <a:defRPr/>
+            </a:pPr>
+            <a:r>
+              <a:rPr lang="en-US" spc="0" dirty="0">
+                <a:solidFill>
+                  <a:schemeClr val="tx1">
+                    <a:lumMod val="65000"/>
+                    <a:lumOff val="35000"/>
+                  </a:schemeClr>
+                </a:solidFill>
+                <a:latin typeface="隶书" panose="02010509060101010101" charset="-122"/>
+                <a:ea typeface="隶书" panose="02010509060101010101" charset="-122"/>
+              </a:rPr>
+              <a:t>+ sort.c SORT命令的实现</a:t>
             </a:r>
             <a:endParaRPr lang="en-US" spc="0" dirty="0">
               <a:solidFill>
@@ -11253,7 +11747,7 @@
                 <a:latin typeface="隶书" panose="02010509060101010101" charset="-122"/>
                 <a:ea typeface="隶书" panose="02010509060101010101" charset="-122"/>
               </a:rPr>
-              <a:t>单击此处添加大标题</a:t>
+              <a:t>其他代码文件介绍</a:t>
             </a:r>
             <a:endParaRPr dirty="0">
               <a:solidFill>
@@ -11280,7 +11774,7 @@
 </p:sld>
 </file>
 
-<file path=ppt/slides/slide3.xml><?xml version="1.0" encoding="utf-8"?>
+<file path=ppt/slides/slide11.xml><?xml version="1.0" encoding="utf-8"?>
 <p:sld xmlns:a="http://schemas.openxmlformats.org/drawingml/2006/main" xmlns:r="http://schemas.openxmlformats.org/officeDocument/2006/relationships" xmlns:p="http://schemas.openxmlformats.org/presentationml/2006/main">
   <p:cSld>
     <p:spTree>
@@ -11535,10 +12029,253 @@
                 <a:latin typeface="隶书" panose="02010509060101010101" charset="-122"/>
                 <a:ea typeface="隶书" panose="02010509060101010101" charset="-122"/>
               </a:rPr>
-              <a:t>单击此处输入你的正文，文字是您思想的提炼，为了最终演示发布的良好效果，请尽量言简意赅的阐述观点；根据需要可酌情增减文字，以便观者可以准确理解您所传达的信息。-您的正文已经简明扼要，字字珠玑，但信息却错综复杂，需要用更多的文字来表述；但请您尽可能提炼思想的精髓，否则容易造成观者的阅读压力，适得其反。正如我们都希望改变世界，希望给人带去光明，但更多时候只需播下一颗种子，自然有微光照拂，雨露滋养。恰如其分的表达观点，往往可以事半功倍。-单击此处输入你的正文，文字是您思想的提炼，为了最终演示发布的良好效果，请尽量言简意赅的阐述观点；根据需要可酌情增减文字，以便观者可以准确理解您所传达的信息。-您的正文已经简明扼要，字字珠玑，但信息却错综复杂，需要用更多的文字来表述；但请您尽可能提炼思想的精髓，否则容易造成观者的阅读压力，适得其反。正如我们都希望改变世界，希望给人带去光明，但更多时候只需播下一颗种子，自然有微光照拂，雨露滋养。恰如其分的表达观点，往往可以事半功倍。</a:t>
+              <a:t>一些封装类的代码实现： </a:t>
+            </a:r>
+            <a:endParaRPr lang="en-US" spc="0" dirty="0">
+              <a:solidFill>
+                <a:schemeClr val="tx1">
+                  <a:lumMod val="65000"/>
+                  <a:lumOff val="35000"/>
+                </a:schemeClr>
+              </a:solidFill>
+              <a:latin typeface="隶书" panose="02010509060101010101" charset="-122"/>
+              <a:ea typeface="隶书" panose="02010509060101010101" charset="-122"/>
+            </a:endParaRPr>
+          </a:p>
+          <a:p>
+            <a:pPr marR="0" lvl="0" indent="0" algn="just" defTabSz="914400" rtl="0" eaLnBrk="1" fontAlgn="auto" latinLnBrk="0" hangingPunct="1">
+              <a:lnSpc>
+                <a:spcPct val="130000"/>
+              </a:lnSpc>
+              <a:spcBef>
+                <a:spcPts val="0"/>
+              </a:spcBef>
+              <a:spcAft>
+                <a:spcPts val="800"/>
+              </a:spcAft>
+              <a:buClrTx/>
+              <a:buSzTx/>
+              <a:buFont typeface="Arial" panose="020B0604020202020204" pitchFamily="34" charset="0"/>
+              <a:buNone/>
+              <a:defRPr/>
+            </a:pPr>
+            <a:r>
+              <a:rPr lang="en-US" spc="0" dirty="0">
+                <a:solidFill>
+                  <a:schemeClr val="tx1">
+                    <a:lumMod val="65000"/>
+                    <a:lumOff val="35000"/>
+                  </a:schemeClr>
+                </a:solidFill>
+                <a:latin typeface="隶书" panose="02010509060101010101" charset="-122"/>
+                <a:ea typeface="隶书" panose="02010509060101010101" charset="-122"/>
+              </a:rPr>
+              <a:t>+ bio.c background I/O的意思，开启后台线程用的 </a:t>
+            </a:r>
+            <a:endParaRPr lang="en-US" spc="0" dirty="0">
+              <a:solidFill>
+                <a:schemeClr val="tx1">
+                  <a:lumMod val="65000"/>
+                  <a:lumOff val="35000"/>
+                </a:schemeClr>
+              </a:solidFill>
+              <a:latin typeface="隶书" panose="02010509060101010101" charset="-122"/>
+              <a:ea typeface="隶书" panose="02010509060101010101" charset="-122"/>
+            </a:endParaRPr>
+          </a:p>
+          <a:p>
+            <a:pPr marR="0" lvl="0" indent="0" algn="just" defTabSz="914400" rtl="0" eaLnBrk="1" fontAlgn="auto" latinLnBrk="0" hangingPunct="1">
+              <a:lnSpc>
+                <a:spcPct val="130000"/>
+              </a:lnSpc>
+              <a:spcBef>
+                <a:spcPts val="0"/>
+              </a:spcBef>
+              <a:spcAft>
+                <a:spcPts val="800"/>
+              </a:spcAft>
+              <a:buClrTx/>
+              <a:buSzTx/>
+              <a:buFont typeface="Arial" panose="020B0604020202020204" pitchFamily="34" charset="0"/>
+              <a:buNone/>
+              <a:defRPr/>
+            </a:pPr>
+            <a:r>
+              <a:rPr lang="en-US" spc="0" dirty="0">
+                <a:solidFill>
+                  <a:schemeClr val="tx1">
+                    <a:lumMod val="65000"/>
+                    <a:lumOff val="35000"/>
+                  </a:schemeClr>
+                </a:solidFill>
+                <a:latin typeface="隶书" panose="02010509060101010101" charset="-122"/>
+                <a:ea typeface="隶书" panose="02010509060101010101" charset="-122"/>
+              </a:rPr>
+              <a:t>+ latency.c 延迟类 </a:t>
+            </a:r>
+            <a:endParaRPr lang="en-US" spc="0" dirty="0">
+              <a:solidFill>
+                <a:schemeClr val="tx1">
+                  <a:lumMod val="65000"/>
+                  <a:lumOff val="35000"/>
+                </a:schemeClr>
+              </a:solidFill>
+              <a:latin typeface="隶书" panose="02010509060101010101" charset="-122"/>
+              <a:ea typeface="隶书" panose="02010509060101010101" charset="-122"/>
+            </a:endParaRPr>
+          </a:p>
+          <a:p>
+            <a:pPr marR="0" lvl="0" indent="0" algn="just" defTabSz="914400" rtl="0" eaLnBrk="1" fontAlgn="auto" latinLnBrk="0" hangingPunct="1">
+              <a:lnSpc>
+                <a:spcPct val="130000"/>
+              </a:lnSpc>
+              <a:spcBef>
+                <a:spcPts val="0"/>
+              </a:spcBef>
+              <a:spcAft>
+                <a:spcPts val="800"/>
+              </a:spcAft>
+              <a:buClrTx/>
+              <a:buSzTx/>
+              <a:buFont typeface="Arial" panose="020B0604020202020204" pitchFamily="34" charset="0"/>
+              <a:buNone/>
+              <a:defRPr/>
+            </a:pPr>
+            <a:r>
+              <a:rPr lang="en-US" spc="0" dirty="0">
+                <a:solidFill>
+                  <a:schemeClr val="tx1">
+                    <a:lumMod val="65000"/>
+                    <a:lumOff val="35000"/>
+                  </a:schemeClr>
+                </a:solidFill>
+                <a:latin typeface="隶书" panose="02010509060101010101" charset="-122"/>
+                <a:ea typeface="隶书" panose="02010509060101010101" charset="-122"/>
+              </a:rPr>
+              <a:t>+ migrate.c 命令迁移类，包括命令的还原迁移等 </a:t>
+            </a:r>
+            <a:endParaRPr lang="en-US" spc="0" dirty="0">
+              <a:solidFill>
+                <a:schemeClr val="tx1">
+                  <a:lumMod val="65000"/>
+                  <a:lumOff val="35000"/>
+                </a:schemeClr>
+              </a:solidFill>
+              <a:latin typeface="隶书" panose="02010509060101010101" charset="-122"/>
+              <a:ea typeface="隶书" panose="02010509060101010101" charset="-122"/>
+            </a:endParaRPr>
+          </a:p>
+          <a:p>
+            <a:pPr marR="0" lvl="0" indent="0" algn="just" defTabSz="914400" rtl="0" eaLnBrk="1" fontAlgn="auto" latinLnBrk="0" hangingPunct="1">
+              <a:lnSpc>
+                <a:spcPct val="130000"/>
+              </a:lnSpc>
+              <a:spcBef>
+                <a:spcPts val="0"/>
+              </a:spcBef>
+              <a:spcAft>
+                <a:spcPts val="800"/>
+              </a:spcAft>
+              <a:buClrTx/>
+              <a:buSzTx/>
+              <a:buFont typeface="Arial" panose="020B0604020202020204" pitchFamily="34" charset="0"/>
+              <a:buNone/>
+              <a:defRPr/>
+            </a:pPr>
+            <a:r>
+              <a:rPr lang="en-US" spc="0" dirty="0">
+                <a:solidFill>
+                  <a:schemeClr val="tx1">
+                    <a:lumMod val="65000"/>
+                    <a:lumOff val="35000"/>
+                  </a:schemeClr>
+                </a:solidFill>
+                <a:latin typeface="隶书" panose="02010509060101010101" charset="-122"/>
+                <a:ea typeface="隶书" panose="02010509060101010101" charset="-122"/>
+              </a:rPr>
+              <a:t>+ pqsort.c 排序算法类 </a:t>
+            </a:r>
+            <a:endParaRPr lang="en-US" spc="0" dirty="0">
+              <a:solidFill>
+                <a:schemeClr val="tx1">
+                  <a:lumMod val="65000"/>
+                  <a:lumOff val="35000"/>
+                </a:schemeClr>
+              </a:solidFill>
+              <a:latin typeface="隶书" panose="02010509060101010101" charset="-122"/>
+              <a:ea typeface="隶书" panose="02010509060101010101" charset="-122"/>
+            </a:endParaRPr>
+          </a:p>
+          <a:p>
+            <a:pPr marR="0" lvl="0" indent="0" algn="just" defTabSz="914400" rtl="0" eaLnBrk="1" fontAlgn="auto" latinLnBrk="0" hangingPunct="1">
+              <a:lnSpc>
+                <a:spcPct val="130000"/>
+              </a:lnSpc>
+              <a:spcBef>
+                <a:spcPts val="0"/>
+              </a:spcBef>
+              <a:spcAft>
+                <a:spcPts val="800"/>
+              </a:spcAft>
+              <a:buClrTx/>
+              <a:buSzTx/>
+              <a:buFont typeface="Arial" panose="020B0604020202020204" pitchFamily="34" charset="0"/>
+              <a:buNone/>
+              <a:defRPr/>
+            </a:pPr>
+            <a:r>
+              <a:rPr lang="en-US" spc="0" dirty="0">
+                <a:solidFill>
+                  <a:schemeClr val="tx1">
+                    <a:lumMod val="65000"/>
+                    <a:lumOff val="35000"/>
+                  </a:schemeClr>
+                </a:solidFill>
+                <a:latin typeface="隶书" panose="02010509060101010101" charset="-122"/>
+                <a:ea typeface="隶书" panose="02010509060101010101" charset="-122"/>
+              </a:rPr>
+              <a:t>+ rio.c redis定义的一个I/O类 </a:t>
+            </a:r>
+            <a:endParaRPr lang="en-US" spc="0" dirty="0">
+              <a:solidFill>
+                <a:schemeClr val="tx1">
+                  <a:lumMod val="65000"/>
+                  <a:lumOff val="35000"/>
+                </a:schemeClr>
+              </a:solidFill>
+              <a:latin typeface="隶书" panose="02010509060101010101" charset="-122"/>
+              <a:ea typeface="隶书" panose="02010509060101010101" charset="-122"/>
+            </a:endParaRPr>
+          </a:p>
+          <a:p>
+            <a:pPr marR="0" lvl="0" indent="0" algn="just" defTabSz="914400" rtl="0" eaLnBrk="1" fontAlgn="auto" latinLnBrk="0" hangingPunct="1">
+              <a:lnSpc>
+                <a:spcPct val="130000"/>
+              </a:lnSpc>
+              <a:spcBef>
+                <a:spcPts val="0"/>
+              </a:spcBef>
+              <a:spcAft>
+                <a:spcPts val="800"/>
+              </a:spcAft>
+              <a:buClrTx/>
+              <a:buSzTx/>
+              <a:buFont typeface="Arial" panose="020B0604020202020204" pitchFamily="34" charset="0"/>
+              <a:buNone/>
+              <a:defRPr/>
+            </a:pPr>
+            <a:r>
+              <a:rPr lang="en-US" spc="0" dirty="0">
+                <a:solidFill>
+                  <a:schemeClr val="tx1">
+                    <a:lumMod val="65000"/>
+                    <a:lumOff val="35000"/>
+                  </a:schemeClr>
+                </a:solidFill>
+                <a:latin typeface="隶书" panose="02010509060101010101" charset="-122"/>
+                <a:ea typeface="隶书" panose="02010509060101010101" charset="-122"/>
+              </a:rPr>
+              <a:t>+ syncio.c 用于同步Socket和文件I/O操作</a:t>
             </a:r>
             <a:endParaRPr lang="en-US" spc="0" dirty="0">
               <a:solidFill>
@@ -11613,7 +12350,7 @@
                 <a:latin typeface="隶书" panose="02010509060101010101" charset="-122"/>
                 <a:ea typeface="隶书" panose="02010509060101010101" charset="-122"/>
               </a:rPr>
-              <a:t>单击此处添加大标题</a:t>
+              <a:t>其他代码文件介绍</a:t>
             </a:r>
             <a:endParaRPr dirty="0">
               <a:solidFill>
@@ -11640,1087 +12377,7 @@
 </p:sld>
 </file>
 
-<file path=ppt/slides/slide4.xml><?xml version="1.0" encoding="utf-8"?>
-<p:sld xmlns:a="http://schemas.openxmlformats.org/drawingml/2006/main" xmlns:r="http://schemas.openxmlformats.org/officeDocument/2006/relationships" xmlns:p="http://schemas.openxmlformats.org/presentationml/2006/main">
-  <p:cSld>
-    <p:spTree>
-      <p:nvGrpSpPr>
-        <p:cNvPr id="1" name=""/>
-        <p:cNvGrpSpPr/>
-        <p:nvPr/>
-      </p:nvGrpSpPr>
-      <p:grpSpPr>
-        <a:xfrm>
-          <a:off x="0" y="0"/>
-          <a:ext cx="0" cy="0"/>
-          <a:chOff x="0" y="0"/>
-          <a:chExt cx="0" cy="0"/>
-        </a:xfrm>
-      </p:grpSpPr>
-      <p:sp>
-        <p:nvSpPr>
-          <p:cNvPr id="2" name="内容占位符 1"/>
-          <p:cNvSpPr txBox="1"/>
-          <p:nvPr>
-            <p:custDataLst>
-              <p:tags r:id="rId1"/>
-            </p:custDataLst>
-          </p:nvPr>
-        </p:nvSpPr>
-        <p:spPr>
-          <a:xfrm>
-            <a:off x="608400" y="1491101"/>
-            <a:ext cx="10970190" cy="4758499"/>
-          </a:xfrm>
-          <a:prstGeom prst="rect">
-            <a:avLst/>
-          </a:prstGeom>
-        </p:spPr>
-        <p:txBody>
-          <a:bodyPr>
-            <a:normAutofit/>
-          </a:bodyPr>
-          <a:lstStyle>
-            <a:lvl1pPr marL="228600" indent="-228600" algn="l" defTabSz="914400" rtl="0" eaLnBrk="1" fontAlgn="auto" latinLnBrk="0" hangingPunct="1">
-              <a:lnSpc>
-                <a:spcPct val="130000"/>
-              </a:lnSpc>
-              <a:spcBef>
-                <a:spcPts val="0"/>
-              </a:spcBef>
-              <a:spcAft>
-                <a:spcPts val="1000"/>
-              </a:spcAft>
-              <a:buFont typeface="Arial" panose="020B0604020202020204" pitchFamily="34" charset="0"/>
-              <a:buChar char="•"/>
-              <a:defRPr sz="1600" u="none" strike="noStrike" kern="1200" cap="none" spc="150" normalizeH="0" baseline="0">
-                <a:solidFill>
-                  <a:schemeClr val="tx1"/>
-                </a:solidFill>
-                <a:uFillTx/>
-                <a:latin typeface="微软雅黑" panose="020B0503020204020204" charset="-122"/>
-                <a:ea typeface="微软雅黑" panose="020B0503020204020204" charset="-122"/>
-                <a:cs typeface="+mn-cs"/>
-              </a:defRPr>
-            </a:lvl1pPr>
-            <a:lvl2pPr marL="685800" indent="-228600" algn="l" defTabSz="914400" rtl="0" eaLnBrk="1" fontAlgn="auto" latinLnBrk="0" hangingPunct="1">
-              <a:lnSpc>
-                <a:spcPct val="130000"/>
-              </a:lnSpc>
-              <a:spcBef>
-                <a:spcPts val="0"/>
-              </a:spcBef>
-              <a:spcAft>
-                <a:spcPts val="1000"/>
-              </a:spcAft>
-              <a:buFont typeface="Arial" panose="020B0604020202020204" pitchFamily="34" charset="0"/>
-              <a:buChar char="•"/>
-              <a:tabLst>
-                <a:tab pos="1609725" algn="l"/>
-              </a:tabLst>
-              <a:defRPr sz="1600" u="none" strike="noStrike" kern="1200" cap="none" spc="150" normalizeH="0" baseline="0">
-                <a:solidFill>
-                  <a:schemeClr val="tx1"/>
-                </a:solidFill>
-                <a:uFillTx/>
-                <a:latin typeface="微软雅黑" panose="020B0503020204020204" charset="-122"/>
-                <a:ea typeface="微软雅黑" panose="020B0503020204020204" charset="-122"/>
-                <a:cs typeface="+mn-cs"/>
-              </a:defRPr>
-            </a:lvl2pPr>
-            <a:lvl3pPr marL="1143000" indent="-228600" algn="l" defTabSz="914400" rtl="0" eaLnBrk="1" fontAlgn="auto" latinLnBrk="0" hangingPunct="1">
-              <a:lnSpc>
-                <a:spcPct val="130000"/>
-              </a:lnSpc>
-              <a:spcBef>
-                <a:spcPts val="0"/>
-              </a:spcBef>
-              <a:spcAft>
-                <a:spcPts val="1000"/>
-              </a:spcAft>
-              <a:buFont typeface="Arial" panose="020B0604020202020204" pitchFamily="34" charset="0"/>
-              <a:buChar char="•"/>
-              <a:defRPr sz="1600" u="none" strike="noStrike" kern="1200" cap="none" spc="150" normalizeH="0" baseline="0">
-                <a:solidFill>
-                  <a:schemeClr val="tx1"/>
-                </a:solidFill>
-                <a:uFillTx/>
-                <a:latin typeface="微软雅黑" panose="020B0503020204020204" charset="-122"/>
-                <a:ea typeface="微软雅黑" panose="020B0503020204020204" charset="-122"/>
-                <a:cs typeface="+mn-cs"/>
-              </a:defRPr>
-            </a:lvl3pPr>
-            <a:lvl4pPr marL="1600200" indent="-228600" algn="l" defTabSz="914400" rtl="0" eaLnBrk="1" fontAlgn="auto" latinLnBrk="0" hangingPunct="1">
-              <a:lnSpc>
-                <a:spcPct val="130000"/>
-              </a:lnSpc>
-              <a:spcBef>
-                <a:spcPts val="0"/>
-              </a:spcBef>
-              <a:spcAft>
-                <a:spcPts val="1000"/>
-              </a:spcAft>
-              <a:buFont typeface="Arial" panose="020B0604020202020204" pitchFamily="34" charset="0"/>
-              <a:buChar char="•"/>
-              <a:defRPr sz="1600" u="none" strike="noStrike" kern="1200" cap="none" spc="150" normalizeH="0" baseline="0">
-                <a:solidFill>
-                  <a:schemeClr val="tx1"/>
-                </a:solidFill>
-                <a:uFillTx/>
-                <a:latin typeface="微软雅黑" panose="020B0503020204020204" charset="-122"/>
-                <a:ea typeface="微软雅黑" panose="020B0503020204020204" charset="-122"/>
-                <a:cs typeface="+mn-cs"/>
-              </a:defRPr>
-            </a:lvl4pPr>
-            <a:lvl5pPr marL="2057400" indent="-228600" algn="l" defTabSz="914400" rtl="0" eaLnBrk="1" fontAlgn="auto" latinLnBrk="0" hangingPunct="1">
-              <a:lnSpc>
-                <a:spcPct val="130000"/>
-              </a:lnSpc>
-              <a:spcBef>
-                <a:spcPts val="0"/>
-              </a:spcBef>
-              <a:spcAft>
-                <a:spcPts val="1000"/>
-              </a:spcAft>
-              <a:buFont typeface="Arial" panose="020B0604020202020204" pitchFamily="34" charset="0"/>
-              <a:buChar char="•"/>
-              <a:defRPr sz="1600" u="none" strike="noStrike" kern="1200" cap="none" spc="150" normalizeH="0" baseline="0">
-                <a:solidFill>
-                  <a:schemeClr val="tx1"/>
-                </a:solidFill>
-                <a:uFillTx/>
-                <a:latin typeface="微软雅黑" panose="020B0503020204020204" charset="-122"/>
-                <a:ea typeface="微软雅黑" panose="020B0503020204020204" charset="-122"/>
-                <a:cs typeface="+mn-cs"/>
-              </a:defRPr>
-            </a:lvl5pPr>
-            <a:lvl6pPr marL="2514600" indent="-228600" algn="l" defTabSz="914400" rtl="0" eaLnBrk="1" latinLnBrk="0" hangingPunct="1">
-              <a:lnSpc>
-                <a:spcPct val="90000"/>
-              </a:lnSpc>
-              <a:spcBef>
-                <a:spcPts val="500"/>
-              </a:spcBef>
-              <a:buFont typeface="Arial" panose="020B0604020202020204" pitchFamily="34" charset="0"/>
-              <a:buChar char="•"/>
-              <a:defRPr sz="1800" kern="1200">
-                <a:solidFill>
-                  <a:schemeClr val="tx1"/>
-                </a:solidFill>
-                <a:latin typeface="+mn-lt"/>
-                <a:ea typeface="+mn-ea"/>
-                <a:cs typeface="+mn-cs"/>
-              </a:defRPr>
-            </a:lvl6pPr>
-            <a:lvl7pPr marL="2971800" indent="-228600" algn="l" defTabSz="914400" rtl="0" eaLnBrk="1" latinLnBrk="0" hangingPunct="1">
-              <a:lnSpc>
-                <a:spcPct val="90000"/>
-              </a:lnSpc>
-              <a:spcBef>
-                <a:spcPts val="500"/>
-              </a:spcBef>
-              <a:buFont typeface="Arial" panose="020B0604020202020204" pitchFamily="34" charset="0"/>
-              <a:buChar char="•"/>
-              <a:defRPr sz="1800" kern="1200">
-                <a:solidFill>
-                  <a:schemeClr val="tx1"/>
-                </a:solidFill>
-                <a:latin typeface="+mn-lt"/>
-                <a:ea typeface="+mn-ea"/>
-                <a:cs typeface="+mn-cs"/>
-              </a:defRPr>
-            </a:lvl7pPr>
-            <a:lvl8pPr marL="3429000" indent="-228600" algn="l" defTabSz="914400" rtl="0" eaLnBrk="1" latinLnBrk="0" hangingPunct="1">
-              <a:lnSpc>
-                <a:spcPct val="90000"/>
-              </a:lnSpc>
-              <a:spcBef>
-                <a:spcPts val="500"/>
-              </a:spcBef>
-              <a:buFont typeface="Arial" panose="020B0604020202020204" pitchFamily="34" charset="0"/>
-              <a:buChar char="•"/>
-              <a:defRPr sz="1800" kern="1200">
-                <a:solidFill>
-                  <a:schemeClr val="tx1"/>
-                </a:solidFill>
-                <a:latin typeface="+mn-lt"/>
-                <a:ea typeface="+mn-ea"/>
-                <a:cs typeface="+mn-cs"/>
-              </a:defRPr>
-            </a:lvl8pPr>
-            <a:lvl9pPr marL="3886200" indent="-228600" algn="l" defTabSz="914400" rtl="0" eaLnBrk="1" latinLnBrk="0" hangingPunct="1">
-              <a:lnSpc>
-                <a:spcPct val="90000"/>
-              </a:lnSpc>
-              <a:spcBef>
-                <a:spcPts val="500"/>
-              </a:spcBef>
-              <a:buFont typeface="Arial" panose="020B0604020202020204" pitchFamily="34" charset="0"/>
-              <a:buChar char="•"/>
-              <a:defRPr sz="1800" kern="1200">
-                <a:solidFill>
-                  <a:schemeClr val="tx1"/>
-                </a:solidFill>
-                <a:latin typeface="+mn-lt"/>
-                <a:ea typeface="+mn-ea"/>
-                <a:cs typeface="+mn-cs"/>
-              </a:defRPr>
-            </a:lvl9pPr>
-          </a:lstStyle>
-          <a:p>
-            <a:pPr marR="0" lvl="0" indent="0" algn="just" defTabSz="914400" rtl="0" eaLnBrk="1" fontAlgn="auto" latinLnBrk="0" hangingPunct="1">
-              <a:lnSpc>
-                <a:spcPct val="130000"/>
-              </a:lnSpc>
-              <a:spcBef>
-                <a:spcPts val="0"/>
-              </a:spcBef>
-              <a:spcAft>
-                <a:spcPts val="800"/>
-              </a:spcAft>
-              <a:buClrTx/>
-              <a:buSzTx/>
-              <a:buFont typeface="Arial" panose="020B0604020202020204" pitchFamily="34" charset="0"/>
-              <a:buNone/>
-              <a:defRPr/>
-            </a:pPr>
-            <a:r>
-              <a:rPr lang="en-US" spc="0" dirty="0">
-                <a:solidFill>
-                  <a:schemeClr val="tx1">
-                    <a:lumMod val="65000"/>
-                    <a:lumOff val="35000"/>
-                  </a:schemeClr>
-                </a:solidFill>
-                <a:latin typeface="隶书" panose="02010509060101010101" charset="-122"/>
-                <a:ea typeface="隶书" panose="02010509060101010101" charset="-122"/>
-              </a:rPr>
-              <a:t>单击此处输入你的正文，文字是您思想的提炼，为了最终演示发布的良好效果，请尽量言简意赅的阐述观点；根据需要可酌情增减文字，以便观者可以准确理解您所传达的信息。-您的正文已经简明扼要，字字珠玑，但信息却错综复杂，需要用更多的文字来表述；但请您尽可能提炼思想的精髓，否则容易造成观者的阅读压力，适得其反。正如我们都希望改变世界，希望给人带去光明，但更多时候只需播下一颗种子，自然有微光照拂，雨露滋养。恰如其分的表达观点，往往可以事半功倍。-单击此处输入你的正文，文字是您思想的提炼，为了最终演示发布的良好效果，请尽量言简意赅的阐述观点；根据需要可酌情增减文字，以便观者可以准确理解您所传达的信息。-您的正文已经简明扼要，字字珠玑，但信息却错综复杂，需要用更多的文字来表述；但请您尽可能提炼思想的精髓，否则容易造成观者的阅读压力，适得其反。正如我们都希望改变世界，希望给人带去光明，但更多时候只需播下一颗种子，自然有微光照拂，雨露滋养。恰如其分的表达观点，往往可以事半功倍。</a:t>
-            </a:r>
-            <a:endParaRPr lang="en-US" spc="0" dirty="0">
-              <a:solidFill>
-                <a:schemeClr val="tx1">
-                  <a:lumMod val="65000"/>
-                  <a:lumOff val="35000"/>
-                </a:schemeClr>
-              </a:solidFill>
-              <a:latin typeface="隶书" panose="02010509060101010101" charset="-122"/>
-              <a:ea typeface="隶书" panose="02010509060101010101" charset="-122"/>
-            </a:endParaRPr>
-          </a:p>
-        </p:txBody>
-      </p:sp>
-      <p:sp>
-        <p:nvSpPr>
-          <p:cNvPr id="3" name="文本框 2"/>
-          <p:cNvSpPr txBox="1"/>
-          <p:nvPr>
-            <p:custDataLst>
-              <p:tags r:id="rId2"/>
-            </p:custDataLst>
-          </p:nvPr>
-        </p:nvSpPr>
-        <p:spPr>
-          <a:xfrm>
-            <a:off x="608400" y="608400"/>
-            <a:ext cx="10970823" cy="706755"/>
-          </a:xfrm>
-          <a:prstGeom prst="rect">
-            <a:avLst/>
-          </a:prstGeom>
-        </p:spPr>
-        <p:txBody>
-          <a:bodyPr vert="horz" lIns="90170" tIns="46990" rIns="90170" bIns="46990" rtlCol="0" anchor="ctr" anchorCtr="0">
-            <a:normAutofit/>
-          </a:bodyPr>
-          <a:lstStyle>
-            <a:lvl1pPr marR="0" fontAlgn="auto">
-              <a:lnSpc>
-                <a:spcPct val="100000"/>
-              </a:lnSpc>
-              <a:spcBef>
-                <a:spcPct val="0"/>
-              </a:spcBef>
-              <a:buNone/>
-              <a:defRPr kumimoji="0" lang="zh-CN" altLang="en-US" sz="3600" b="1" i="0" u="none" strike="noStrike" cap="none" spc="300" normalizeH="0" baseline="0" noProof="1" dirty="0">
-                <a:solidFill>
-                  <a:schemeClr val="tx1">
-                    <a:lumMod val="85000"/>
-                    <a:lumOff val="15000"/>
-                  </a:schemeClr>
-                </a:solidFill>
-                <a:uFillTx/>
-                <a:latin typeface="微软雅黑" panose="020B0503020204020204" charset="-122"/>
-                <a:ea typeface="微软雅黑" panose="020B0503020204020204" charset="-122"/>
-                <a:cs typeface="+mj-cs"/>
-                <a:sym typeface="+mn-ea"/>
-              </a:defRPr>
-            </a:lvl1pPr>
-          </a:lstStyle>
-          <a:p>
-            <a:r>
-              <a:rPr dirty="0">
-                <a:solidFill>
-                  <a:schemeClr val="tx1">
-                    <a:lumMod val="85000"/>
-                    <a:lumOff val="15000"/>
-                  </a:schemeClr>
-                </a:solidFill>
-                <a:uFillTx/>
-                <a:latin typeface="隶书" panose="02010509060101010101" charset="-122"/>
-                <a:ea typeface="隶书" panose="02010509060101010101" charset="-122"/>
-              </a:rPr>
-              <a:t>单击此处添加大标题</a:t>
-            </a:r>
-            <a:endParaRPr dirty="0">
-              <a:solidFill>
-                <a:schemeClr val="tx1">
-                  <a:lumMod val="85000"/>
-                  <a:lumOff val="15000"/>
-                </a:schemeClr>
-              </a:solidFill>
-              <a:uFillTx/>
-              <a:latin typeface="隶书" panose="02010509060101010101" charset="-122"/>
-              <a:ea typeface="隶书" panose="02010509060101010101" charset="-122"/>
-            </a:endParaRPr>
-          </a:p>
-        </p:txBody>
-      </p:sp>
-    </p:spTree>
-    <p:custDataLst>
-      <p:tags r:id="rId3"/>
-    </p:custDataLst>
-  </p:cSld>
-  <p:clrMapOvr>
-    <a:masterClrMapping/>
-  </p:clrMapOvr>
-</p:sld>
-</file>
-
-<file path=ppt/slides/slide5.xml><?xml version="1.0" encoding="utf-8"?>
-<p:sld xmlns:a="http://schemas.openxmlformats.org/drawingml/2006/main" xmlns:r="http://schemas.openxmlformats.org/officeDocument/2006/relationships" xmlns:p="http://schemas.openxmlformats.org/presentationml/2006/main">
-  <p:cSld>
-    <p:spTree>
-      <p:nvGrpSpPr>
-        <p:cNvPr id="1" name=""/>
-        <p:cNvGrpSpPr/>
-        <p:nvPr/>
-      </p:nvGrpSpPr>
-      <p:grpSpPr>
-        <a:xfrm>
-          <a:off x="0" y="0"/>
-          <a:ext cx="0" cy="0"/>
-          <a:chOff x="0" y="0"/>
-          <a:chExt cx="0" cy="0"/>
-        </a:xfrm>
-      </p:grpSpPr>
-      <p:sp>
-        <p:nvSpPr>
-          <p:cNvPr id="2" name="内容占位符 1"/>
-          <p:cNvSpPr txBox="1"/>
-          <p:nvPr>
-            <p:custDataLst>
-              <p:tags r:id="rId1"/>
-            </p:custDataLst>
-          </p:nvPr>
-        </p:nvSpPr>
-        <p:spPr>
-          <a:xfrm>
-            <a:off x="608400" y="1491101"/>
-            <a:ext cx="10970190" cy="4758499"/>
-          </a:xfrm>
-          <a:prstGeom prst="rect">
-            <a:avLst/>
-          </a:prstGeom>
-        </p:spPr>
-        <p:txBody>
-          <a:bodyPr>
-            <a:normAutofit/>
-          </a:bodyPr>
-          <a:lstStyle>
-            <a:lvl1pPr marL="228600" indent="-228600" algn="l" defTabSz="914400" rtl="0" eaLnBrk="1" fontAlgn="auto" latinLnBrk="0" hangingPunct="1">
-              <a:lnSpc>
-                <a:spcPct val="130000"/>
-              </a:lnSpc>
-              <a:spcBef>
-                <a:spcPts val="0"/>
-              </a:spcBef>
-              <a:spcAft>
-                <a:spcPts val="1000"/>
-              </a:spcAft>
-              <a:buFont typeface="Arial" panose="020B0604020202020204" pitchFamily="34" charset="0"/>
-              <a:buChar char="•"/>
-              <a:defRPr sz="1600" u="none" strike="noStrike" kern="1200" cap="none" spc="150" normalizeH="0" baseline="0">
-                <a:solidFill>
-                  <a:schemeClr val="tx1"/>
-                </a:solidFill>
-                <a:uFillTx/>
-                <a:latin typeface="微软雅黑" panose="020B0503020204020204" charset="-122"/>
-                <a:ea typeface="微软雅黑" panose="020B0503020204020204" charset="-122"/>
-                <a:cs typeface="+mn-cs"/>
-              </a:defRPr>
-            </a:lvl1pPr>
-            <a:lvl2pPr marL="685800" indent="-228600" algn="l" defTabSz="914400" rtl="0" eaLnBrk="1" fontAlgn="auto" latinLnBrk="0" hangingPunct="1">
-              <a:lnSpc>
-                <a:spcPct val="130000"/>
-              </a:lnSpc>
-              <a:spcBef>
-                <a:spcPts val="0"/>
-              </a:spcBef>
-              <a:spcAft>
-                <a:spcPts val="1000"/>
-              </a:spcAft>
-              <a:buFont typeface="Arial" panose="020B0604020202020204" pitchFamily="34" charset="0"/>
-              <a:buChar char="•"/>
-              <a:tabLst>
-                <a:tab pos="1609725" algn="l"/>
-              </a:tabLst>
-              <a:defRPr sz="1600" u="none" strike="noStrike" kern="1200" cap="none" spc="150" normalizeH="0" baseline="0">
-                <a:solidFill>
-                  <a:schemeClr val="tx1"/>
-                </a:solidFill>
-                <a:uFillTx/>
-                <a:latin typeface="微软雅黑" panose="020B0503020204020204" charset="-122"/>
-                <a:ea typeface="微软雅黑" panose="020B0503020204020204" charset="-122"/>
-                <a:cs typeface="+mn-cs"/>
-              </a:defRPr>
-            </a:lvl2pPr>
-            <a:lvl3pPr marL="1143000" indent="-228600" algn="l" defTabSz="914400" rtl="0" eaLnBrk="1" fontAlgn="auto" latinLnBrk="0" hangingPunct="1">
-              <a:lnSpc>
-                <a:spcPct val="130000"/>
-              </a:lnSpc>
-              <a:spcBef>
-                <a:spcPts val="0"/>
-              </a:spcBef>
-              <a:spcAft>
-                <a:spcPts val="1000"/>
-              </a:spcAft>
-              <a:buFont typeface="Arial" panose="020B0604020202020204" pitchFamily="34" charset="0"/>
-              <a:buChar char="•"/>
-              <a:defRPr sz="1600" u="none" strike="noStrike" kern="1200" cap="none" spc="150" normalizeH="0" baseline="0">
-                <a:solidFill>
-                  <a:schemeClr val="tx1"/>
-                </a:solidFill>
-                <a:uFillTx/>
-                <a:latin typeface="微软雅黑" panose="020B0503020204020204" charset="-122"/>
-                <a:ea typeface="微软雅黑" panose="020B0503020204020204" charset="-122"/>
-                <a:cs typeface="+mn-cs"/>
-              </a:defRPr>
-            </a:lvl3pPr>
-            <a:lvl4pPr marL="1600200" indent="-228600" algn="l" defTabSz="914400" rtl="0" eaLnBrk="1" fontAlgn="auto" latinLnBrk="0" hangingPunct="1">
-              <a:lnSpc>
-                <a:spcPct val="130000"/>
-              </a:lnSpc>
-              <a:spcBef>
-                <a:spcPts val="0"/>
-              </a:spcBef>
-              <a:spcAft>
-                <a:spcPts val="1000"/>
-              </a:spcAft>
-              <a:buFont typeface="Arial" panose="020B0604020202020204" pitchFamily="34" charset="0"/>
-              <a:buChar char="•"/>
-              <a:defRPr sz="1600" u="none" strike="noStrike" kern="1200" cap="none" spc="150" normalizeH="0" baseline="0">
-                <a:solidFill>
-                  <a:schemeClr val="tx1"/>
-                </a:solidFill>
-                <a:uFillTx/>
-                <a:latin typeface="微软雅黑" panose="020B0503020204020204" charset="-122"/>
-                <a:ea typeface="微软雅黑" panose="020B0503020204020204" charset="-122"/>
-                <a:cs typeface="+mn-cs"/>
-              </a:defRPr>
-            </a:lvl4pPr>
-            <a:lvl5pPr marL="2057400" indent="-228600" algn="l" defTabSz="914400" rtl="0" eaLnBrk="1" fontAlgn="auto" latinLnBrk="0" hangingPunct="1">
-              <a:lnSpc>
-                <a:spcPct val="130000"/>
-              </a:lnSpc>
-              <a:spcBef>
-                <a:spcPts val="0"/>
-              </a:spcBef>
-              <a:spcAft>
-                <a:spcPts val="1000"/>
-              </a:spcAft>
-              <a:buFont typeface="Arial" panose="020B0604020202020204" pitchFamily="34" charset="0"/>
-              <a:buChar char="•"/>
-              <a:defRPr sz="1600" u="none" strike="noStrike" kern="1200" cap="none" spc="150" normalizeH="0" baseline="0">
-                <a:solidFill>
-                  <a:schemeClr val="tx1"/>
-                </a:solidFill>
-                <a:uFillTx/>
-                <a:latin typeface="微软雅黑" panose="020B0503020204020204" charset="-122"/>
-                <a:ea typeface="微软雅黑" panose="020B0503020204020204" charset="-122"/>
-                <a:cs typeface="+mn-cs"/>
-              </a:defRPr>
-            </a:lvl5pPr>
-            <a:lvl6pPr marL="2514600" indent="-228600" algn="l" defTabSz="914400" rtl="0" eaLnBrk="1" latinLnBrk="0" hangingPunct="1">
-              <a:lnSpc>
-                <a:spcPct val="90000"/>
-              </a:lnSpc>
-              <a:spcBef>
-                <a:spcPts val="500"/>
-              </a:spcBef>
-              <a:buFont typeface="Arial" panose="020B0604020202020204" pitchFamily="34" charset="0"/>
-              <a:buChar char="•"/>
-              <a:defRPr sz="1800" kern="1200">
-                <a:solidFill>
-                  <a:schemeClr val="tx1"/>
-                </a:solidFill>
-                <a:latin typeface="+mn-lt"/>
-                <a:ea typeface="+mn-ea"/>
-                <a:cs typeface="+mn-cs"/>
-              </a:defRPr>
-            </a:lvl6pPr>
-            <a:lvl7pPr marL="2971800" indent="-228600" algn="l" defTabSz="914400" rtl="0" eaLnBrk="1" latinLnBrk="0" hangingPunct="1">
-              <a:lnSpc>
-                <a:spcPct val="90000"/>
-              </a:lnSpc>
-              <a:spcBef>
-                <a:spcPts val="500"/>
-              </a:spcBef>
-              <a:buFont typeface="Arial" panose="020B0604020202020204" pitchFamily="34" charset="0"/>
-              <a:buChar char="•"/>
-              <a:defRPr sz="1800" kern="1200">
-                <a:solidFill>
-                  <a:schemeClr val="tx1"/>
-                </a:solidFill>
-                <a:latin typeface="+mn-lt"/>
-                <a:ea typeface="+mn-ea"/>
-                <a:cs typeface="+mn-cs"/>
-              </a:defRPr>
-            </a:lvl7pPr>
-            <a:lvl8pPr marL="3429000" indent="-228600" algn="l" defTabSz="914400" rtl="0" eaLnBrk="1" latinLnBrk="0" hangingPunct="1">
-              <a:lnSpc>
-                <a:spcPct val="90000"/>
-              </a:lnSpc>
-              <a:spcBef>
-                <a:spcPts val="500"/>
-              </a:spcBef>
-              <a:buFont typeface="Arial" panose="020B0604020202020204" pitchFamily="34" charset="0"/>
-              <a:buChar char="•"/>
-              <a:defRPr sz="1800" kern="1200">
-                <a:solidFill>
-                  <a:schemeClr val="tx1"/>
-                </a:solidFill>
-                <a:latin typeface="+mn-lt"/>
-                <a:ea typeface="+mn-ea"/>
-                <a:cs typeface="+mn-cs"/>
-              </a:defRPr>
-            </a:lvl8pPr>
-            <a:lvl9pPr marL="3886200" indent="-228600" algn="l" defTabSz="914400" rtl="0" eaLnBrk="1" latinLnBrk="0" hangingPunct="1">
-              <a:lnSpc>
-                <a:spcPct val="90000"/>
-              </a:lnSpc>
-              <a:spcBef>
-                <a:spcPts val="500"/>
-              </a:spcBef>
-              <a:buFont typeface="Arial" panose="020B0604020202020204" pitchFamily="34" charset="0"/>
-              <a:buChar char="•"/>
-              <a:defRPr sz="1800" kern="1200">
-                <a:solidFill>
-                  <a:schemeClr val="tx1"/>
-                </a:solidFill>
-                <a:latin typeface="+mn-lt"/>
-                <a:ea typeface="+mn-ea"/>
-                <a:cs typeface="+mn-cs"/>
-              </a:defRPr>
-            </a:lvl9pPr>
-          </a:lstStyle>
-          <a:p>
-            <a:pPr marR="0" lvl="0" indent="0" algn="just" defTabSz="914400" rtl="0" eaLnBrk="1" fontAlgn="auto" latinLnBrk="0" hangingPunct="1">
-              <a:lnSpc>
-                <a:spcPct val="130000"/>
-              </a:lnSpc>
-              <a:spcBef>
-                <a:spcPts val="0"/>
-              </a:spcBef>
-              <a:spcAft>
-                <a:spcPts val="800"/>
-              </a:spcAft>
-              <a:buClrTx/>
-              <a:buSzTx/>
-              <a:buFont typeface="Arial" panose="020B0604020202020204" pitchFamily="34" charset="0"/>
-              <a:buNone/>
-              <a:defRPr/>
-            </a:pPr>
-            <a:r>
-              <a:rPr lang="en-US" spc="0" dirty="0">
-                <a:solidFill>
-                  <a:schemeClr val="tx1">
-                    <a:lumMod val="65000"/>
-                    <a:lumOff val="35000"/>
-                  </a:schemeClr>
-                </a:solidFill>
-                <a:latin typeface="隶书" panose="02010509060101010101" charset="-122"/>
-                <a:ea typeface="隶书" panose="02010509060101010101" charset="-122"/>
-              </a:rPr>
-              <a:t>单击此处输入你的正文，文字是您思想的提炼，为了最终演示发布的良好效果，请尽量言简意赅的阐述观点；根据需要可酌情增减文字，以便观者可以准确理解您所传达的信息。-您的正文已经简明扼要，字字珠玑，但信息却错综复杂，需要用更多的文字来表述；但请您尽可能提炼思想的精髓，否则容易造成观者的阅读压力，适得其反。正如我们都希望改变世界，希望给人带去光明，但更多时候只需播下一颗种子，自然有微光照拂，雨露滋养。恰如其分的表达观点，往往可以事半功倍。-单击此处输入你的正文，文字是您思想的提炼，为了最终演示发布的良好效果，请尽量言简意赅的阐述观点；根据需要可酌情增减文字，以便观者可以准确理解您所传达的信息。-您的正文已经简明扼要，字字珠玑，但信息却错综复杂，需要用更多的文字来表述；但请您尽可能提炼思想的精髓，否则容易造成观者的阅读压力，适得其反。正如我们都希望改变世界，希望给人带去光明，但更多时候只需播下一颗种子，自然有微光照拂，雨露滋养。恰如其分的表达观点，往往可以事半功倍。</a:t>
-            </a:r>
-            <a:endParaRPr lang="en-US" spc="0" dirty="0">
-              <a:solidFill>
-                <a:schemeClr val="tx1">
-                  <a:lumMod val="65000"/>
-                  <a:lumOff val="35000"/>
-                </a:schemeClr>
-              </a:solidFill>
-              <a:latin typeface="隶书" panose="02010509060101010101" charset="-122"/>
-              <a:ea typeface="隶书" panose="02010509060101010101" charset="-122"/>
-            </a:endParaRPr>
-          </a:p>
-        </p:txBody>
-      </p:sp>
-      <p:sp>
-        <p:nvSpPr>
-          <p:cNvPr id="3" name="文本框 2"/>
-          <p:cNvSpPr txBox="1"/>
-          <p:nvPr>
-            <p:custDataLst>
-              <p:tags r:id="rId2"/>
-            </p:custDataLst>
-          </p:nvPr>
-        </p:nvSpPr>
-        <p:spPr>
-          <a:xfrm>
-            <a:off x="608400" y="608400"/>
-            <a:ext cx="10970823" cy="706755"/>
-          </a:xfrm>
-          <a:prstGeom prst="rect">
-            <a:avLst/>
-          </a:prstGeom>
-        </p:spPr>
-        <p:txBody>
-          <a:bodyPr vert="horz" lIns="90170" tIns="46990" rIns="90170" bIns="46990" rtlCol="0" anchor="ctr" anchorCtr="0">
-            <a:normAutofit/>
-          </a:bodyPr>
-          <a:lstStyle>
-            <a:lvl1pPr marR="0" fontAlgn="auto">
-              <a:lnSpc>
-                <a:spcPct val="100000"/>
-              </a:lnSpc>
-              <a:spcBef>
-                <a:spcPct val="0"/>
-              </a:spcBef>
-              <a:buNone/>
-              <a:defRPr kumimoji="0" lang="zh-CN" altLang="en-US" sz="3600" b="1" i="0" u="none" strike="noStrike" cap="none" spc="300" normalizeH="0" baseline="0" noProof="1" dirty="0">
-                <a:solidFill>
-                  <a:schemeClr val="tx1">
-                    <a:lumMod val="85000"/>
-                    <a:lumOff val="15000"/>
-                  </a:schemeClr>
-                </a:solidFill>
-                <a:uFillTx/>
-                <a:latin typeface="微软雅黑" panose="020B0503020204020204" charset="-122"/>
-                <a:ea typeface="微软雅黑" panose="020B0503020204020204" charset="-122"/>
-                <a:cs typeface="+mj-cs"/>
-                <a:sym typeface="+mn-ea"/>
-              </a:defRPr>
-            </a:lvl1pPr>
-          </a:lstStyle>
-          <a:p>
-            <a:r>
-              <a:rPr dirty="0">
-                <a:solidFill>
-                  <a:schemeClr val="tx1">
-                    <a:lumMod val="85000"/>
-                    <a:lumOff val="15000"/>
-                  </a:schemeClr>
-                </a:solidFill>
-                <a:uFillTx/>
-                <a:latin typeface="隶书" panose="02010509060101010101" charset="-122"/>
-                <a:ea typeface="隶书" panose="02010509060101010101" charset="-122"/>
-              </a:rPr>
-              <a:t>单击此处添加大标题</a:t>
-            </a:r>
-            <a:endParaRPr dirty="0">
-              <a:solidFill>
-                <a:schemeClr val="tx1">
-                  <a:lumMod val="85000"/>
-                  <a:lumOff val="15000"/>
-                </a:schemeClr>
-              </a:solidFill>
-              <a:uFillTx/>
-              <a:latin typeface="隶书" panose="02010509060101010101" charset="-122"/>
-              <a:ea typeface="隶书" panose="02010509060101010101" charset="-122"/>
-            </a:endParaRPr>
-          </a:p>
-        </p:txBody>
-      </p:sp>
-    </p:spTree>
-    <p:custDataLst>
-      <p:tags r:id="rId3"/>
-    </p:custDataLst>
-  </p:cSld>
-  <p:clrMapOvr>
-    <a:masterClrMapping/>
-  </p:clrMapOvr>
-</p:sld>
-</file>
-
-<file path=ppt/slides/slide6.xml><?xml version="1.0" encoding="utf-8"?>
-<p:sld xmlns:a="http://schemas.openxmlformats.org/drawingml/2006/main" xmlns:r="http://schemas.openxmlformats.org/officeDocument/2006/relationships" xmlns:p="http://schemas.openxmlformats.org/presentationml/2006/main">
-  <p:cSld>
-    <p:spTree>
-      <p:nvGrpSpPr>
-        <p:cNvPr id="1" name=""/>
-        <p:cNvGrpSpPr/>
-        <p:nvPr/>
-      </p:nvGrpSpPr>
-      <p:grpSpPr>
-        <a:xfrm>
-          <a:off x="0" y="0"/>
-          <a:ext cx="0" cy="0"/>
-          <a:chOff x="0" y="0"/>
-          <a:chExt cx="0" cy="0"/>
-        </a:xfrm>
-      </p:grpSpPr>
-      <p:sp>
-        <p:nvSpPr>
-          <p:cNvPr id="2" name="内容占位符 1"/>
-          <p:cNvSpPr txBox="1"/>
-          <p:nvPr>
-            <p:custDataLst>
-              <p:tags r:id="rId1"/>
-            </p:custDataLst>
-          </p:nvPr>
-        </p:nvSpPr>
-        <p:spPr>
-          <a:xfrm>
-            <a:off x="608400" y="1491101"/>
-            <a:ext cx="10970190" cy="4758499"/>
-          </a:xfrm>
-          <a:prstGeom prst="rect">
-            <a:avLst/>
-          </a:prstGeom>
-        </p:spPr>
-        <p:txBody>
-          <a:bodyPr>
-            <a:normAutofit/>
-          </a:bodyPr>
-          <a:lstStyle>
-            <a:lvl1pPr marL="228600" indent="-228600" algn="l" defTabSz="914400" rtl="0" eaLnBrk="1" fontAlgn="auto" latinLnBrk="0" hangingPunct="1">
-              <a:lnSpc>
-                <a:spcPct val="130000"/>
-              </a:lnSpc>
-              <a:spcBef>
-                <a:spcPts val="0"/>
-              </a:spcBef>
-              <a:spcAft>
-                <a:spcPts val="1000"/>
-              </a:spcAft>
-              <a:buFont typeface="Arial" panose="020B0604020202020204" pitchFamily="34" charset="0"/>
-              <a:buChar char="•"/>
-              <a:defRPr sz="1600" u="none" strike="noStrike" kern="1200" cap="none" spc="150" normalizeH="0" baseline="0">
-                <a:solidFill>
-                  <a:schemeClr val="tx1"/>
-                </a:solidFill>
-                <a:uFillTx/>
-                <a:latin typeface="微软雅黑" panose="020B0503020204020204" charset="-122"/>
-                <a:ea typeface="微软雅黑" panose="020B0503020204020204" charset="-122"/>
-                <a:cs typeface="+mn-cs"/>
-              </a:defRPr>
-            </a:lvl1pPr>
-            <a:lvl2pPr marL="685800" indent="-228600" algn="l" defTabSz="914400" rtl="0" eaLnBrk="1" fontAlgn="auto" latinLnBrk="0" hangingPunct="1">
-              <a:lnSpc>
-                <a:spcPct val="130000"/>
-              </a:lnSpc>
-              <a:spcBef>
-                <a:spcPts val="0"/>
-              </a:spcBef>
-              <a:spcAft>
-                <a:spcPts val="1000"/>
-              </a:spcAft>
-              <a:buFont typeface="Arial" panose="020B0604020202020204" pitchFamily="34" charset="0"/>
-              <a:buChar char="•"/>
-              <a:tabLst>
-                <a:tab pos="1609725" algn="l"/>
-              </a:tabLst>
-              <a:defRPr sz="1600" u="none" strike="noStrike" kern="1200" cap="none" spc="150" normalizeH="0" baseline="0">
-                <a:solidFill>
-                  <a:schemeClr val="tx1"/>
-                </a:solidFill>
-                <a:uFillTx/>
-                <a:latin typeface="微软雅黑" panose="020B0503020204020204" charset="-122"/>
-                <a:ea typeface="微软雅黑" panose="020B0503020204020204" charset="-122"/>
-                <a:cs typeface="+mn-cs"/>
-              </a:defRPr>
-            </a:lvl2pPr>
-            <a:lvl3pPr marL="1143000" indent="-228600" algn="l" defTabSz="914400" rtl="0" eaLnBrk="1" fontAlgn="auto" latinLnBrk="0" hangingPunct="1">
-              <a:lnSpc>
-                <a:spcPct val="130000"/>
-              </a:lnSpc>
-              <a:spcBef>
-                <a:spcPts val="0"/>
-              </a:spcBef>
-              <a:spcAft>
-                <a:spcPts val="1000"/>
-              </a:spcAft>
-              <a:buFont typeface="Arial" panose="020B0604020202020204" pitchFamily="34" charset="0"/>
-              <a:buChar char="•"/>
-              <a:defRPr sz="1600" u="none" strike="noStrike" kern="1200" cap="none" spc="150" normalizeH="0" baseline="0">
-                <a:solidFill>
-                  <a:schemeClr val="tx1"/>
-                </a:solidFill>
-                <a:uFillTx/>
-                <a:latin typeface="微软雅黑" panose="020B0503020204020204" charset="-122"/>
-                <a:ea typeface="微软雅黑" panose="020B0503020204020204" charset="-122"/>
-                <a:cs typeface="+mn-cs"/>
-              </a:defRPr>
-            </a:lvl3pPr>
-            <a:lvl4pPr marL="1600200" indent="-228600" algn="l" defTabSz="914400" rtl="0" eaLnBrk="1" fontAlgn="auto" latinLnBrk="0" hangingPunct="1">
-              <a:lnSpc>
-                <a:spcPct val="130000"/>
-              </a:lnSpc>
-              <a:spcBef>
-                <a:spcPts val="0"/>
-              </a:spcBef>
-              <a:spcAft>
-                <a:spcPts val="1000"/>
-              </a:spcAft>
-              <a:buFont typeface="Arial" panose="020B0604020202020204" pitchFamily="34" charset="0"/>
-              <a:buChar char="•"/>
-              <a:defRPr sz="1600" u="none" strike="noStrike" kern="1200" cap="none" spc="150" normalizeH="0" baseline="0">
-                <a:solidFill>
-                  <a:schemeClr val="tx1"/>
-                </a:solidFill>
-                <a:uFillTx/>
-                <a:latin typeface="微软雅黑" panose="020B0503020204020204" charset="-122"/>
-                <a:ea typeface="微软雅黑" panose="020B0503020204020204" charset="-122"/>
-                <a:cs typeface="+mn-cs"/>
-              </a:defRPr>
-            </a:lvl4pPr>
-            <a:lvl5pPr marL="2057400" indent="-228600" algn="l" defTabSz="914400" rtl="0" eaLnBrk="1" fontAlgn="auto" latinLnBrk="0" hangingPunct="1">
-              <a:lnSpc>
-                <a:spcPct val="130000"/>
-              </a:lnSpc>
-              <a:spcBef>
-                <a:spcPts val="0"/>
-              </a:spcBef>
-              <a:spcAft>
-                <a:spcPts val="1000"/>
-              </a:spcAft>
-              <a:buFont typeface="Arial" panose="020B0604020202020204" pitchFamily="34" charset="0"/>
-              <a:buChar char="•"/>
-              <a:defRPr sz="1600" u="none" strike="noStrike" kern="1200" cap="none" spc="150" normalizeH="0" baseline="0">
-                <a:solidFill>
-                  <a:schemeClr val="tx1"/>
-                </a:solidFill>
-                <a:uFillTx/>
-                <a:latin typeface="微软雅黑" panose="020B0503020204020204" charset="-122"/>
-                <a:ea typeface="微软雅黑" panose="020B0503020204020204" charset="-122"/>
-                <a:cs typeface="+mn-cs"/>
-              </a:defRPr>
-            </a:lvl5pPr>
-            <a:lvl6pPr marL="2514600" indent="-228600" algn="l" defTabSz="914400" rtl="0" eaLnBrk="1" latinLnBrk="0" hangingPunct="1">
-              <a:lnSpc>
-                <a:spcPct val="90000"/>
-              </a:lnSpc>
-              <a:spcBef>
-                <a:spcPts val="500"/>
-              </a:spcBef>
-              <a:buFont typeface="Arial" panose="020B0604020202020204" pitchFamily="34" charset="0"/>
-              <a:buChar char="•"/>
-              <a:defRPr sz="1800" kern="1200">
-                <a:solidFill>
-                  <a:schemeClr val="tx1"/>
-                </a:solidFill>
-                <a:latin typeface="+mn-lt"/>
-                <a:ea typeface="+mn-ea"/>
-                <a:cs typeface="+mn-cs"/>
-              </a:defRPr>
-            </a:lvl6pPr>
-            <a:lvl7pPr marL="2971800" indent="-228600" algn="l" defTabSz="914400" rtl="0" eaLnBrk="1" latinLnBrk="0" hangingPunct="1">
-              <a:lnSpc>
-                <a:spcPct val="90000"/>
-              </a:lnSpc>
-              <a:spcBef>
-                <a:spcPts val="500"/>
-              </a:spcBef>
-              <a:buFont typeface="Arial" panose="020B0604020202020204" pitchFamily="34" charset="0"/>
-              <a:buChar char="•"/>
-              <a:defRPr sz="1800" kern="1200">
-                <a:solidFill>
-                  <a:schemeClr val="tx1"/>
-                </a:solidFill>
-                <a:latin typeface="+mn-lt"/>
-                <a:ea typeface="+mn-ea"/>
-                <a:cs typeface="+mn-cs"/>
-              </a:defRPr>
-            </a:lvl7pPr>
-            <a:lvl8pPr marL="3429000" indent="-228600" algn="l" defTabSz="914400" rtl="0" eaLnBrk="1" latinLnBrk="0" hangingPunct="1">
-              <a:lnSpc>
-                <a:spcPct val="90000"/>
-              </a:lnSpc>
-              <a:spcBef>
-                <a:spcPts val="500"/>
-              </a:spcBef>
-              <a:buFont typeface="Arial" panose="020B0604020202020204" pitchFamily="34" charset="0"/>
-              <a:buChar char="•"/>
-              <a:defRPr sz="1800" kern="1200">
-                <a:solidFill>
-                  <a:schemeClr val="tx1"/>
-                </a:solidFill>
-                <a:latin typeface="+mn-lt"/>
-                <a:ea typeface="+mn-ea"/>
-                <a:cs typeface="+mn-cs"/>
-              </a:defRPr>
-            </a:lvl8pPr>
-            <a:lvl9pPr marL="3886200" indent="-228600" algn="l" defTabSz="914400" rtl="0" eaLnBrk="1" latinLnBrk="0" hangingPunct="1">
-              <a:lnSpc>
-                <a:spcPct val="90000"/>
-              </a:lnSpc>
-              <a:spcBef>
-                <a:spcPts val="500"/>
-              </a:spcBef>
-              <a:buFont typeface="Arial" panose="020B0604020202020204" pitchFamily="34" charset="0"/>
-              <a:buChar char="•"/>
-              <a:defRPr sz="1800" kern="1200">
-                <a:solidFill>
-                  <a:schemeClr val="tx1"/>
-                </a:solidFill>
-                <a:latin typeface="+mn-lt"/>
-                <a:ea typeface="+mn-ea"/>
-                <a:cs typeface="+mn-cs"/>
-              </a:defRPr>
-            </a:lvl9pPr>
-          </a:lstStyle>
-          <a:p>
-            <a:pPr marR="0" lvl="0" indent="0" algn="just" defTabSz="914400" rtl="0" eaLnBrk="1" fontAlgn="auto" latinLnBrk="0" hangingPunct="1">
-              <a:lnSpc>
-                <a:spcPct val="130000"/>
-              </a:lnSpc>
-              <a:spcBef>
-                <a:spcPts val="0"/>
-              </a:spcBef>
-              <a:spcAft>
-                <a:spcPts val="800"/>
-              </a:spcAft>
-              <a:buClrTx/>
-              <a:buSzTx/>
-              <a:buFont typeface="Arial" panose="020B0604020202020204" pitchFamily="34" charset="0"/>
-              <a:buNone/>
-              <a:defRPr/>
-            </a:pPr>
-            <a:r>
-              <a:rPr lang="en-US" spc="0" dirty="0">
-                <a:solidFill>
-                  <a:schemeClr val="tx1">
-                    <a:lumMod val="65000"/>
-                    <a:lumOff val="35000"/>
-                  </a:schemeClr>
-                </a:solidFill>
-                <a:latin typeface="隶书" panose="02010509060101010101" charset="-122"/>
-                <a:ea typeface="隶书" panose="02010509060101010101" charset="-122"/>
-              </a:rPr>
-              <a:t>单击此处输入你的正文，文字是您思想的提炼，为了最终演示发布的良好效果，请尽量言简意赅的阐述观点；根据需要可酌情增减文字，以便观者可以准确理解您所传达的信息。-您的正文已经简明扼要，字字珠玑，但信息却错综复杂，需要用更多的文字来表述；但请您尽可能提炼思想的精髓，否则容易造成观者的阅读压力，适得其反。正如我们都希望改变世界，希望给人带去光明，但更多时候只需播下一颗种子，自然有微光照拂，雨露滋养。恰如其分的表达观点，往往可以事半功倍。-单击此处输入你的正文，文字是您思想的提炼，为了最终演示发布的良好效果，请尽量言简意赅的阐述观点；根据需要可酌情增减文字，以便观者可以准确理解您所传达的信息。-您的正文已经简明扼要，字字珠玑，但信息却错综复杂，需要用更多的文字来表述；但请您尽可能提炼思想的精髓，否则容易造成观者的阅读压力，适得其反。正如我们都希望改变世界，希望给人带去光明，但更多时候只需播下一颗种子，自然有微光照拂，雨露滋养。恰如其分的表达观点，往往可以事半功倍。</a:t>
-            </a:r>
-            <a:endParaRPr lang="en-US" spc="0" dirty="0">
-              <a:solidFill>
-                <a:schemeClr val="tx1">
-                  <a:lumMod val="65000"/>
-                  <a:lumOff val="35000"/>
-                </a:schemeClr>
-              </a:solidFill>
-              <a:latin typeface="隶书" panose="02010509060101010101" charset="-122"/>
-              <a:ea typeface="隶书" panose="02010509060101010101" charset="-122"/>
-            </a:endParaRPr>
-          </a:p>
-        </p:txBody>
-      </p:sp>
-      <p:sp>
-        <p:nvSpPr>
-          <p:cNvPr id="3" name="文本框 2"/>
-          <p:cNvSpPr txBox="1"/>
-          <p:nvPr>
-            <p:custDataLst>
-              <p:tags r:id="rId2"/>
-            </p:custDataLst>
-          </p:nvPr>
-        </p:nvSpPr>
-        <p:spPr>
-          <a:xfrm>
-            <a:off x="608400" y="608400"/>
-            <a:ext cx="10970823" cy="706755"/>
-          </a:xfrm>
-          <a:prstGeom prst="rect">
-            <a:avLst/>
-          </a:prstGeom>
-        </p:spPr>
-        <p:txBody>
-          <a:bodyPr vert="horz" lIns="90170" tIns="46990" rIns="90170" bIns="46990" rtlCol="0" anchor="ctr" anchorCtr="0">
-            <a:normAutofit/>
-          </a:bodyPr>
-          <a:lstStyle>
-            <a:lvl1pPr marR="0" fontAlgn="auto">
-              <a:lnSpc>
-                <a:spcPct val="100000"/>
-              </a:lnSpc>
-              <a:spcBef>
-                <a:spcPct val="0"/>
-              </a:spcBef>
-              <a:buNone/>
-              <a:defRPr kumimoji="0" lang="zh-CN" altLang="en-US" sz="3600" b="1" i="0" u="none" strike="noStrike" cap="none" spc="300" normalizeH="0" baseline="0" noProof="1" dirty="0">
-                <a:solidFill>
-                  <a:schemeClr val="tx1">
-                    <a:lumMod val="85000"/>
-                    <a:lumOff val="15000"/>
-                  </a:schemeClr>
-                </a:solidFill>
-                <a:uFillTx/>
-                <a:latin typeface="微软雅黑" panose="020B0503020204020204" charset="-122"/>
-                <a:ea typeface="微软雅黑" panose="020B0503020204020204" charset="-122"/>
-                <a:cs typeface="+mj-cs"/>
-                <a:sym typeface="+mn-ea"/>
-              </a:defRPr>
-            </a:lvl1pPr>
-          </a:lstStyle>
-          <a:p>
-            <a:r>
-              <a:rPr dirty="0">
-                <a:solidFill>
-                  <a:schemeClr val="tx1">
-                    <a:lumMod val="85000"/>
-                    <a:lumOff val="15000"/>
-                  </a:schemeClr>
-                </a:solidFill>
-                <a:uFillTx/>
-                <a:latin typeface="隶书" panose="02010509060101010101" charset="-122"/>
-                <a:ea typeface="隶书" panose="02010509060101010101" charset="-122"/>
-              </a:rPr>
-              <a:t>单击此处添加大标题</a:t>
-            </a:r>
-            <a:endParaRPr dirty="0">
-              <a:solidFill>
-                <a:schemeClr val="tx1">
-                  <a:lumMod val="85000"/>
-                  <a:lumOff val="15000"/>
-                </a:schemeClr>
-              </a:solidFill>
-              <a:uFillTx/>
-              <a:latin typeface="隶书" panose="02010509060101010101" charset="-122"/>
-              <a:ea typeface="隶书" panose="02010509060101010101" charset="-122"/>
-            </a:endParaRPr>
-          </a:p>
-        </p:txBody>
-      </p:sp>
-    </p:spTree>
-    <p:custDataLst>
-      <p:tags r:id="rId3"/>
-    </p:custDataLst>
-  </p:cSld>
-  <p:clrMapOvr>
-    <a:masterClrMapping/>
-  </p:clrMapOvr>
-</p:sld>
-</file>
-
-<file path=ppt/slides/slide7.xml><?xml version="1.0" encoding="utf-8"?>
+<file path=ppt/slides/slide12.xml><?xml version="1.0" encoding="utf-8"?>
 <p:sld xmlns:a="http://schemas.openxmlformats.org/drawingml/2006/main" xmlns:r="http://schemas.openxmlformats.org/officeDocument/2006/relationships" xmlns:p="http://schemas.openxmlformats.org/presentationml/2006/main">
   <p:cSld>
     <p:spTree>
@@ -12780,6 +12437,4955 @@
 </p:sld>
 </file>
 
+<file path=ppt/slides/slide2.xml><?xml version="1.0" encoding="utf-8"?>
+<p:sld xmlns:a="http://schemas.openxmlformats.org/drawingml/2006/main" xmlns:r="http://schemas.openxmlformats.org/officeDocument/2006/relationships" xmlns:p="http://schemas.openxmlformats.org/presentationml/2006/main">
+  <p:cSld>
+    <p:spTree>
+      <p:nvGrpSpPr>
+        <p:cNvPr id="1" name=""/>
+        <p:cNvGrpSpPr/>
+        <p:nvPr/>
+      </p:nvGrpSpPr>
+      <p:grpSpPr>
+        <a:xfrm>
+          <a:off x="0" y="0"/>
+          <a:ext cx="0" cy="0"/>
+          <a:chOff x="0" y="0"/>
+          <a:chExt cx="0" cy="0"/>
+        </a:xfrm>
+      </p:grpSpPr>
+      <p:sp>
+        <p:nvSpPr>
+          <p:cNvPr id="2" name="内容占位符 1"/>
+          <p:cNvSpPr txBox="1"/>
+          <p:nvPr>
+            <p:custDataLst>
+              <p:tags r:id="rId1"/>
+            </p:custDataLst>
+          </p:nvPr>
+        </p:nvSpPr>
+        <p:spPr>
+          <a:xfrm>
+            <a:off x="608400" y="1491101"/>
+            <a:ext cx="10970190" cy="4758499"/>
+          </a:xfrm>
+          <a:prstGeom prst="rect">
+            <a:avLst/>
+          </a:prstGeom>
+        </p:spPr>
+        <p:txBody>
+          <a:bodyPr>
+            <a:normAutofit/>
+          </a:bodyPr>
+          <a:lstStyle>
+            <a:lvl1pPr marL="228600" indent="-228600" algn="l" defTabSz="914400" rtl="0" eaLnBrk="1" fontAlgn="auto" latinLnBrk="0" hangingPunct="1">
+              <a:lnSpc>
+                <a:spcPct val="130000"/>
+              </a:lnSpc>
+              <a:spcBef>
+                <a:spcPts val="0"/>
+              </a:spcBef>
+              <a:spcAft>
+                <a:spcPts val="1000"/>
+              </a:spcAft>
+              <a:buFont typeface="Arial" panose="020B0604020202020204" pitchFamily="34" charset="0"/>
+              <a:buChar char="•"/>
+              <a:defRPr sz="1600" u="none" strike="noStrike" kern="1200" cap="none" spc="150" normalizeH="0" baseline="0">
+                <a:solidFill>
+                  <a:schemeClr val="tx1"/>
+                </a:solidFill>
+                <a:uFillTx/>
+                <a:latin typeface="微软雅黑" panose="020B0503020204020204" charset="-122"/>
+                <a:ea typeface="微软雅黑" panose="020B0503020204020204" charset="-122"/>
+                <a:cs typeface="+mn-cs"/>
+              </a:defRPr>
+            </a:lvl1pPr>
+            <a:lvl2pPr marL="685800" indent="-228600" algn="l" defTabSz="914400" rtl="0" eaLnBrk="1" fontAlgn="auto" latinLnBrk="0" hangingPunct="1">
+              <a:lnSpc>
+                <a:spcPct val="130000"/>
+              </a:lnSpc>
+              <a:spcBef>
+                <a:spcPts val="0"/>
+              </a:spcBef>
+              <a:spcAft>
+                <a:spcPts val="1000"/>
+              </a:spcAft>
+              <a:buFont typeface="Arial" panose="020B0604020202020204" pitchFamily="34" charset="0"/>
+              <a:buChar char="•"/>
+              <a:tabLst>
+                <a:tab pos="1609725" algn="l"/>
+              </a:tabLst>
+              <a:defRPr sz="1600" u="none" strike="noStrike" kern="1200" cap="none" spc="150" normalizeH="0" baseline="0">
+                <a:solidFill>
+                  <a:schemeClr val="tx1"/>
+                </a:solidFill>
+                <a:uFillTx/>
+                <a:latin typeface="微软雅黑" panose="020B0503020204020204" charset="-122"/>
+                <a:ea typeface="微软雅黑" panose="020B0503020204020204" charset="-122"/>
+                <a:cs typeface="+mn-cs"/>
+              </a:defRPr>
+            </a:lvl2pPr>
+            <a:lvl3pPr marL="1143000" indent="-228600" algn="l" defTabSz="914400" rtl="0" eaLnBrk="1" fontAlgn="auto" latinLnBrk="0" hangingPunct="1">
+              <a:lnSpc>
+                <a:spcPct val="130000"/>
+              </a:lnSpc>
+              <a:spcBef>
+                <a:spcPts val="0"/>
+              </a:spcBef>
+              <a:spcAft>
+                <a:spcPts val="1000"/>
+              </a:spcAft>
+              <a:buFont typeface="Arial" panose="020B0604020202020204" pitchFamily="34" charset="0"/>
+              <a:buChar char="•"/>
+              <a:defRPr sz="1600" u="none" strike="noStrike" kern="1200" cap="none" spc="150" normalizeH="0" baseline="0">
+                <a:solidFill>
+                  <a:schemeClr val="tx1"/>
+                </a:solidFill>
+                <a:uFillTx/>
+                <a:latin typeface="微软雅黑" panose="020B0503020204020204" charset="-122"/>
+                <a:ea typeface="微软雅黑" panose="020B0503020204020204" charset="-122"/>
+                <a:cs typeface="+mn-cs"/>
+              </a:defRPr>
+            </a:lvl3pPr>
+            <a:lvl4pPr marL="1600200" indent="-228600" algn="l" defTabSz="914400" rtl="0" eaLnBrk="1" fontAlgn="auto" latinLnBrk="0" hangingPunct="1">
+              <a:lnSpc>
+                <a:spcPct val="130000"/>
+              </a:lnSpc>
+              <a:spcBef>
+                <a:spcPts val="0"/>
+              </a:spcBef>
+              <a:spcAft>
+                <a:spcPts val="1000"/>
+              </a:spcAft>
+              <a:buFont typeface="Arial" panose="020B0604020202020204" pitchFamily="34" charset="0"/>
+              <a:buChar char="•"/>
+              <a:defRPr sz="1600" u="none" strike="noStrike" kern="1200" cap="none" spc="150" normalizeH="0" baseline="0">
+                <a:solidFill>
+                  <a:schemeClr val="tx1"/>
+                </a:solidFill>
+                <a:uFillTx/>
+                <a:latin typeface="微软雅黑" panose="020B0503020204020204" charset="-122"/>
+                <a:ea typeface="微软雅黑" panose="020B0503020204020204" charset="-122"/>
+                <a:cs typeface="+mn-cs"/>
+              </a:defRPr>
+            </a:lvl4pPr>
+            <a:lvl5pPr marL="2057400" indent="-228600" algn="l" defTabSz="914400" rtl="0" eaLnBrk="1" fontAlgn="auto" latinLnBrk="0" hangingPunct="1">
+              <a:lnSpc>
+                <a:spcPct val="130000"/>
+              </a:lnSpc>
+              <a:spcBef>
+                <a:spcPts val="0"/>
+              </a:spcBef>
+              <a:spcAft>
+                <a:spcPts val="1000"/>
+              </a:spcAft>
+              <a:buFont typeface="Arial" panose="020B0604020202020204" pitchFamily="34" charset="0"/>
+              <a:buChar char="•"/>
+              <a:defRPr sz="1600" u="none" strike="noStrike" kern="1200" cap="none" spc="150" normalizeH="0" baseline="0">
+                <a:solidFill>
+                  <a:schemeClr val="tx1"/>
+                </a:solidFill>
+                <a:uFillTx/>
+                <a:latin typeface="微软雅黑" panose="020B0503020204020204" charset="-122"/>
+                <a:ea typeface="微软雅黑" panose="020B0503020204020204" charset="-122"/>
+                <a:cs typeface="+mn-cs"/>
+              </a:defRPr>
+            </a:lvl5pPr>
+            <a:lvl6pPr marL="2514600" indent="-228600" algn="l" defTabSz="914400" rtl="0" eaLnBrk="1" latinLnBrk="0" hangingPunct="1">
+              <a:lnSpc>
+                <a:spcPct val="90000"/>
+              </a:lnSpc>
+              <a:spcBef>
+                <a:spcPts val="500"/>
+              </a:spcBef>
+              <a:buFont typeface="Arial" panose="020B0604020202020204" pitchFamily="34" charset="0"/>
+              <a:buChar char="•"/>
+              <a:defRPr sz="1800" kern="1200">
+                <a:solidFill>
+                  <a:schemeClr val="tx1"/>
+                </a:solidFill>
+                <a:latin typeface="+mn-lt"/>
+                <a:ea typeface="+mn-ea"/>
+                <a:cs typeface="+mn-cs"/>
+              </a:defRPr>
+            </a:lvl6pPr>
+            <a:lvl7pPr marL="2971800" indent="-228600" algn="l" defTabSz="914400" rtl="0" eaLnBrk="1" latinLnBrk="0" hangingPunct="1">
+              <a:lnSpc>
+                <a:spcPct val="90000"/>
+              </a:lnSpc>
+              <a:spcBef>
+                <a:spcPts val="500"/>
+              </a:spcBef>
+              <a:buFont typeface="Arial" panose="020B0604020202020204" pitchFamily="34" charset="0"/>
+              <a:buChar char="•"/>
+              <a:defRPr sz="1800" kern="1200">
+                <a:solidFill>
+                  <a:schemeClr val="tx1"/>
+                </a:solidFill>
+                <a:latin typeface="+mn-lt"/>
+                <a:ea typeface="+mn-ea"/>
+                <a:cs typeface="+mn-cs"/>
+              </a:defRPr>
+            </a:lvl7pPr>
+            <a:lvl8pPr marL="3429000" indent="-228600" algn="l" defTabSz="914400" rtl="0" eaLnBrk="1" latinLnBrk="0" hangingPunct="1">
+              <a:lnSpc>
+                <a:spcPct val="90000"/>
+              </a:lnSpc>
+              <a:spcBef>
+                <a:spcPts val="500"/>
+              </a:spcBef>
+              <a:buFont typeface="Arial" panose="020B0604020202020204" pitchFamily="34" charset="0"/>
+              <a:buChar char="•"/>
+              <a:defRPr sz="1800" kern="1200">
+                <a:solidFill>
+                  <a:schemeClr val="tx1"/>
+                </a:solidFill>
+                <a:latin typeface="+mn-lt"/>
+                <a:ea typeface="+mn-ea"/>
+                <a:cs typeface="+mn-cs"/>
+              </a:defRPr>
+            </a:lvl8pPr>
+            <a:lvl9pPr marL="3886200" indent="-228600" algn="l" defTabSz="914400" rtl="0" eaLnBrk="1" latinLnBrk="0" hangingPunct="1">
+              <a:lnSpc>
+                <a:spcPct val="90000"/>
+              </a:lnSpc>
+              <a:spcBef>
+                <a:spcPts val="500"/>
+              </a:spcBef>
+              <a:buFont typeface="Arial" panose="020B0604020202020204" pitchFamily="34" charset="0"/>
+              <a:buChar char="•"/>
+              <a:defRPr sz="1800" kern="1200">
+                <a:solidFill>
+                  <a:schemeClr val="tx1"/>
+                </a:solidFill>
+                <a:latin typeface="+mn-lt"/>
+                <a:ea typeface="+mn-ea"/>
+                <a:cs typeface="+mn-cs"/>
+              </a:defRPr>
+            </a:lvl9pPr>
+          </a:lstStyle>
+          <a:p>
+            <a:pPr marR="0" lvl="0" indent="0" algn="just" defTabSz="914400" rtl="0" eaLnBrk="1" fontAlgn="auto" latinLnBrk="0" hangingPunct="1">
+              <a:lnSpc>
+                <a:spcPct val="130000"/>
+              </a:lnSpc>
+              <a:spcBef>
+                <a:spcPts val="0"/>
+              </a:spcBef>
+              <a:spcAft>
+                <a:spcPts val="800"/>
+              </a:spcAft>
+              <a:buClrTx/>
+              <a:buSzTx/>
+              <a:buFont typeface="Arial" panose="020B0604020202020204" pitchFamily="34" charset="0"/>
+              <a:buNone/>
+              <a:defRPr/>
+            </a:pPr>
+            <a:r>
+              <a:rPr lang="en-US" spc="0" dirty="0">
+                <a:solidFill>
+                  <a:schemeClr val="tx1">
+                    <a:lumMod val="65000"/>
+                    <a:lumOff val="35000"/>
+                  </a:schemeClr>
+                </a:solidFill>
+                <a:latin typeface="隶书" panose="02010509060101010101" charset="-122"/>
+                <a:ea typeface="隶书" panose="02010509060101010101" charset="-122"/>
+              </a:rPr>
+              <a:t>架构：单机，主从，集群</a:t>
+            </a:r>
+            <a:endParaRPr lang="en-US" spc="0" dirty="0">
+              <a:solidFill>
+                <a:schemeClr val="tx1">
+                  <a:lumMod val="65000"/>
+                  <a:lumOff val="35000"/>
+                </a:schemeClr>
+              </a:solidFill>
+              <a:latin typeface="隶书" panose="02010509060101010101" charset="-122"/>
+              <a:ea typeface="隶书" panose="02010509060101010101" charset="-122"/>
+            </a:endParaRPr>
+          </a:p>
+          <a:p>
+            <a:pPr marR="0" lvl="0" indent="0" algn="just" defTabSz="914400" rtl="0" eaLnBrk="1" fontAlgn="auto" latinLnBrk="0" hangingPunct="1">
+              <a:lnSpc>
+                <a:spcPct val="130000"/>
+              </a:lnSpc>
+              <a:spcBef>
+                <a:spcPts val="0"/>
+              </a:spcBef>
+              <a:spcAft>
+                <a:spcPts val="800"/>
+              </a:spcAft>
+              <a:buClrTx/>
+              <a:buSzTx/>
+              <a:buFont typeface="Arial" panose="020B0604020202020204" pitchFamily="34" charset="0"/>
+              <a:buNone/>
+              <a:defRPr/>
+            </a:pPr>
+            <a:r>
+              <a:rPr lang="en-US" spc="0" dirty="0">
+                <a:solidFill>
+                  <a:schemeClr val="tx1">
+                    <a:lumMod val="65000"/>
+                    <a:lumOff val="35000"/>
+                  </a:schemeClr>
+                </a:solidFill>
+                <a:latin typeface="隶书" panose="02010509060101010101" charset="-122"/>
+                <a:ea typeface="隶书" panose="02010509060101010101" charset="-122"/>
+              </a:rPr>
+              <a:t>应用：</a:t>
+            </a:r>
+            <a:endParaRPr lang="en-US" spc="0" dirty="0">
+              <a:solidFill>
+                <a:schemeClr val="tx1">
+                  <a:lumMod val="65000"/>
+                  <a:lumOff val="35000"/>
+                </a:schemeClr>
+              </a:solidFill>
+              <a:latin typeface="隶书" panose="02010509060101010101" charset="-122"/>
+              <a:ea typeface="隶书" panose="02010509060101010101" charset="-122"/>
+            </a:endParaRPr>
+          </a:p>
+          <a:p>
+            <a:pPr marR="0" lvl="0" indent="0" algn="just" defTabSz="914400" rtl="0" eaLnBrk="1" fontAlgn="auto" latinLnBrk="0" hangingPunct="1">
+              <a:lnSpc>
+                <a:spcPct val="130000"/>
+              </a:lnSpc>
+              <a:spcBef>
+                <a:spcPts val="0"/>
+              </a:spcBef>
+              <a:spcAft>
+                <a:spcPts val="800"/>
+              </a:spcAft>
+              <a:buClrTx/>
+              <a:buSzTx/>
+              <a:buFont typeface="Arial" panose="020B0604020202020204" pitchFamily="34" charset="0"/>
+              <a:buNone/>
+              <a:defRPr/>
+            </a:pPr>
+            <a:r>
+              <a:rPr lang="en-US" spc="0" dirty="0">
+                <a:solidFill>
+                  <a:schemeClr val="tx1">
+                    <a:lumMod val="65000"/>
+                    <a:lumOff val="35000"/>
+                  </a:schemeClr>
+                </a:solidFill>
+                <a:latin typeface="隶书" panose="02010509060101010101" charset="-122"/>
+                <a:ea typeface="隶书" panose="02010509060101010101" charset="-122"/>
+              </a:rPr>
+              <a:t>         1—缓存、持久化</a:t>
+            </a:r>
+            <a:endParaRPr lang="en-US" spc="0" dirty="0">
+              <a:solidFill>
+                <a:schemeClr val="tx1">
+                  <a:lumMod val="65000"/>
+                  <a:lumOff val="35000"/>
+                </a:schemeClr>
+              </a:solidFill>
+              <a:latin typeface="隶书" panose="02010509060101010101" charset="-122"/>
+              <a:ea typeface="隶书" panose="02010509060101010101" charset="-122"/>
+            </a:endParaRPr>
+          </a:p>
+          <a:p>
+            <a:pPr marR="0" lvl="0" indent="0" algn="just" defTabSz="914400" rtl="0" eaLnBrk="1" fontAlgn="auto" latinLnBrk="0" hangingPunct="1">
+              <a:lnSpc>
+                <a:spcPct val="130000"/>
+              </a:lnSpc>
+              <a:spcBef>
+                <a:spcPts val="0"/>
+              </a:spcBef>
+              <a:spcAft>
+                <a:spcPts val="800"/>
+              </a:spcAft>
+              <a:buClrTx/>
+              <a:buSzTx/>
+              <a:buFont typeface="Arial" panose="020B0604020202020204" pitchFamily="34" charset="0"/>
+              <a:buNone/>
+              <a:defRPr/>
+            </a:pPr>
+            <a:r>
+              <a:rPr lang="en-US" spc="0" dirty="0">
+                <a:solidFill>
+                  <a:schemeClr val="tx1">
+                    <a:lumMod val="65000"/>
+                    <a:lumOff val="35000"/>
+                  </a:schemeClr>
+                </a:solidFill>
+                <a:latin typeface="隶书" panose="02010509060101010101" charset="-122"/>
+                <a:ea typeface="隶书" panose="02010509060101010101" charset="-122"/>
+              </a:rPr>
+              <a:t>         2—订阅、发布（消息队列、消息通知）</a:t>
+            </a:r>
+            <a:endParaRPr lang="en-US" spc="0" dirty="0">
+              <a:solidFill>
+                <a:schemeClr val="tx1">
+                  <a:lumMod val="65000"/>
+                  <a:lumOff val="35000"/>
+                </a:schemeClr>
+              </a:solidFill>
+              <a:latin typeface="隶书" panose="02010509060101010101" charset="-122"/>
+              <a:ea typeface="隶书" panose="02010509060101010101" charset="-122"/>
+            </a:endParaRPr>
+          </a:p>
+          <a:p>
+            <a:pPr marR="0" lvl="0" indent="0" algn="just" defTabSz="914400" rtl="0" eaLnBrk="1" fontAlgn="auto" latinLnBrk="0" hangingPunct="1">
+              <a:lnSpc>
+                <a:spcPct val="130000"/>
+              </a:lnSpc>
+              <a:spcBef>
+                <a:spcPts val="0"/>
+              </a:spcBef>
+              <a:spcAft>
+                <a:spcPts val="800"/>
+              </a:spcAft>
+              <a:buClrTx/>
+              <a:buSzTx/>
+              <a:buFont typeface="Arial" panose="020B0604020202020204" pitchFamily="34" charset="0"/>
+              <a:buNone/>
+              <a:defRPr/>
+            </a:pPr>
+            <a:r>
+              <a:rPr lang="en-US" spc="0" dirty="0">
+                <a:solidFill>
+                  <a:schemeClr val="tx1">
+                    <a:lumMod val="65000"/>
+                    <a:lumOff val="35000"/>
+                  </a:schemeClr>
+                </a:solidFill>
+                <a:latin typeface="隶书" panose="02010509060101010101" charset="-122"/>
+                <a:ea typeface="隶书" panose="02010509060101010101" charset="-122"/>
+              </a:rPr>
+              <a:t>         3—分布式锁</a:t>
+            </a:r>
+            <a:endParaRPr lang="en-US" spc="0" dirty="0">
+              <a:solidFill>
+                <a:schemeClr val="tx1">
+                  <a:lumMod val="65000"/>
+                  <a:lumOff val="35000"/>
+                </a:schemeClr>
+              </a:solidFill>
+              <a:latin typeface="隶书" panose="02010509060101010101" charset="-122"/>
+              <a:ea typeface="隶书" panose="02010509060101010101" charset="-122"/>
+            </a:endParaRPr>
+          </a:p>
+          <a:p>
+            <a:pPr marR="0" lvl="0" indent="0" algn="just" defTabSz="914400" rtl="0" eaLnBrk="1" fontAlgn="auto" latinLnBrk="0" hangingPunct="1">
+              <a:lnSpc>
+                <a:spcPct val="130000"/>
+              </a:lnSpc>
+              <a:spcBef>
+                <a:spcPts val="0"/>
+              </a:spcBef>
+              <a:spcAft>
+                <a:spcPts val="800"/>
+              </a:spcAft>
+              <a:buClrTx/>
+              <a:buSzTx/>
+              <a:buFont typeface="Arial" panose="020B0604020202020204" pitchFamily="34" charset="0"/>
+              <a:buNone/>
+              <a:defRPr/>
+            </a:pPr>
+            <a:r>
+              <a:rPr lang="en-US" spc="0" dirty="0">
+                <a:solidFill>
+                  <a:schemeClr val="tx1">
+                    <a:lumMod val="65000"/>
+                    <a:lumOff val="35000"/>
+                  </a:schemeClr>
+                </a:solidFill>
+                <a:latin typeface="隶书" panose="02010509060101010101" charset="-122"/>
+                <a:ea typeface="隶书" panose="02010509060101010101" charset="-122"/>
+              </a:rPr>
+              <a:t>         4—分布式Session共享   </a:t>
+            </a:r>
+            <a:endParaRPr lang="en-US" spc="0" dirty="0">
+              <a:solidFill>
+                <a:schemeClr val="tx1">
+                  <a:lumMod val="65000"/>
+                  <a:lumOff val="35000"/>
+                </a:schemeClr>
+              </a:solidFill>
+              <a:latin typeface="隶书" panose="02010509060101010101" charset="-122"/>
+              <a:ea typeface="隶书" panose="02010509060101010101" charset="-122"/>
+            </a:endParaRPr>
+          </a:p>
+        </p:txBody>
+      </p:sp>
+      <p:sp>
+        <p:nvSpPr>
+          <p:cNvPr id="3" name="文本框 2"/>
+          <p:cNvSpPr txBox="1"/>
+          <p:nvPr>
+            <p:custDataLst>
+              <p:tags r:id="rId2"/>
+            </p:custDataLst>
+          </p:nvPr>
+        </p:nvSpPr>
+        <p:spPr>
+          <a:xfrm>
+            <a:off x="608400" y="608400"/>
+            <a:ext cx="10970823" cy="706755"/>
+          </a:xfrm>
+          <a:prstGeom prst="rect">
+            <a:avLst/>
+          </a:prstGeom>
+        </p:spPr>
+        <p:txBody>
+          <a:bodyPr vert="horz" lIns="90170" tIns="46990" rIns="90170" bIns="46990" rtlCol="0" anchor="ctr" anchorCtr="0">
+            <a:normAutofit/>
+          </a:bodyPr>
+          <a:lstStyle>
+            <a:lvl1pPr marR="0" fontAlgn="auto">
+              <a:lnSpc>
+                <a:spcPct val="100000"/>
+              </a:lnSpc>
+              <a:spcBef>
+                <a:spcPct val="0"/>
+              </a:spcBef>
+              <a:buNone/>
+              <a:defRPr kumimoji="0" lang="zh-CN" altLang="en-US" sz="3600" b="1" i="0" u="none" strike="noStrike" cap="none" spc="300" normalizeH="0" baseline="0" noProof="1" dirty="0">
+                <a:solidFill>
+                  <a:schemeClr val="tx1">
+                    <a:lumMod val="85000"/>
+                    <a:lumOff val="15000"/>
+                  </a:schemeClr>
+                </a:solidFill>
+                <a:uFillTx/>
+                <a:latin typeface="微软雅黑" panose="020B0503020204020204" charset="-122"/>
+                <a:ea typeface="微软雅黑" panose="020B0503020204020204" charset="-122"/>
+                <a:cs typeface="+mj-cs"/>
+                <a:sym typeface="+mn-ea"/>
+              </a:defRPr>
+            </a:lvl1pPr>
+          </a:lstStyle>
+          <a:p>
+            <a:r>
+              <a:rPr lang="en-US" altLang="zh-CN" dirty="0">
+                <a:solidFill>
+                  <a:schemeClr val="tx1">
+                    <a:lumMod val="85000"/>
+                    <a:lumOff val="15000"/>
+                  </a:schemeClr>
+                </a:solidFill>
+                <a:uFillTx/>
+                <a:latin typeface="隶书" panose="02010509060101010101" charset="-122"/>
+                <a:ea typeface="隶书" panose="02010509060101010101" charset="-122"/>
+              </a:rPr>
+              <a:t>Redis</a:t>
+            </a:r>
+            <a:endParaRPr lang="en-US" altLang="zh-CN" dirty="0">
+              <a:solidFill>
+                <a:schemeClr val="tx1">
+                  <a:lumMod val="85000"/>
+                  <a:lumOff val="15000"/>
+                </a:schemeClr>
+              </a:solidFill>
+              <a:uFillTx/>
+              <a:latin typeface="隶书" panose="02010509060101010101" charset="-122"/>
+              <a:ea typeface="隶书" panose="02010509060101010101" charset="-122"/>
+            </a:endParaRPr>
+          </a:p>
+        </p:txBody>
+      </p:sp>
+    </p:spTree>
+    <p:custDataLst>
+      <p:tags r:id="rId3"/>
+    </p:custDataLst>
+  </p:cSld>
+  <p:clrMapOvr>
+    <a:masterClrMapping/>
+  </p:clrMapOvr>
+</p:sld>
+</file>
+
+<file path=ppt/slides/slide3.xml><?xml version="1.0" encoding="utf-8"?>
+<p:sld xmlns:a="http://schemas.openxmlformats.org/drawingml/2006/main" xmlns:r="http://schemas.openxmlformats.org/officeDocument/2006/relationships" xmlns:p="http://schemas.openxmlformats.org/presentationml/2006/main">
+  <p:cSld>
+    <p:spTree>
+      <p:nvGrpSpPr>
+        <p:cNvPr id="1" name=""/>
+        <p:cNvGrpSpPr/>
+        <p:nvPr/>
+      </p:nvGrpSpPr>
+      <p:grpSpPr>
+        <a:xfrm>
+          <a:off x="0" y="0"/>
+          <a:ext cx="0" cy="0"/>
+          <a:chOff x="0" y="0"/>
+          <a:chExt cx="0" cy="0"/>
+        </a:xfrm>
+      </p:grpSpPr>
+      <p:sp>
+        <p:nvSpPr>
+          <p:cNvPr id="2" name="内容占位符 1"/>
+          <p:cNvSpPr txBox="1"/>
+          <p:nvPr>
+            <p:custDataLst>
+              <p:tags r:id="rId1"/>
+            </p:custDataLst>
+          </p:nvPr>
+        </p:nvSpPr>
+        <p:spPr>
+          <a:xfrm>
+            <a:off x="608400" y="1491101"/>
+            <a:ext cx="10970190" cy="4758499"/>
+          </a:xfrm>
+          <a:prstGeom prst="rect">
+            <a:avLst/>
+          </a:prstGeom>
+        </p:spPr>
+        <p:txBody>
+          <a:bodyPr>
+            <a:normAutofit/>
+          </a:bodyPr>
+          <a:lstStyle>
+            <a:lvl1pPr marL="228600" indent="-228600" algn="l" defTabSz="914400" rtl="0" eaLnBrk="1" fontAlgn="auto" latinLnBrk="0" hangingPunct="1">
+              <a:lnSpc>
+                <a:spcPct val="130000"/>
+              </a:lnSpc>
+              <a:spcBef>
+                <a:spcPts val="0"/>
+              </a:spcBef>
+              <a:spcAft>
+                <a:spcPts val="1000"/>
+              </a:spcAft>
+              <a:buFont typeface="Arial" panose="020B0604020202020204" pitchFamily="34" charset="0"/>
+              <a:buChar char="•"/>
+              <a:defRPr sz="1600" u="none" strike="noStrike" kern="1200" cap="none" spc="150" normalizeH="0" baseline="0">
+                <a:solidFill>
+                  <a:schemeClr val="tx1"/>
+                </a:solidFill>
+                <a:uFillTx/>
+                <a:latin typeface="微软雅黑" panose="020B0503020204020204" charset="-122"/>
+                <a:ea typeface="微软雅黑" panose="020B0503020204020204" charset="-122"/>
+                <a:cs typeface="+mn-cs"/>
+              </a:defRPr>
+            </a:lvl1pPr>
+            <a:lvl2pPr marL="685800" indent="-228600" algn="l" defTabSz="914400" rtl="0" eaLnBrk="1" fontAlgn="auto" latinLnBrk="0" hangingPunct="1">
+              <a:lnSpc>
+                <a:spcPct val="130000"/>
+              </a:lnSpc>
+              <a:spcBef>
+                <a:spcPts val="0"/>
+              </a:spcBef>
+              <a:spcAft>
+                <a:spcPts val="1000"/>
+              </a:spcAft>
+              <a:buFont typeface="Arial" panose="020B0604020202020204" pitchFamily="34" charset="0"/>
+              <a:buChar char="•"/>
+              <a:tabLst>
+                <a:tab pos="1609725" algn="l"/>
+              </a:tabLst>
+              <a:defRPr sz="1600" u="none" strike="noStrike" kern="1200" cap="none" spc="150" normalizeH="0" baseline="0">
+                <a:solidFill>
+                  <a:schemeClr val="tx1"/>
+                </a:solidFill>
+                <a:uFillTx/>
+                <a:latin typeface="微软雅黑" panose="020B0503020204020204" charset="-122"/>
+                <a:ea typeface="微软雅黑" panose="020B0503020204020204" charset="-122"/>
+                <a:cs typeface="+mn-cs"/>
+              </a:defRPr>
+            </a:lvl2pPr>
+            <a:lvl3pPr marL="1143000" indent="-228600" algn="l" defTabSz="914400" rtl="0" eaLnBrk="1" fontAlgn="auto" latinLnBrk="0" hangingPunct="1">
+              <a:lnSpc>
+                <a:spcPct val="130000"/>
+              </a:lnSpc>
+              <a:spcBef>
+                <a:spcPts val="0"/>
+              </a:spcBef>
+              <a:spcAft>
+                <a:spcPts val="1000"/>
+              </a:spcAft>
+              <a:buFont typeface="Arial" panose="020B0604020202020204" pitchFamily="34" charset="0"/>
+              <a:buChar char="•"/>
+              <a:defRPr sz="1600" u="none" strike="noStrike" kern="1200" cap="none" spc="150" normalizeH="0" baseline="0">
+                <a:solidFill>
+                  <a:schemeClr val="tx1"/>
+                </a:solidFill>
+                <a:uFillTx/>
+                <a:latin typeface="微软雅黑" panose="020B0503020204020204" charset="-122"/>
+                <a:ea typeface="微软雅黑" panose="020B0503020204020204" charset="-122"/>
+                <a:cs typeface="+mn-cs"/>
+              </a:defRPr>
+            </a:lvl3pPr>
+            <a:lvl4pPr marL="1600200" indent="-228600" algn="l" defTabSz="914400" rtl="0" eaLnBrk="1" fontAlgn="auto" latinLnBrk="0" hangingPunct="1">
+              <a:lnSpc>
+                <a:spcPct val="130000"/>
+              </a:lnSpc>
+              <a:spcBef>
+                <a:spcPts val="0"/>
+              </a:spcBef>
+              <a:spcAft>
+                <a:spcPts val="1000"/>
+              </a:spcAft>
+              <a:buFont typeface="Arial" panose="020B0604020202020204" pitchFamily="34" charset="0"/>
+              <a:buChar char="•"/>
+              <a:defRPr sz="1600" u="none" strike="noStrike" kern="1200" cap="none" spc="150" normalizeH="0" baseline="0">
+                <a:solidFill>
+                  <a:schemeClr val="tx1"/>
+                </a:solidFill>
+                <a:uFillTx/>
+                <a:latin typeface="微软雅黑" panose="020B0503020204020204" charset="-122"/>
+                <a:ea typeface="微软雅黑" panose="020B0503020204020204" charset="-122"/>
+                <a:cs typeface="+mn-cs"/>
+              </a:defRPr>
+            </a:lvl4pPr>
+            <a:lvl5pPr marL="2057400" indent="-228600" algn="l" defTabSz="914400" rtl="0" eaLnBrk="1" fontAlgn="auto" latinLnBrk="0" hangingPunct="1">
+              <a:lnSpc>
+                <a:spcPct val="130000"/>
+              </a:lnSpc>
+              <a:spcBef>
+                <a:spcPts val="0"/>
+              </a:spcBef>
+              <a:spcAft>
+                <a:spcPts val="1000"/>
+              </a:spcAft>
+              <a:buFont typeface="Arial" panose="020B0604020202020204" pitchFamily="34" charset="0"/>
+              <a:buChar char="•"/>
+              <a:defRPr sz="1600" u="none" strike="noStrike" kern="1200" cap="none" spc="150" normalizeH="0" baseline="0">
+                <a:solidFill>
+                  <a:schemeClr val="tx1"/>
+                </a:solidFill>
+                <a:uFillTx/>
+                <a:latin typeface="微软雅黑" panose="020B0503020204020204" charset="-122"/>
+                <a:ea typeface="微软雅黑" panose="020B0503020204020204" charset="-122"/>
+                <a:cs typeface="+mn-cs"/>
+              </a:defRPr>
+            </a:lvl5pPr>
+            <a:lvl6pPr marL="2514600" indent="-228600" algn="l" defTabSz="914400" rtl="0" eaLnBrk="1" latinLnBrk="0" hangingPunct="1">
+              <a:lnSpc>
+                <a:spcPct val="90000"/>
+              </a:lnSpc>
+              <a:spcBef>
+                <a:spcPts val="500"/>
+              </a:spcBef>
+              <a:buFont typeface="Arial" panose="020B0604020202020204" pitchFamily="34" charset="0"/>
+              <a:buChar char="•"/>
+              <a:defRPr sz="1800" kern="1200">
+                <a:solidFill>
+                  <a:schemeClr val="tx1"/>
+                </a:solidFill>
+                <a:latin typeface="+mn-lt"/>
+                <a:ea typeface="+mn-ea"/>
+                <a:cs typeface="+mn-cs"/>
+              </a:defRPr>
+            </a:lvl6pPr>
+            <a:lvl7pPr marL="2971800" indent="-228600" algn="l" defTabSz="914400" rtl="0" eaLnBrk="1" latinLnBrk="0" hangingPunct="1">
+              <a:lnSpc>
+                <a:spcPct val="90000"/>
+              </a:lnSpc>
+              <a:spcBef>
+                <a:spcPts val="500"/>
+              </a:spcBef>
+              <a:buFont typeface="Arial" panose="020B0604020202020204" pitchFamily="34" charset="0"/>
+              <a:buChar char="•"/>
+              <a:defRPr sz="1800" kern="1200">
+                <a:solidFill>
+                  <a:schemeClr val="tx1"/>
+                </a:solidFill>
+                <a:latin typeface="+mn-lt"/>
+                <a:ea typeface="+mn-ea"/>
+                <a:cs typeface="+mn-cs"/>
+              </a:defRPr>
+            </a:lvl7pPr>
+            <a:lvl8pPr marL="3429000" indent="-228600" algn="l" defTabSz="914400" rtl="0" eaLnBrk="1" latinLnBrk="0" hangingPunct="1">
+              <a:lnSpc>
+                <a:spcPct val="90000"/>
+              </a:lnSpc>
+              <a:spcBef>
+                <a:spcPts val="500"/>
+              </a:spcBef>
+              <a:buFont typeface="Arial" panose="020B0604020202020204" pitchFamily="34" charset="0"/>
+              <a:buChar char="•"/>
+              <a:defRPr sz="1800" kern="1200">
+                <a:solidFill>
+                  <a:schemeClr val="tx1"/>
+                </a:solidFill>
+                <a:latin typeface="+mn-lt"/>
+                <a:ea typeface="+mn-ea"/>
+                <a:cs typeface="+mn-cs"/>
+              </a:defRPr>
+            </a:lvl8pPr>
+            <a:lvl9pPr marL="3886200" indent="-228600" algn="l" defTabSz="914400" rtl="0" eaLnBrk="1" latinLnBrk="0" hangingPunct="1">
+              <a:lnSpc>
+                <a:spcPct val="90000"/>
+              </a:lnSpc>
+              <a:spcBef>
+                <a:spcPts val="500"/>
+              </a:spcBef>
+              <a:buFont typeface="Arial" panose="020B0604020202020204" pitchFamily="34" charset="0"/>
+              <a:buChar char="•"/>
+              <a:defRPr sz="1800" kern="1200">
+                <a:solidFill>
+                  <a:schemeClr val="tx1"/>
+                </a:solidFill>
+                <a:latin typeface="+mn-lt"/>
+                <a:ea typeface="+mn-ea"/>
+                <a:cs typeface="+mn-cs"/>
+              </a:defRPr>
+            </a:lvl9pPr>
+          </a:lstStyle>
+          <a:p>
+            <a:pPr marR="0" lvl="0" indent="0" algn="just" defTabSz="914400" rtl="0" eaLnBrk="1" fontAlgn="auto" latinLnBrk="0" hangingPunct="1">
+              <a:lnSpc>
+                <a:spcPct val="130000"/>
+              </a:lnSpc>
+              <a:spcBef>
+                <a:spcPts val="0"/>
+              </a:spcBef>
+              <a:spcAft>
+                <a:spcPts val="800"/>
+              </a:spcAft>
+              <a:buClrTx/>
+              <a:buSzTx/>
+              <a:buFont typeface="Arial" panose="020B0604020202020204" pitchFamily="34" charset="0"/>
+              <a:buNone/>
+              <a:defRPr/>
+            </a:pPr>
+            <a:r>
+              <a:rPr lang="en-US" spc="0" dirty="0">
+                <a:solidFill>
+                  <a:schemeClr val="tx1">
+                    <a:lumMod val="65000"/>
+                    <a:lumOff val="35000"/>
+                  </a:schemeClr>
+                </a:solidFill>
+                <a:latin typeface="隶书" panose="02010509060101010101" charset="-122"/>
+                <a:ea typeface="隶书" panose="02010509060101010101" charset="-122"/>
+              </a:rPr>
+              <a:t>第一阶段</a:t>
+            </a:r>
+            <a:endParaRPr lang="en-US" spc="0" dirty="0">
+              <a:solidFill>
+                <a:schemeClr val="tx1">
+                  <a:lumMod val="65000"/>
+                  <a:lumOff val="35000"/>
+                </a:schemeClr>
+              </a:solidFill>
+              <a:latin typeface="隶书" panose="02010509060101010101" charset="-122"/>
+              <a:ea typeface="隶书" panose="02010509060101010101" charset="-122"/>
+            </a:endParaRPr>
+          </a:p>
+          <a:p>
+            <a:pPr marR="0" lvl="0" indent="0" algn="just" defTabSz="914400" rtl="0" eaLnBrk="1" fontAlgn="auto" latinLnBrk="0" hangingPunct="1">
+              <a:lnSpc>
+                <a:spcPct val="130000"/>
+              </a:lnSpc>
+              <a:spcBef>
+                <a:spcPts val="0"/>
+              </a:spcBef>
+              <a:spcAft>
+                <a:spcPts val="800"/>
+              </a:spcAft>
+              <a:buClrTx/>
+              <a:buSzTx/>
+              <a:buFont typeface="Arial" panose="020B0604020202020204" pitchFamily="34" charset="0"/>
+              <a:buNone/>
+              <a:defRPr/>
+            </a:pPr>
+            <a:r>
+              <a:rPr lang="en-US" spc="0" dirty="0">
+                <a:solidFill>
+                  <a:schemeClr val="tx1">
+                    <a:lumMod val="65000"/>
+                    <a:lumOff val="35000"/>
+                  </a:schemeClr>
+                </a:solidFill>
+                <a:latin typeface="隶书" panose="02010509060101010101" charset="-122"/>
+                <a:ea typeface="隶书" panose="02010509060101010101" charset="-122"/>
+              </a:rPr>
+              <a:t>阅读Redis的数据结构部分，基本位于如下文件中： </a:t>
+            </a:r>
+            <a:endParaRPr lang="en-US" spc="0" dirty="0">
+              <a:solidFill>
+                <a:schemeClr val="tx1">
+                  <a:lumMod val="65000"/>
+                  <a:lumOff val="35000"/>
+                </a:schemeClr>
+              </a:solidFill>
+              <a:latin typeface="隶书" panose="02010509060101010101" charset="-122"/>
+              <a:ea typeface="隶书" panose="02010509060101010101" charset="-122"/>
+            </a:endParaRPr>
+          </a:p>
+          <a:p>
+            <a:pPr marR="0" lvl="0" indent="0" algn="just" defTabSz="914400" rtl="0" eaLnBrk="1" fontAlgn="auto" latinLnBrk="0" hangingPunct="1">
+              <a:lnSpc>
+                <a:spcPct val="130000"/>
+              </a:lnSpc>
+              <a:spcBef>
+                <a:spcPts val="0"/>
+              </a:spcBef>
+              <a:spcAft>
+                <a:spcPts val="800"/>
+              </a:spcAft>
+              <a:buClrTx/>
+              <a:buSzTx/>
+              <a:buFont typeface="Arial" panose="020B0604020202020204" pitchFamily="34" charset="0"/>
+              <a:buNone/>
+              <a:defRPr/>
+            </a:pPr>
+            <a:r>
+              <a:rPr lang="en-US" spc="0" dirty="0">
+                <a:solidFill>
+                  <a:schemeClr val="tx1">
+                    <a:lumMod val="65000"/>
+                    <a:lumOff val="35000"/>
+                  </a:schemeClr>
+                </a:solidFill>
+                <a:latin typeface="隶书" panose="02010509060101010101" charset="-122"/>
+                <a:ea typeface="隶书" panose="02010509060101010101" charset="-122"/>
+              </a:rPr>
+              <a:t>+ 内存分配 zmalloc.c和zmalloc.h </a:t>
+            </a:r>
+            <a:endParaRPr lang="en-US" spc="0" dirty="0">
+              <a:solidFill>
+                <a:schemeClr val="tx1">
+                  <a:lumMod val="65000"/>
+                  <a:lumOff val="35000"/>
+                </a:schemeClr>
+              </a:solidFill>
+              <a:latin typeface="隶书" panose="02010509060101010101" charset="-122"/>
+              <a:ea typeface="隶书" panose="02010509060101010101" charset="-122"/>
+            </a:endParaRPr>
+          </a:p>
+          <a:p>
+            <a:pPr marR="0" lvl="0" indent="0" algn="just" defTabSz="914400" rtl="0" eaLnBrk="1" fontAlgn="auto" latinLnBrk="0" hangingPunct="1">
+              <a:lnSpc>
+                <a:spcPct val="130000"/>
+              </a:lnSpc>
+              <a:spcBef>
+                <a:spcPts val="0"/>
+              </a:spcBef>
+              <a:spcAft>
+                <a:spcPts val="800"/>
+              </a:spcAft>
+              <a:buClrTx/>
+              <a:buSzTx/>
+              <a:buFont typeface="Arial" panose="020B0604020202020204" pitchFamily="34" charset="0"/>
+              <a:buNone/>
+              <a:defRPr/>
+            </a:pPr>
+            <a:r>
+              <a:rPr lang="en-US" spc="0" dirty="0">
+                <a:solidFill>
+                  <a:schemeClr val="tx1">
+                    <a:lumMod val="65000"/>
+                    <a:lumOff val="35000"/>
+                  </a:schemeClr>
+                </a:solidFill>
+                <a:latin typeface="隶书" panose="02010509060101010101" charset="-122"/>
+                <a:ea typeface="隶书" panose="02010509060101010101" charset="-122"/>
+              </a:rPr>
+              <a:t>+ 动态字符串 sds.h和sds.c </a:t>
+            </a:r>
+            <a:endParaRPr lang="en-US" spc="0" dirty="0">
+              <a:solidFill>
+                <a:schemeClr val="tx1">
+                  <a:lumMod val="65000"/>
+                  <a:lumOff val="35000"/>
+                </a:schemeClr>
+              </a:solidFill>
+              <a:latin typeface="隶书" panose="02010509060101010101" charset="-122"/>
+              <a:ea typeface="隶书" panose="02010509060101010101" charset="-122"/>
+            </a:endParaRPr>
+          </a:p>
+          <a:p>
+            <a:pPr marR="0" lvl="0" indent="0" algn="just" defTabSz="914400" rtl="0" eaLnBrk="1" fontAlgn="auto" latinLnBrk="0" hangingPunct="1">
+              <a:lnSpc>
+                <a:spcPct val="130000"/>
+              </a:lnSpc>
+              <a:spcBef>
+                <a:spcPts val="0"/>
+              </a:spcBef>
+              <a:spcAft>
+                <a:spcPts val="800"/>
+              </a:spcAft>
+              <a:buClrTx/>
+              <a:buSzTx/>
+              <a:buFont typeface="Arial" panose="020B0604020202020204" pitchFamily="34" charset="0"/>
+              <a:buNone/>
+              <a:defRPr/>
+            </a:pPr>
+            <a:r>
+              <a:rPr lang="en-US" spc="0" dirty="0">
+                <a:solidFill>
+                  <a:schemeClr val="tx1">
+                    <a:lumMod val="65000"/>
+                    <a:lumOff val="35000"/>
+                  </a:schemeClr>
+                </a:solidFill>
+                <a:latin typeface="隶书" panose="02010509060101010101" charset="-122"/>
+                <a:ea typeface="隶书" panose="02010509060101010101" charset="-122"/>
+              </a:rPr>
+              <a:t>+ 双端链表 adlist.c和adlist.h </a:t>
+            </a:r>
+            <a:endParaRPr lang="en-US" spc="0" dirty="0">
+              <a:solidFill>
+                <a:schemeClr val="tx1">
+                  <a:lumMod val="65000"/>
+                  <a:lumOff val="35000"/>
+                </a:schemeClr>
+              </a:solidFill>
+              <a:latin typeface="隶书" panose="02010509060101010101" charset="-122"/>
+              <a:ea typeface="隶书" panose="02010509060101010101" charset="-122"/>
+            </a:endParaRPr>
+          </a:p>
+          <a:p>
+            <a:pPr marR="0" lvl="0" indent="0" algn="just" defTabSz="914400" rtl="0" eaLnBrk="1" fontAlgn="auto" latinLnBrk="0" hangingPunct="1">
+              <a:lnSpc>
+                <a:spcPct val="130000"/>
+              </a:lnSpc>
+              <a:spcBef>
+                <a:spcPts val="0"/>
+              </a:spcBef>
+              <a:spcAft>
+                <a:spcPts val="800"/>
+              </a:spcAft>
+              <a:buClrTx/>
+              <a:buSzTx/>
+              <a:buFont typeface="Arial" panose="020B0604020202020204" pitchFamily="34" charset="0"/>
+              <a:buNone/>
+              <a:defRPr/>
+            </a:pPr>
+            <a:r>
+              <a:rPr lang="en-US" spc="0" dirty="0">
+                <a:solidFill>
+                  <a:schemeClr val="tx1">
+                    <a:lumMod val="65000"/>
+                    <a:lumOff val="35000"/>
+                  </a:schemeClr>
+                </a:solidFill>
+                <a:latin typeface="隶书" panose="02010509060101010101" charset="-122"/>
+                <a:ea typeface="隶书" panose="02010509060101010101" charset="-122"/>
+              </a:rPr>
+              <a:t>+ 字典 dict.h和dict.c </a:t>
+            </a:r>
+            <a:endParaRPr lang="en-US" spc="0" dirty="0">
+              <a:solidFill>
+                <a:schemeClr val="tx1">
+                  <a:lumMod val="65000"/>
+                  <a:lumOff val="35000"/>
+                </a:schemeClr>
+              </a:solidFill>
+              <a:latin typeface="隶书" panose="02010509060101010101" charset="-122"/>
+              <a:ea typeface="隶书" panose="02010509060101010101" charset="-122"/>
+            </a:endParaRPr>
+          </a:p>
+          <a:p>
+            <a:pPr marR="0" lvl="0" indent="0" algn="just" defTabSz="914400" rtl="0" eaLnBrk="1" fontAlgn="auto" latinLnBrk="0" hangingPunct="1">
+              <a:lnSpc>
+                <a:spcPct val="130000"/>
+              </a:lnSpc>
+              <a:spcBef>
+                <a:spcPts val="0"/>
+              </a:spcBef>
+              <a:spcAft>
+                <a:spcPts val="800"/>
+              </a:spcAft>
+              <a:buClrTx/>
+              <a:buSzTx/>
+              <a:buFont typeface="Arial" panose="020B0604020202020204" pitchFamily="34" charset="0"/>
+              <a:buNone/>
+              <a:defRPr/>
+            </a:pPr>
+            <a:r>
+              <a:rPr lang="en-US" spc="0" dirty="0">
+                <a:solidFill>
+                  <a:schemeClr val="tx1">
+                    <a:lumMod val="65000"/>
+                    <a:lumOff val="35000"/>
+                  </a:schemeClr>
+                </a:solidFill>
+                <a:latin typeface="隶书" panose="02010509060101010101" charset="-122"/>
+                <a:ea typeface="隶书" panose="02010509060101010101" charset="-122"/>
+              </a:rPr>
+              <a:t>+ 跳跃表 server.h文件里面关于zskiplist结构和zskiplistNode结构，以及t_zset.c中所有zsl开头的函数，比如 zslCreate、zslInsert、zslDeleteNode等等。 </a:t>
+            </a:r>
+            <a:endParaRPr lang="en-US" spc="0" dirty="0">
+              <a:solidFill>
+                <a:schemeClr val="tx1">
+                  <a:lumMod val="65000"/>
+                  <a:lumOff val="35000"/>
+                </a:schemeClr>
+              </a:solidFill>
+              <a:latin typeface="隶书" panose="02010509060101010101" charset="-122"/>
+              <a:ea typeface="隶书" panose="02010509060101010101" charset="-122"/>
+            </a:endParaRPr>
+          </a:p>
+          <a:p>
+            <a:pPr marR="0" lvl="0" indent="0" algn="just" defTabSz="914400" rtl="0" eaLnBrk="1" fontAlgn="auto" latinLnBrk="0" hangingPunct="1">
+              <a:lnSpc>
+                <a:spcPct val="130000"/>
+              </a:lnSpc>
+              <a:spcBef>
+                <a:spcPts val="0"/>
+              </a:spcBef>
+              <a:spcAft>
+                <a:spcPts val="800"/>
+              </a:spcAft>
+              <a:buClrTx/>
+              <a:buSzTx/>
+              <a:buFont typeface="Arial" panose="020B0604020202020204" pitchFamily="34" charset="0"/>
+              <a:buNone/>
+              <a:defRPr/>
+            </a:pPr>
+            <a:r>
+              <a:rPr lang="en-US" spc="0" dirty="0">
+                <a:solidFill>
+                  <a:schemeClr val="tx1">
+                    <a:lumMod val="65000"/>
+                    <a:lumOff val="35000"/>
+                  </a:schemeClr>
+                </a:solidFill>
+                <a:latin typeface="隶书" panose="02010509060101010101" charset="-122"/>
+                <a:ea typeface="隶书" panose="02010509060101010101" charset="-122"/>
+              </a:rPr>
+              <a:t>+ 日志类型 hyperloglog.c 中的 hllhdr 结构， 以及所有以 hll 开头的函数</a:t>
+            </a:r>
+            <a:endParaRPr lang="en-US" spc="0" dirty="0">
+              <a:solidFill>
+                <a:schemeClr val="tx1">
+                  <a:lumMod val="65000"/>
+                  <a:lumOff val="35000"/>
+                </a:schemeClr>
+              </a:solidFill>
+              <a:latin typeface="隶书" panose="02010509060101010101" charset="-122"/>
+              <a:ea typeface="隶书" panose="02010509060101010101" charset="-122"/>
+            </a:endParaRPr>
+          </a:p>
+        </p:txBody>
+      </p:sp>
+      <p:sp>
+        <p:nvSpPr>
+          <p:cNvPr id="3" name="文本框 2"/>
+          <p:cNvSpPr txBox="1"/>
+          <p:nvPr>
+            <p:custDataLst>
+              <p:tags r:id="rId2"/>
+            </p:custDataLst>
+          </p:nvPr>
+        </p:nvSpPr>
+        <p:spPr>
+          <a:xfrm>
+            <a:off x="608400" y="598240"/>
+            <a:ext cx="10970823" cy="706755"/>
+          </a:xfrm>
+          <a:prstGeom prst="rect">
+            <a:avLst/>
+          </a:prstGeom>
+        </p:spPr>
+        <p:txBody>
+          <a:bodyPr vert="horz" lIns="90170" tIns="46990" rIns="90170" bIns="46990" rtlCol="0" anchor="ctr" anchorCtr="0">
+            <a:normAutofit/>
+          </a:bodyPr>
+          <a:lstStyle>
+            <a:lvl1pPr marR="0" fontAlgn="auto">
+              <a:lnSpc>
+                <a:spcPct val="100000"/>
+              </a:lnSpc>
+              <a:spcBef>
+                <a:spcPct val="0"/>
+              </a:spcBef>
+              <a:buNone/>
+              <a:defRPr kumimoji="0" lang="zh-CN" altLang="en-US" sz="3600" b="1" i="0" u="none" strike="noStrike" cap="none" spc="300" normalizeH="0" baseline="0" noProof="1" dirty="0">
+                <a:solidFill>
+                  <a:schemeClr val="tx1">
+                    <a:lumMod val="85000"/>
+                    <a:lumOff val="15000"/>
+                  </a:schemeClr>
+                </a:solidFill>
+                <a:uFillTx/>
+                <a:latin typeface="微软雅黑" panose="020B0503020204020204" charset="-122"/>
+                <a:ea typeface="微软雅黑" panose="020B0503020204020204" charset="-122"/>
+                <a:cs typeface="+mj-cs"/>
+                <a:sym typeface="+mn-ea"/>
+              </a:defRPr>
+            </a:lvl1pPr>
+          </a:lstStyle>
+          <a:p>
+            <a:r>
+              <a:rPr dirty="0">
+                <a:solidFill>
+                  <a:schemeClr val="tx1">
+                    <a:lumMod val="85000"/>
+                    <a:lumOff val="15000"/>
+                  </a:schemeClr>
+                </a:solidFill>
+                <a:uFillTx/>
+                <a:latin typeface="隶书" panose="02010509060101010101" charset="-122"/>
+                <a:ea typeface="隶书" panose="02010509060101010101" charset="-122"/>
+              </a:rPr>
+              <a:t>学习路线</a:t>
+            </a:r>
+            <a:endParaRPr dirty="0">
+              <a:solidFill>
+                <a:schemeClr val="tx1">
+                  <a:lumMod val="85000"/>
+                  <a:lumOff val="15000"/>
+                </a:schemeClr>
+              </a:solidFill>
+              <a:uFillTx/>
+              <a:latin typeface="隶书" panose="02010509060101010101" charset="-122"/>
+              <a:ea typeface="隶书" panose="02010509060101010101" charset="-122"/>
+            </a:endParaRPr>
+          </a:p>
+        </p:txBody>
+      </p:sp>
+    </p:spTree>
+    <p:custDataLst>
+      <p:tags r:id="rId3"/>
+    </p:custDataLst>
+  </p:cSld>
+  <p:clrMapOvr>
+    <a:masterClrMapping/>
+  </p:clrMapOvr>
+</p:sld>
+</file>
+
+<file path=ppt/slides/slide4.xml><?xml version="1.0" encoding="utf-8"?>
+<p:sld xmlns:a="http://schemas.openxmlformats.org/drawingml/2006/main" xmlns:r="http://schemas.openxmlformats.org/officeDocument/2006/relationships" xmlns:p="http://schemas.openxmlformats.org/presentationml/2006/main">
+  <p:cSld>
+    <p:spTree>
+      <p:nvGrpSpPr>
+        <p:cNvPr id="1" name=""/>
+        <p:cNvGrpSpPr/>
+        <p:nvPr/>
+      </p:nvGrpSpPr>
+      <p:grpSpPr>
+        <a:xfrm>
+          <a:off x="0" y="0"/>
+          <a:ext cx="0" cy="0"/>
+          <a:chOff x="0" y="0"/>
+          <a:chExt cx="0" cy="0"/>
+        </a:xfrm>
+      </p:grpSpPr>
+      <p:sp>
+        <p:nvSpPr>
+          <p:cNvPr id="2" name="内容占位符 1"/>
+          <p:cNvSpPr txBox="1"/>
+          <p:nvPr>
+            <p:custDataLst>
+              <p:tags r:id="rId1"/>
+            </p:custDataLst>
+          </p:nvPr>
+        </p:nvSpPr>
+        <p:spPr>
+          <a:xfrm>
+            <a:off x="608400" y="1491101"/>
+            <a:ext cx="10970190" cy="4758499"/>
+          </a:xfrm>
+          <a:prstGeom prst="rect">
+            <a:avLst/>
+          </a:prstGeom>
+        </p:spPr>
+        <p:txBody>
+          <a:bodyPr>
+            <a:normAutofit/>
+          </a:bodyPr>
+          <a:lstStyle>
+            <a:lvl1pPr marL="228600" indent="-228600" algn="l" defTabSz="914400" rtl="0" eaLnBrk="1" fontAlgn="auto" latinLnBrk="0" hangingPunct="1">
+              <a:lnSpc>
+                <a:spcPct val="130000"/>
+              </a:lnSpc>
+              <a:spcBef>
+                <a:spcPts val="0"/>
+              </a:spcBef>
+              <a:spcAft>
+                <a:spcPts val="1000"/>
+              </a:spcAft>
+              <a:buFont typeface="Arial" panose="020B0604020202020204" pitchFamily="34" charset="0"/>
+              <a:buChar char="•"/>
+              <a:defRPr sz="1600" u="none" strike="noStrike" kern="1200" cap="none" spc="150" normalizeH="0" baseline="0">
+                <a:solidFill>
+                  <a:schemeClr val="tx1"/>
+                </a:solidFill>
+                <a:uFillTx/>
+                <a:latin typeface="微软雅黑" panose="020B0503020204020204" charset="-122"/>
+                <a:ea typeface="微软雅黑" panose="020B0503020204020204" charset="-122"/>
+                <a:cs typeface="+mn-cs"/>
+              </a:defRPr>
+            </a:lvl1pPr>
+            <a:lvl2pPr marL="685800" indent="-228600" algn="l" defTabSz="914400" rtl="0" eaLnBrk="1" fontAlgn="auto" latinLnBrk="0" hangingPunct="1">
+              <a:lnSpc>
+                <a:spcPct val="130000"/>
+              </a:lnSpc>
+              <a:spcBef>
+                <a:spcPts val="0"/>
+              </a:spcBef>
+              <a:spcAft>
+                <a:spcPts val="1000"/>
+              </a:spcAft>
+              <a:buFont typeface="Arial" panose="020B0604020202020204" pitchFamily="34" charset="0"/>
+              <a:buChar char="•"/>
+              <a:tabLst>
+                <a:tab pos="1609725" algn="l"/>
+              </a:tabLst>
+              <a:defRPr sz="1600" u="none" strike="noStrike" kern="1200" cap="none" spc="150" normalizeH="0" baseline="0">
+                <a:solidFill>
+                  <a:schemeClr val="tx1"/>
+                </a:solidFill>
+                <a:uFillTx/>
+                <a:latin typeface="微软雅黑" panose="020B0503020204020204" charset="-122"/>
+                <a:ea typeface="微软雅黑" panose="020B0503020204020204" charset="-122"/>
+                <a:cs typeface="+mn-cs"/>
+              </a:defRPr>
+            </a:lvl2pPr>
+            <a:lvl3pPr marL="1143000" indent="-228600" algn="l" defTabSz="914400" rtl="0" eaLnBrk="1" fontAlgn="auto" latinLnBrk="0" hangingPunct="1">
+              <a:lnSpc>
+                <a:spcPct val="130000"/>
+              </a:lnSpc>
+              <a:spcBef>
+                <a:spcPts val="0"/>
+              </a:spcBef>
+              <a:spcAft>
+                <a:spcPts val="1000"/>
+              </a:spcAft>
+              <a:buFont typeface="Arial" panose="020B0604020202020204" pitchFamily="34" charset="0"/>
+              <a:buChar char="•"/>
+              <a:defRPr sz="1600" u="none" strike="noStrike" kern="1200" cap="none" spc="150" normalizeH="0" baseline="0">
+                <a:solidFill>
+                  <a:schemeClr val="tx1"/>
+                </a:solidFill>
+                <a:uFillTx/>
+                <a:latin typeface="微软雅黑" panose="020B0503020204020204" charset="-122"/>
+                <a:ea typeface="微软雅黑" panose="020B0503020204020204" charset="-122"/>
+                <a:cs typeface="+mn-cs"/>
+              </a:defRPr>
+            </a:lvl3pPr>
+            <a:lvl4pPr marL="1600200" indent="-228600" algn="l" defTabSz="914400" rtl="0" eaLnBrk="1" fontAlgn="auto" latinLnBrk="0" hangingPunct="1">
+              <a:lnSpc>
+                <a:spcPct val="130000"/>
+              </a:lnSpc>
+              <a:spcBef>
+                <a:spcPts val="0"/>
+              </a:spcBef>
+              <a:spcAft>
+                <a:spcPts val="1000"/>
+              </a:spcAft>
+              <a:buFont typeface="Arial" panose="020B0604020202020204" pitchFamily="34" charset="0"/>
+              <a:buChar char="•"/>
+              <a:defRPr sz="1600" u="none" strike="noStrike" kern="1200" cap="none" spc="150" normalizeH="0" baseline="0">
+                <a:solidFill>
+                  <a:schemeClr val="tx1"/>
+                </a:solidFill>
+                <a:uFillTx/>
+                <a:latin typeface="微软雅黑" panose="020B0503020204020204" charset="-122"/>
+                <a:ea typeface="微软雅黑" panose="020B0503020204020204" charset="-122"/>
+                <a:cs typeface="+mn-cs"/>
+              </a:defRPr>
+            </a:lvl4pPr>
+            <a:lvl5pPr marL="2057400" indent="-228600" algn="l" defTabSz="914400" rtl="0" eaLnBrk="1" fontAlgn="auto" latinLnBrk="0" hangingPunct="1">
+              <a:lnSpc>
+                <a:spcPct val="130000"/>
+              </a:lnSpc>
+              <a:spcBef>
+                <a:spcPts val="0"/>
+              </a:spcBef>
+              <a:spcAft>
+                <a:spcPts val="1000"/>
+              </a:spcAft>
+              <a:buFont typeface="Arial" panose="020B0604020202020204" pitchFamily="34" charset="0"/>
+              <a:buChar char="•"/>
+              <a:defRPr sz="1600" u="none" strike="noStrike" kern="1200" cap="none" spc="150" normalizeH="0" baseline="0">
+                <a:solidFill>
+                  <a:schemeClr val="tx1"/>
+                </a:solidFill>
+                <a:uFillTx/>
+                <a:latin typeface="微软雅黑" panose="020B0503020204020204" charset="-122"/>
+                <a:ea typeface="微软雅黑" panose="020B0503020204020204" charset="-122"/>
+                <a:cs typeface="+mn-cs"/>
+              </a:defRPr>
+            </a:lvl5pPr>
+            <a:lvl6pPr marL="2514600" indent="-228600" algn="l" defTabSz="914400" rtl="0" eaLnBrk="1" latinLnBrk="0" hangingPunct="1">
+              <a:lnSpc>
+                <a:spcPct val="90000"/>
+              </a:lnSpc>
+              <a:spcBef>
+                <a:spcPts val="500"/>
+              </a:spcBef>
+              <a:buFont typeface="Arial" panose="020B0604020202020204" pitchFamily="34" charset="0"/>
+              <a:buChar char="•"/>
+              <a:defRPr sz="1800" kern="1200">
+                <a:solidFill>
+                  <a:schemeClr val="tx1"/>
+                </a:solidFill>
+                <a:latin typeface="+mn-lt"/>
+                <a:ea typeface="+mn-ea"/>
+                <a:cs typeface="+mn-cs"/>
+              </a:defRPr>
+            </a:lvl6pPr>
+            <a:lvl7pPr marL="2971800" indent="-228600" algn="l" defTabSz="914400" rtl="0" eaLnBrk="1" latinLnBrk="0" hangingPunct="1">
+              <a:lnSpc>
+                <a:spcPct val="90000"/>
+              </a:lnSpc>
+              <a:spcBef>
+                <a:spcPts val="500"/>
+              </a:spcBef>
+              <a:buFont typeface="Arial" panose="020B0604020202020204" pitchFamily="34" charset="0"/>
+              <a:buChar char="•"/>
+              <a:defRPr sz="1800" kern="1200">
+                <a:solidFill>
+                  <a:schemeClr val="tx1"/>
+                </a:solidFill>
+                <a:latin typeface="+mn-lt"/>
+                <a:ea typeface="+mn-ea"/>
+                <a:cs typeface="+mn-cs"/>
+              </a:defRPr>
+            </a:lvl7pPr>
+            <a:lvl8pPr marL="3429000" indent="-228600" algn="l" defTabSz="914400" rtl="0" eaLnBrk="1" latinLnBrk="0" hangingPunct="1">
+              <a:lnSpc>
+                <a:spcPct val="90000"/>
+              </a:lnSpc>
+              <a:spcBef>
+                <a:spcPts val="500"/>
+              </a:spcBef>
+              <a:buFont typeface="Arial" panose="020B0604020202020204" pitchFamily="34" charset="0"/>
+              <a:buChar char="•"/>
+              <a:defRPr sz="1800" kern="1200">
+                <a:solidFill>
+                  <a:schemeClr val="tx1"/>
+                </a:solidFill>
+                <a:latin typeface="+mn-lt"/>
+                <a:ea typeface="+mn-ea"/>
+                <a:cs typeface="+mn-cs"/>
+              </a:defRPr>
+            </a:lvl8pPr>
+            <a:lvl9pPr marL="3886200" indent="-228600" algn="l" defTabSz="914400" rtl="0" eaLnBrk="1" latinLnBrk="0" hangingPunct="1">
+              <a:lnSpc>
+                <a:spcPct val="90000"/>
+              </a:lnSpc>
+              <a:spcBef>
+                <a:spcPts val="500"/>
+              </a:spcBef>
+              <a:buFont typeface="Arial" panose="020B0604020202020204" pitchFamily="34" charset="0"/>
+              <a:buChar char="•"/>
+              <a:defRPr sz="1800" kern="1200">
+                <a:solidFill>
+                  <a:schemeClr val="tx1"/>
+                </a:solidFill>
+                <a:latin typeface="+mn-lt"/>
+                <a:ea typeface="+mn-ea"/>
+                <a:cs typeface="+mn-cs"/>
+              </a:defRPr>
+            </a:lvl9pPr>
+          </a:lstStyle>
+          <a:p>
+            <a:pPr marR="0" lvl="0" indent="0" algn="just" defTabSz="914400" rtl="0" eaLnBrk="1" fontAlgn="auto" latinLnBrk="0" hangingPunct="1">
+              <a:lnSpc>
+                <a:spcPct val="130000"/>
+              </a:lnSpc>
+              <a:spcBef>
+                <a:spcPts val="0"/>
+              </a:spcBef>
+              <a:spcAft>
+                <a:spcPts val="800"/>
+              </a:spcAft>
+              <a:buClrTx/>
+              <a:buSzTx/>
+              <a:buFont typeface="Arial" panose="020B0604020202020204" pitchFamily="34" charset="0"/>
+              <a:buNone/>
+              <a:defRPr/>
+            </a:pPr>
+            <a:r>
+              <a:rPr lang="en-US" spc="0" dirty="0">
+                <a:solidFill>
+                  <a:schemeClr val="tx1">
+                    <a:lumMod val="65000"/>
+                    <a:lumOff val="35000"/>
+                  </a:schemeClr>
+                </a:solidFill>
+                <a:latin typeface="隶书" panose="02010509060101010101" charset="-122"/>
+                <a:ea typeface="隶书" panose="02010509060101010101" charset="-122"/>
+              </a:rPr>
+              <a:t>第二阶段</a:t>
+            </a:r>
+            <a:endParaRPr lang="en-US" spc="0" dirty="0">
+              <a:solidFill>
+                <a:schemeClr val="tx1">
+                  <a:lumMod val="65000"/>
+                  <a:lumOff val="35000"/>
+                </a:schemeClr>
+              </a:solidFill>
+              <a:latin typeface="隶书" panose="02010509060101010101" charset="-122"/>
+              <a:ea typeface="隶书" panose="02010509060101010101" charset="-122"/>
+            </a:endParaRPr>
+          </a:p>
+          <a:p>
+            <a:pPr marR="0" lvl="0" indent="0" algn="just" defTabSz="914400" rtl="0" eaLnBrk="1" fontAlgn="auto" latinLnBrk="0" hangingPunct="1">
+              <a:lnSpc>
+                <a:spcPct val="130000"/>
+              </a:lnSpc>
+              <a:spcBef>
+                <a:spcPts val="0"/>
+              </a:spcBef>
+              <a:spcAft>
+                <a:spcPts val="800"/>
+              </a:spcAft>
+              <a:buClrTx/>
+              <a:buSzTx/>
+              <a:buFont typeface="Arial" panose="020B0604020202020204" pitchFamily="34" charset="0"/>
+              <a:buNone/>
+              <a:defRPr/>
+            </a:pPr>
+            <a:r>
+              <a:rPr lang="en-US" spc="0" dirty="0">
+                <a:solidFill>
+                  <a:schemeClr val="tx1">
+                    <a:lumMod val="65000"/>
+                    <a:lumOff val="35000"/>
+                  </a:schemeClr>
+                </a:solidFill>
+                <a:latin typeface="隶书" panose="02010509060101010101" charset="-122"/>
+                <a:ea typeface="隶书" panose="02010509060101010101" charset="-122"/>
+              </a:rPr>
+              <a:t>熟悉Redis的内存编码结构 </a:t>
+            </a:r>
+            <a:endParaRPr lang="en-US" spc="0" dirty="0">
+              <a:solidFill>
+                <a:schemeClr val="tx1">
+                  <a:lumMod val="65000"/>
+                  <a:lumOff val="35000"/>
+                </a:schemeClr>
+              </a:solidFill>
+              <a:latin typeface="隶书" panose="02010509060101010101" charset="-122"/>
+              <a:ea typeface="隶书" panose="02010509060101010101" charset="-122"/>
+            </a:endParaRPr>
+          </a:p>
+          <a:p>
+            <a:pPr marR="0" lvl="0" indent="0" algn="just" defTabSz="914400" rtl="0" eaLnBrk="1" fontAlgn="auto" latinLnBrk="0" hangingPunct="1">
+              <a:lnSpc>
+                <a:spcPct val="130000"/>
+              </a:lnSpc>
+              <a:spcBef>
+                <a:spcPts val="0"/>
+              </a:spcBef>
+              <a:spcAft>
+                <a:spcPts val="800"/>
+              </a:spcAft>
+              <a:buClrTx/>
+              <a:buSzTx/>
+              <a:buFont typeface="Arial" panose="020B0604020202020204" pitchFamily="34" charset="0"/>
+              <a:buNone/>
+              <a:defRPr/>
+            </a:pPr>
+            <a:r>
+              <a:rPr lang="en-US" spc="0" dirty="0">
+                <a:solidFill>
+                  <a:schemeClr val="tx1">
+                    <a:lumMod val="65000"/>
+                    <a:lumOff val="35000"/>
+                  </a:schemeClr>
+                </a:solidFill>
+                <a:latin typeface="隶书" panose="02010509060101010101" charset="-122"/>
+                <a:ea typeface="隶书" panose="02010509060101010101" charset="-122"/>
+              </a:rPr>
+              <a:t>+ 整数集合数据结构 intset.h和intset.c </a:t>
+            </a:r>
+            <a:endParaRPr lang="en-US" spc="0" dirty="0">
+              <a:solidFill>
+                <a:schemeClr val="tx1">
+                  <a:lumMod val="65000"/>
+                  <a:lumOff val="35000"/>
+                </a:schemeClr>
+              </a:solidFill>
+              <a:latin typeface="隶书" panose="02010509060101010101" charset="-122"/>
+              <a:ea typeface="隶书" panose="02010509060101010101" charset="-122"/>
+            </a:endParaRPr>
+          </a:p>
+          <a:p>
+            <a:pPr marR="0" lvl="0" indent="0" algn="just" defTabSz="914400" rtl="0" eaLnBrk="1" fontAlgn="auto" latinLnBrk="0" hangingPunct="1">
+              <a:lnSpc>
+                <a:spcPct val="130000"/>
+              </a:lnSpc>
+              <a:spcBef>
+                <a:spcPts val="0"/>
+              </a:spcBef>
+              <a:spcAft>
+                <a:spcPts val="800"/>
+              </a:spcAft>
+              <a:buClrTx/>
+              <a:buSzTx/>
+              <a:buFont typeface="Arial" panose="020B0604020202020204" pitchFamily="34" charset="0"/>
+              <a:buNone/>
+              <a:defRPr/>
+            </a:pPr>
+            <a:r>
+              <a:rPr lang="en-US" spc="0" dirty="0">
+                <a:solidFill>
+                  <a:schemeClr val="tx1">
+                    <a:lumMod val="65000"/>
+                    <a:lumOff val="35000"/>
+                  </a:schemeClr>
+                </a:solidFill>
+                <a:latin typeface="隶书" panose="02010509060101010101" charset="-122"/>
+                <a:ea typeface="隶书" panose="02010509060101010101" charset="-122"/>
+              </a:rPr>
+              <a:t>+ 压缩列表数据结构 ziplist.h和ziplist.c</a:t>
+            </a:r>
+            <a:endParaRPr lang="en-US" spc="0" dirty="0">
+              <a:solidFill>
+                <a:schemeClr val="tx1">
+                  <a:lumMod val="65000"/>
+                  <a:lumOff val="35000"/>
+                </a:schemeClr>
+              </a:solidFill>
+              <a:latin typeface="隶书" panose="02010509060101010101" charset="-122"/>
+              <a:ea typeface="隶书" panose="02010509060101010101" charset="-122"/>
+            </a:endParaRPr>
+          </a:p>
+        </p:txBody>
+      </p:sp>
+      <p:sp>
+        <p:nvSpPr>
+          <p:cNvPr id="3" name="文本框 2"/>
+          <p:cNvSpPr txBox="1"/>
+          <p:nvPr>
+            <p:custDataLst>
+              <p:tags r:id="rId2"/>
+            </p:custDataLst>
+          </p:nvPr>
+        </p:nvSpPr>
+        <p:spPr>
+          <a:xfrm>
+            <a:off x="608400" y="608400"/>
+            <a:ext cx="10970823" cy="706755"/>
+          </a:xfrm>
+          <a:prstGeom prst="rect">
+            <a:avLst/>
+          </a:prstGeom>
+        </p:spPr>
+        <p:txBody>
+          <a:bodyPr vert="horz" lIns="90170" tIns="46990" rIns="90170" bIns="46990" rtlCol="0" anchor="ctr" anchorCtr="0">
+            <a:normAutofit/>
+          </a:bodyPr>
+          <a:lstStyle>
+            <a:lvl1pPr marR="0" fontAlgn="auto">
+              <a:lnSpc>
+                <a:spcPct val="100000"/>
+              </a:lnSpc>
+              <a:spcBef>
+                <a:spcPct val="0"/>
+              </a:spcBef>
+              <a:buNone/>
+              <a:defRPr kumimoji="0" lang="zh-CN" altLang="en-US" sz="3600" b="1" i="0" u="none" strike="noStrike" cap="none" spc="300" normalizeH="0" baseline="0" noProof="1" dirty="0">
+                <a:solidFill>
+                  <a:schemeClr val="tx1">
+                    <a:lumMod val="85000"/>
+                    <a:lumOff val="15000"/>
+                  </a:schemeClr>
+                </a:solidFill>
+                <a:uFillTx/>
+                <a:latin typeface="微软雅黑" panose="020B0503020204020204" charset="-122"/>
+                <a:ea typeface="微软雅黑" panose="020B0503020204020204" charset="-122"/>
+                <a:cs typeface="+mj-cs"/>
+                <a:sym typeface="+mn-ea"/>
+              </a:defRPr>
+            </a:lvl1pPr>
+          </a:lstStyle>
+          <a:p>
+            <a:r>
+              <a:rPr dirty="0">
+                <a:solidFill>
+                  <a:schemeClr val="tx1">
+                    <a:lumMod val="85000"/>
+                    <a:lumOff val="15000"/>
+                  </a:schemeClr>
+                </a:solidFill>
+                <a:uFillTx/>
+                <a:latin typeface="隶书" panose="02010509060101010101" charset="-122"/>
+                <a:ea typeface="隶书" panose="02010509060101010101" charset="-122"/>
+              </a:rPr>
+              <a:t>学习路线</a:t>
+            </a:r>
+            <a:endParaRPr dirty="0">
+              <a:solidFill>
+                <a:schemeClr val="tx1">
+                  <a:lumMod val="85000"/>
+                  <a:lumOff val="15000"/>
+                </a:schemeClr>
+              </a:solidFill>
+              <a:uFillTx/>
+              <a:latin typeface="隶书" panose="02010509060101010101" charset="-122"/>
+              <a:ea typeface="隶书" panose="02010509060101010101" charset="-122"/>
+            </a:endParaRPr>
+          </a:p>
+        </p:txBody>
+      </p:sp>
+    </p:spTree>
+    <p:custDataLst>
+      <p:tags r:id="rId3"/>
+    </p:custDataLst>
+  </p:cSld>
+  <p:clrMapOvr>
+    <a:masterClrMapping/>
+  </p:clrMapOvr>
+</p:sld>
+</file>
+
+<file path=ppt/slides/slide5.xml><?xml version="1.0" encoding="utf-8"?>
+<p:sld xmlns:a="http://schemas.openxmlformats.org/drawingml/2006/main" xmlns:r="http://schemas.openxmlformats.org/officeDocument/2006/relationships" xmlns:p="http://schemas.openxmlformats.org/presentationml/2006/main">
+  <p:cSld>
+    <p:spTree>
+      <p:nvGrpSpPr>
+        <p:cNvPr id="1" name=""/>
+        <p:cNvGrpSpPr/>
+        <p:nvPr/>
+      </p:nvGrpSpPr>
+      <p:grpSpPr>
+        <a:xfrm>
+          <a:off x="0" y="0"/>
+          <a:ext cx="0" cy="0"/>
+          <a:chOff x="0" y="0"/>
+          <a:chExt cx="0" cy="0"/>
+        </a:xfrm>
+      </p:grpSpPr>
+      <p:sp>
+        <p:nvSpPr>
+          <p:cNvPr id="2" name="内容占位符 1"/>
+          <p:cNvSpPr txBox="1"/>
+          <p:nvPr>
+            <p:custDataLst>
+              <p:tags r:id="rId1"/>
+            </p:custDataLst>
+          </p:nvPr>
+        </p:nvSpPr>
+        <p:spPr>
+          <a:xfrm>
+            <a:off x="608400" y="1491101"/>
+            <a:ext cx="10970190" cy="4758499"/>
+          </a:xfrm>
+          <a:prstGeom prst="rect">
+            <a:avLst/>
+          </a:prstGeom>
+        </p:spPr>
+        <p:txBody>
+          <a:bodyPr>
+            <a:normAutofit/>
+          </a:bodyPr>
+          <a:lstStyle>
+            <a:lvl1pPr marL="228600" indent="-228600" algn="l" defTabSz="914400" rtl="0" eaLnBrk="1" fontAlgn="auto" latinLnBrk="0" hangingPunct="1">
+              <a:lnSpc>
+                <a:spcPct val="130000"/>
+              </a:lnSpc>
+              <a:spcBef>
+                <a:spcPts val="0"/>
+              </a:spcBef>
+              <a:spcAft>
+                <a:spcPts val="1000"/>
+              </a:spcAft>
+              <a:buFont typeface="Arial" panose="020B0604020202020204" pitchFamily="34" charset="0"/>
+              <a:buChar char="•"/>
+              <a:defRPr sz="1600" u="none" strike="noStrike" kern="1200" cap="none" spc="150" normalizeH="0" baseline="0">
+                <a:solidFill>
+                  <a:schemeClr val="tx1"/>
+                </a:solidFill>
+                <a:uFillTx/>
+                <a:latin typeface="微软雅黑" panose="020B0503020204020204" charset="-122"/>
+                <a:ea typeface="微软雅黑" panose="020B0503020204020204" charset="-122"/>
+                <a:cs typeface="+mn-cs"/>
+              </a:defRPr>
+            </a:lvl1pPr>
+            <a:lvl2pPr marL="685800" indent="-228600" algn="l" defTabSz="914400" rtl="0" eaLnBrk="1" fontAlgn="auto" latinLnBrk="0" hangingPunct="1">
+              <a:lnSpc>
+                <a:spcPct val="130000"/>
+              </a:lnSpc>
+              <a:spcBef>
+                <a:spcPts val="0"/>
+              </a:spcBef>
+              <a:spcAft>
+                <a:spcPts val="1000"/>
+              </a:spcAft>
+              <a:buFont typeface="Arial" panose="020B0604020202020204" pitchFamily="34" charset="0"/>
+              <a:buChar char="•"/>
+              <a:tabLst>
+                <a:tab pos="1609725" algn="l"/>
+              </a:tabLst>
+              <a:defRPr sz="1600" u="none" strike="noStrike" kern="1200" cap="none" spc="150" normalizeH="0" baseline="0">
+                <a:solidFill>
+                  <a:schemeClr val="tx1"/>
+                </a:solidFill>
+                <a:uFillTx/>
+                <a:latin typeface="微软雅黑" panose="020B0503020204020204" charset="-122"/>
+                <a:ea typeface="微软雅黑" panose="020B0503020204020204" charset="-122"/>
+                <a:cs typeface="+mn-cs"/>
+              </a:defRPr>
+            </a:lvl2pPr>
+            <a:lvl3pPr marL="1143000" indent="-228600" algn="l" defTabSz="914400" rtl="0" eaLnBrk="1" fontAlgn="auto" latinLnBrk="0" hangingPunct="1">
+              <a:lnSpc>
+                <a:spcPct val="130000"/>
+              </a:lnSpc>
+              <a:spcBef>
+                <a:spcPts val="0"/>
+              </a:spcBef>
+              <a:spcAft>
+                <a:spcPts val="1000"/>
+              </a:spcAft>
+              <a:buFont typeface="Arial" panose="020B0604020202020204" pitchFamily="34" charset="0"/>
+              <a:buChar char="•"/>
+              <a:defRPr sz="1600" u="none" strike="noStrike" kern="1200" cap="none" spc="150" normalizeH="0" baseline="0">
+                <a:solidFill>
+                  <a:schemeClr val="tx1"/>
+                </a:solidFill>
+                <a:uFillTx/>
+                <a:latin typeface="微软雅黑" panose="020B0503020204020204" charset="-122"/>
+                <a:ea typeface="微软雅黑" panose="020B0503020204020204" charset="-122"/>
+                <a:cs typeface="+mn-cs"/>
+              </a:defRPr>
+            </a:lvl3pPr>
+            <a:lvl4pPr marL="1600200" indent="-228600" algn="l" defTabSz="914400" rtl="0" eaLnBrk="1" fontAlgn="auto" latinLnBrk="0" hangingPunct="1">
+              <a:lnSpc>
+                <a:spcPct val="130000"/>
+              </a:lnSpc>
+              <a:spcBef>
+                <a:spcPts val="0"/>
+              </a:spcBef>
+              <a:spcAft>
+                <a:spcPts val="1000"/>
+              </a:spcAft>
+              <a:buFont typeface="Arial" panose="020B0604020202020204" pitchFamily="34" charset="0"/>
+              <a:buChar char="•"/>
+              <a:defRPr sz="1600" u="none" strike="noStrike" kern="1200" cap="none" spc="150" normalizeH="0" baseline="0">
+                <a:solidFill>
+                  <a:schemeClr val="tx1"/>
+                </a:solidFill>
+                <a:uFillTx/>
+                <a:latin typeface="微软雅黑" panose="020B0503020204020204" charset="-122"/>
+                <a:ea typeface="微软雅黑" panose="020B0503020204020204" charset="-122"/>
+                <a:cs typeface="+mn-cs"/>
+              </a:defRPr>
+            </a:lvl4pPr>
+            <a:lvl5pPr marL="2057400" indent="-228600" algn="l" defTabSz="914400" rtl="0" eaLnBrk="1" fontAlgn="auto" latinLnBrk="0" hangingPunct="1">
+              <a:lnSpc>
+                <a:spcPct val="130000"/>
+              </a:lnSpc>
+              <a:spcBef>
+                <a:spcPts val="0"/>
+              </a:spcBef>
+              <a:spcAft>
+                <a:spcPts val="1000"/>
+              </a:spcAft>
+              <a:buFont typeface="Arial" panose="020B0604020202020204" pitchFamily="34" charset="0"/>
+              <a:buChar char="•"/>
+              <a:defRPr sz="1600" u="none" strike="noStrike" kern="1200" cap="none" spc="150" normalizeH="0" baseline="0">
+                <a:solidFill>
+                  <a:schemeClr val="tx1"/>
+                </a:solidFill>
+                <a:uFillTx/>
+                <a:latin typeface="微软雅黑" panose="020B0503020204020204" charset="-122"/>
+                <a:ea typeface="微软雅黑" panose="020B0503020204020204" charset="-122"/>
+                <a:cs typeface="+mn-cs"/>
+              </a:defRPr>
+            </a:lvl5pPr>
+            <a:lvl6pPr marL="2514600" indent="-228600" algn="l" defTabSz="914400" rtl="0" eaLnBrk="1" latinLnBrk="0" hangingPunct="1">
+              <a:lnSpc>
+                <a:spcPct val="90000"/>
+              </a:lnSpc>
+              <a:spcBef>
+                <a:spcPts val="500"/>
+              </a:spcBef>
+              <a:buFont typeface="Arial" panose="020B0604020202020204" pitchFamily="34" charset="0"/>
+              <a:buChar char="•"/>
+              <a:defRPr sz="1800" kern="1200">
+                <a:solidFill>
+                  <a:schemeClr val="tx1"/>
+                </a:solidFill>
+                <a:latin typeface="+mn-lt"/>
+                <a:ea typeface="+mn-ea"/>
+                <a:cs typeface="+mn-cs"/>
+              </a:defRPr>
+            </a:lvl6pPr>
+            <a:lvl7pPr marL="2971800" indent="-228600" algn="l" defTabSz="914400" rtl="0" eaLnBrk="1" latinLnBrk="0" hangingPunct="1">
+              <a:lnSpc>
+                <a:spcPct val="90000"/>
+              </a:lnSpc>
+              <a:spcBef>
+                <a:spcPts val="500"/>
+              </a:spcBef>
+              <a:buFont typeface="Arial" panose="020B0604020202020204" pitchFamily="34" charset="0"/>
+              <a:buChar char="•"/>
+              <a:defRPr sz="1800" kern="1200">
+                <a:solidFill>
+                  <a:schemeClr val="tx1"/>
+                </a:solidFill>
+                <a:latin typeface="+mn-lt"/>
+                <a:ea typeface="+mn-ea"/>
+                <a:cs typeface="+mn-cs"/>
+              </a:defRPr>
+            </a:lvl7pPr>
+            <a:lvl8pPr marL="3429000" indent="-228600" algn="l" defTabSz="914400" rtl="0" eaLnBrk="1" latinLnBrk="0" hangingPunct="1">
+              <a:lnSpc>
+                <a:spcPct val="90000"/>
+              </a:lnSpc>
+              <a:spcBef>
+                <a:spcPts val="500"/>
+              </a:spcBef>
+              <a:buFont typeface="Arial" panose="020B0604020202020204" pitchFamily="34" charset="0"/>
+              <a:buChar char="•"/>
+              <a:defRPr sz="1800" kern="1200">
+                <a:solidFill>
+                  <a:schemeClr val="tx1"/>
+                </a:solidFill>
+                <a:latin typeface="+mn-lt"/>
+                <a:ea typeface="+mn-ea"/>
+                <a:cs typeface="+mn-cs"/>
+              </a:defRPr>
+            </a:lvl8pPr>
+            <a:lvl9pPr marL="3886200" indent="-228600" algn="l" defTabSz="914400" rtl="0" eaLnBrk="1" latinLnBrk="0" hangingPunct="1">
+              <a:lnSpc>
+                <a:spcPct val="90000"/>
+              </a:lnSpc>
+              <a:spcBef>
+                <a:spcPts val="500"/>
+              </a:spcBef>
+              <a:buFont typeface="Arial" panose="020B0604020202020204" pitchFamily="34" charset="0"/>
+              <a:buChar char="•"/>
+              <a:defRPr sz="1800" kern="1200">
+                <a:solidFill>
+                  <a:schemeClr val="tx1"/>
+                </a:solidFill>
+                <a:latin typeface="+mn-lt"/>
+                <a:ea typeface="+mn-ea"/>
+                <a:cs typeface="+mn-cs"/>
+              </a:defRPr>
+            </a:lvl9pPr>
+          </a:lstStyle>
+          <a:p>
+            <a:pPr marR="0" lvl="0" indent="0" algn="just" defTabSz="914400" rtl="0" eaLnBrk="1" fontAlgn="auto" latinLnBrk="0" hangingPunct="1">
+              <a:lnSpc>
+                <a:spcPct val="130000"/>
+              </a:lnSpc>
+              <a:spcBef>
+                <a:spcPts val="0"/>
+              </a:spcBef>
+              <a:spcAft>
+                <a:spcPts val="800"/>
+              </a:spcAft>
+              <a:buClrTx/>
+              <a:buSzTx/>
+              <a:buFont typeface="Arial" panose="020B0604020202020204" pitchFamily="34" charset="0"/>
+              <a:buNone/>
+              <a:defRPr/>
+            </a:pPr>
+            <a:r>
+              <a:rPr lang="en-US" spc="0" dirty="0">
+                <a:solidFill>
+                  <a:schemeClr val="tx1">
+                    <a:lumMod val="65000"/>
+                    <a:lumOff val="35000"/>
+                  </a:schemeClr>
+                </a:solidFill>
+                <a:latin typeface="隶书" panose="02010509060101010101" charset="-122"/>
+                <a:ea typeface="隶书" panose="02010509060101010101" charset="-122"/>
+              </a:rPr>
+              <a:t>第三阶段</a:t>
+            </a:r>
+            <a:endParaRPr lang="en-US" spc="0" dirty="0">
+              <a:solidFill>
+                <a:schemeClr val="tx1">
+                  <a:lumMod val="65000"/>
+                  <a:lumOff val="35000"/>
+                </a:schemeClr>
+              </a:solidFill>
+              <a:latin typeface="隶书" panose="02010509060101010101" charset="-122"/>
+              <a:ea typeface="隶书" panose="02010509060101010101" charset="-122"/>
+            </a:endParaRPr>
+          </a:p>
+          <a:p>
+            <a:pPr marR="0" lvl="0" indent="0" algn="just" defTabSz="914400" rtl="0" eaLnBrk="1" fontAlgn="auto" latinLnBrk="0" hangingPunct="1">
+              <a:lnSpc>
+                <a:spcPct val="130000"/>
+              </a:lnSpc>
+              <a:spcBef>
+                <a:spcPts val="0"/>
+              </a:spcBef>
+              <a:spcAft>
+                <a:spcPts val="800"/>
+              </a:spcAft>
+              <a:buClrTx/>
+              <a:buSzTx/>
+              <a:buFont typeface="Arial" panose="020B0604020202020204" pitchFamily="34" charset="0"/>
+              <a:buNone/>
+              <a:defRPr/>
+            </a:pPr>
+            <a:r>
+              <a:rPr lang="en-US" spc="0" dirty="0">
+                <a:solidFill>
+                  <a:schemeClr val="tx1">
+                    <a:lumMod val="65000"/>
+                    <a:lumOff val="35000"/>
+                  </a:schemeClr>
+                </a:solidFill>
+                <a:latin typeface="隶书" panose="02010509060101010101" charset="-122"/>
+                <a:ea typeface="隶书" panose="02010509060101010101" charset="-122"/>
+              </a:rPr>
+              <a:t>熟悉Redis数据类型的实现 </a:t>
+            </a:r>
+            <a:endParaRPr lang="en-US" spc="0" dirty="0">
+              <a:solidFill>
+                <a:schemeClr val="tx1">
+                  <a:lumMod val="65000"/>
+                  <a:lumOff val="35000"/>
+                </a:schemeClr>
+              </a:solidFill>
+              <a:latin typeface="隶书" panose="02010509060101010101" charset="-122"/>
+              <a:ea typeface="隶书" panose="02010509060101010101" charset="-122"/>
+            </a:endParaRPr>
+          </a:p>
+          <a:p>
+            <a:pPr marR="0" lvl="0" indent="0" algn="just" defTabSz="914400" rtl="0" eaLnBrk="1" fontAlgn="auto" latinLnBrk="0" hangingPunct="1">
+              <a:lnSpc>
+                <a:spcPct val="130000"/>
+              </a:lnSpc>
+              <a:spcBef>
+                <a:spcPts val="0"/>
+              </a:spcBef>
+              <a:spcAft>
+                <a:spcPts val="800"/>
+              </a:spcAft>
+              <a:buClrTx/>
+              <a:buSzTx/>
+              <a:buFont typeface="Arial" panose="020B0604020202020204" pitchFamily="34" charset="0"/>
+              <a:buNone/>
+              <a:defRPr/>
+            </a:pPr>
+            <a:r>
+              <a:rPr lang="en-US" spc="0" dirty="0">
+                <a:solidFill>
+                  <a:schemeClr val="tx1">
+                    <a:lumMod val="65000"/>
+                    <a:lumOff val="35000"/>
+                  </a:schemeClr>
+                </a:solidFill>
+                <a:latin typeface="隶书" panose="02010509060101010101" charset="-122"/>
+                <a:ea typeface="隶书" panose="02010509060101010101" charset="-122"/>
+              </a:rPr>
+              <a:t>+ 对象系统 object.c </a:t>
+            </a:r>
+            <a:endParaRPr lang="en-US" spc="0" dirty="0">
+              <a:solidFill>
+                <a:schemeClr val="tx1">
+                  <a:lumMod val="65000"/>
+                  <a:lumOff val="35000"/>
+                </a:schemeClr>
+              </a:solidFill>
+              <a:latin typeface="隶书" panose="02010509060101010101" charset="-122"/>
+              <a:ea typeface="隶书" panose="02010509060101010101" charset="-122"/>
+            </a:endParaRPr>
+          </a:p>
+          <a:p>
+            <a:pPr marR="0" lvl="0" indent="0" algn="just" defTabSz="914400" rtl="0" eaLnBrk="1" fontAlgn="auto" latinLnBrk="0" hangingPunct="1">
+              <a:lnSpc>
+                <a:spcPct val="130000"/>
+              </a:lnSpc>
+              <a:spcBef>
+                <a:spcPts val="0"/>
+              </a:spcBef>
+              <a:spcAft>
+                <a:spcPts val="800"/>
+              </a:spcAft>
+              <a:buClrTx/>
+              <a:buSzTx/>
+              <a:buFont typeface="Arial" panose="020B0604020202020204" pitchFamily="34" charset="0"/>
+              <a:buNone/>
+              <a:defRPr/>
+            </a:pPr>
+            <a:r>
+              <a:rPr lang="en-US" spc="0" dirty="0">
+                <a:solidFill>
+                  <a:schemeClr val="tx1">
+                    <a:lumMod val="65000"/>
+                    <a:lumOff val="35000"/>
+                  </a:schemeClr>
+                </a:solidFill>
+                <a:latin typeface="隶书" panose="02010509060101010101" charset="-122"/>
+                <a:ea typeface="隶书" panose="02010509060101010101" charset="-122"/>
+              </a:rPr>
+              <a:t>+ 字符串键 t_string.c </a:t>
+            </a:r>
+            <a:endParaRPr lang="en-US" spc="0" dirty="0">
+              <a:solidFill>
+                <a:schemeClr val="tx1">
+                  <a:lumMod val="65000"/>
+                  <a:lumOff val="35000"/>
+                </a:schemeClr>
+              </a:solidFill>
+              <a:latin typeface="隶书" panose="02010509060101010101" charset="-122"/>
+              <a:ea typeface="隶书" panose="02010509060101010101" charset="-122"/>
+            </a:endParaRPr>
+          </a:p>
+          <a:p>
+            <a:pPr marR="0" lvl="0" indent="0" algn="just" defTabSz="914400" rtl="0" eaLnBrk="1" fontAlgn="auto" latinLnBrk="0" hangingPunct="1">
+              <a:lnSpc>
+                <a:spcPct val="130000"/>
+              </a:lnSpc>
+              <a:spcBef>
+                <a:spcPts val="0"/>
+              </a:spcBef>
+              <a:spcAft>
+                <a:spcPts val="800"/>
+              </a:spcAft>
+              <a:buClrTx/>
+              <a:buSzTx/>
+              <a:buFont typeface="Arial" panose="020B0604020202020204" pitchFamily="34" charset="0"/>
+              <a:buNone/>
+              <a:defRPr/>
+            </a:pPr>
+            <a:r>
+              <a:rPr lang="en-US" spc="0" dirty="0">
+                <a:solidFill>
+                  <a:schemeClr val="tx1">
+                    <a:lumMod val="65000"/>
+                    <a:lumOff val="35000"/>
+                  </a:schemeClr>
+                </a:solidFill>
+                <a:latin typeface="隶书" panose="02010509060101010101" charset="-122"/>
+                <a:ea typeface="隶书" panose="02010509060101010101" charset="-122"/>
+              </a:rPr>
+              <a:t>+ 列表建 t_list.c </a:t>
+            </a:r>
+            <a:endParaRPr lang="en-US" spc="0" dirty="0">
+              <a:solidFill>
+                <a:schemeClr val="tx1">
+                  <a:lumMod val="65000"/>
+                  <a:lumOff val="35000"/>
+                </a:schemeClr>
+              </a:solidFill>
+              <a:latin typeface="隶书" panose="02010509060101010101" charset="-122"/>
+              <a:ea typeface="隶书" panose="02010509060101010101" charset="-122"/>
+            </a:endParaRPr>
+          </a:p>
+          <a:p>
+            <a:pPr marR="0" lvl="0" indent="0" algn="just" defTabSz="914400" rtl="0" eaLnBrk="1" fontAlgn="auto" latinLnBrk="0" hangingPunct="1">
+              <a:lnSpc>
+                <a:spcPct val="130000"/>
+              </a:lnSpc>
+              <a:spcBef>
+                <a:spcPts val="0"/>
+              </a:spcBef>
+              <a:spcAft>
+                <a:spcPts val="800"/>
+              </a:spcAft>
+              <a:buClrTx/>
+              <a:buSzTx/>
+              <a:buFont typeface="Arial" panose="020B0604020202020204" pitchFamily="34" charset="0"/>
+              <a:buNone/>
+              <a:defRPr/>
+            </a:pPr>
+            <a:r>
+              <a:rPr lang="en-US" spc="0" dirty="0">
+                <a:solidFill>
+                  <a:schemeClr val="tx1">
+                    <a:lumMod val="65000"/>
+                    <a:lumOff val="35000"/>
+                  </a:schemeClr>
+                </a:solidFill>
+                <a:latin typeface="隶书" panose="02010509060101010101" charset="-122"/>
+                <a:ea typeface="隶书" panose="02010509060101010101" charset="-122"/>
+              </a:rPr>
+              <a:t>+ 散列键 t_hash.c </a:t>
+            </a:r>
+            <a:endParaRPr lang="en-US" spc="0" dirty="0">
+              <a:solidFill>
+                <a:schemeClr val="tx1">
+                  <a:lumMod val="65000"/>
+                  <a:lumOff val="35000"/>
+                </a:schemeClr>
+              </a:solidFill>
+              <a:latin typeface="隶书" panose="02010509060101010101" charset="-122"/>
+              <a:ea typeface="隶书" panose="02010509060101010101" charset="-122"/>
+            </a:endParaRPr>
+          </a:p>
+          <a:p>
+            <a:pPr marR="0" lvl="0" indent="0" algn="just" defTabSz="914400" rtl="0" eaLnBrk="1" fontAlgn="auto" latinLnBrk="0" hangingPunct="1">
+              <a:lnSpc>
+                <a:spcPct val="130000"/>
+              </a:lnSpc>
+              <a:spcBef>
+                <a:spcPts val="0"/>
+              </a:spcBef>
+              <a:spcAft>
+                <a:spcPts val="800"/>
+              </a:spcAft>
+              <a:buClrTx/>
+              <a:buSzTx/>
+              <a:buFont typeface="Arial" panose="020B0604020202020204" pitchFamily="34" charset="0"/>
+              <a:buNone/>
+              <a:defRPr/>
+            </a:pPr>
+            <a:r>
+              <a:rPr lang="en-US" spc="0" dirty="0">
+                <a:solidFill>
+                  <a:schemeClr val="tx1">
+                    <a:lumMod val="65000"/>
+                    <a:lumOff val="35000"/>
+                  </a:schemeClr>
+                </a:solidFill>
+                <a:latin typeface="隶书" panose="02010509060101010101" charset="-122"/>
+                <a:ea typeface="隶书" panose="02010509060101010101" charset="-122"/>
+              </a:rPr>
+              <a:t>+ 集合键 t_set.c </a:t>
+            </a:r>
+            <a:endParaRPr lang="en-US" spc="0" dirty="0">
+              <a:solidFill>
+                <a:schemeClr val="tx1">
+                  <a:lumMod val="65000"/>
+                  <a:lumOff val="35000"/>
+                </a:schemeClr>
+              </a:solidFill>
+              <a:latin typeface="隶书" panose="02010509060101010101" charset="-122"/>
+              <a:ea typeface="隶书" panose="02010509060101010101" charset="-122"/>
+            </a:endParaRPr>
+          </a:p>
+          <a:p>
+            <a:pPr marR="0" lvl="0" indent="0" algn="just" defTabSz="914400" rtl="0" eaLnBrk="1" fontAlgn="auto" latinLnBrk="0" hangingPunct="1">
+              <a:lnSpc>
+                <a:spcPct val="130000"/>
+              </a:lnSpc>
+              <a:spcBef>
+                <a:spcPts val="0"/>
+              </a:spcBef>
+              <a:spcAft>
+                <a:spcPts val="800"/>
+              </a:spcAft>
+              <a:buClrTx/>
+              <a:buSzTx/>
+              <a:buFont typeface="Arial" panose="020B0604020202020204" pitchFamily="34" charset="0"/>
+              <a:buNone/>
+              <a:defRPr/>
+            </a:pPr>
+            <a:r>
+              <a:rPr lang="en-US" spc="0" dirty="0">
+                <a:solidFill>
+                  <a:schemeClr val="tx1">
+                    <a:lumMod val="65000"/>
+                    <a:lumOff val="35000"/>
+                  </a:schemeClr>
+                </a:solidFill>
+                <a:latin typeface="隶书" panose="02010509060101010101" charset="-122"/>
+                <a:ea typeface="隶书" panose="02010509060101010101" charset="-122"/>
+              </a:rPr>
+              <a:t>+ 有序集合键 t_zset.c中除 zsl 开头的函数之外的所有函数 </a:t>
+            </a:r>
+            <a:endParaRPr lang="en-US" spc="0" dirty="0">
+              <a:solidFill>
+                <a:schemeClr val="tx1">
+                  <a:lumMod val="65000"/>
+                  <a:lumOff val="35000"/>
+                </a:schemeClr>
+              </a:solidFill>
+              <a:latin typeface="隶书" panose="02010509060101010101" charset="-122"/>
+              <a:ea typeface="隶书" panose="02010509060101010101" charset="-122"/>
+            </a:endParaRPr>
+          </a:p>
+          <a:p>
+            <a:pPr marR="0" lvl="0" indent="0" algn="just" defTabSz="914400" rtl="0" eaLnBrk="1" fontAlgn="auto" latinLnBrk="0" hangingPunct="1">
+              <a:lnSpc>
+                <a:spcPct val="130000"/>
+              </a:lnSpc>
+              <a:spcBef>
+                <a:spcPts val="0"/>
+              </a:spcBef>
+              <a:spcAft>
+                <a:spcPts val="800"/>
+              </a:spcAft>
+              <a:buClrTx/>
+              <a:buSzTx/>
+              <a:buFont typeface="Arial" panose="020B0604020202020204" pitchFamily="34" charset="0"/>
+              <a:buNone/>
+              <a:defRPr/>
+            </a:pPr>
+            <a:r>
+              <a:rPr lang="en-US" spc="0" dirty="0">
+                <a:solidFill>
+                  <a:schemeClr val="tx1">
+                    <a:lumMod val="65000"/>
+                    <a:lumOff val="35000"/>
+                  </a:schemeClr>
+                </a:solidFill>
+                <a:latin typeface="隶书" panose="02010509060101010101" charset="-122"/>
+                <a:ea typeface="隶书" panose="02010509060101010101" charset="-122"/>
+              </a:rPr>
+              <a:t>+ HyperLogLog键 hyperloglog.c中所有以pf开头的函数</a:t>
+            </a:r>
+            <a:endParaRPr lang="en-US" spc="0" dirty="0">
+              <a:solidFill>
+                <a:schemeClr val="tx1">
+                  <a:lumMod val="65000"/>
+                  <a:lumOff val="35000"/>
+                </a:schemeClr>
+              </a:solidFill>
+              <a:latin typeface="隶书" panose="02010509060101010101" charset="-122"/>
+              <a:ea typeface="隶书" panose="02010509060101010101" charset="-122"/>
+            </a:endParaRPr>
+          </a:p>
+        </p:txBody>
+      </p:sp>
+      <p:sp>
+        <p:nvSpPr>
+          <p:cNvPr id="3" name="文本框 2"/>
+          <p:cNvSpPr txBox="1"/>
+          <p:nvPr>
+            <p:custDataLst>
+              <p:tags r:id="rId2"/>
+            </p:custDataLst>
+          </p:nvPr>
+        </p:nvSpPr>
+        <p:spPr>
+          <a:xfrm>
+            <a:off x="608400" y="608400"/>
+            <a:ext cx="10970823" cy="706755"/>
+          </a:xfrm>
+          <a:prstGeom prst="rect">
+            <a:avLst/>
+          </a:prstGeom>
+        </p:spPr>
+        <p:txBody>
+          <a:bodyPr vert="horz" lIns="90170" tIns="46990" rIns="90170" bIns="46990" rtlCol="0" anchor="ctr" anchorCtr="0">
+            <a:normAutofit/>
+          </a:bodyPr>
+          <a:lstStyle>
+            <a:lvl1pPr marR="0" fontAlgn="auto">
+              <a:lnSpc>
+                <a:spcPct val="100000"/>
+              </a:lnSpc>
+              <a:spcBef>
+                <a:spcPct val="0"/>
+              </a:spcBef>
+              <a:buNone/>
+              <a:defRPr kumimoji="0" lang="zh-CN" altLang="en-US" sz="3600" b="1" i="0" u="none" strike="noStrike" cap="none" spc="300" normalizeH="0" baseline="0" noProof="1" dirty="0">
+                <a:solidFill>
+                  <a:schemeClr val="tx1">
+                    <a:lumMod val="85000"/>
+                    <a:lumOff val="15000"/>
+                  </a:schemeClr>
+                </a:solidFill>
+                <a:uFillTx/>
+                <a:latin typeface="微软雅黑" panose="020B0503020204020204" charset="-122"/>
+                <a:ea typeface="微软雅黑" panose="020B0503020204020204" charset="-122"/>
+                <a:cs typeface="+mj-cs"/>
+                <a:sym typeface="+mn-ea"/>
+              </a:defRPr>
+            </a:lvl1pPr>
+          </a:lstStyle>
+          <a:p>
+            <a:r>
+              <a:rPr dirty="0">
+                <a:solidFill>
+                  <a:schemeClr val="tx1">
+                    <a:lumMod val="85000"/>
+                    <a:lumOff val="15000"/>
+                  </a:schemeClr>
+                </a:solidFill>
+                <a:uFillTx/>
+                <a:latin typeface="隶书" panose="02010509060101010101" charset="-122"/>
+                <a:ea typeface="隶书" panose="02010509060101010101" charset="-122"/>
+              </a:rPr>
+              <a:t>学习路线</a:t>
+            </a:r>
+            <a:endParaRPr dirty="0">
+              <a:solidFill>
+                <a:schemeClr val="tx1">
+                  <a:lumMod val="85000"/>
+                  <a:lumOff val="15000"/>
+                </a:schemeClr>
+              </a:solidFill>
+              <a:uFillTx/>
+              <a:latin typeface="隶书" panose="02010509060101010101" charset="-122"/>
+              <a:ea typeface="隶书" panose="02010509060101010101" charset="-122"/>
+            </a:endParaRPr>
+          </a:p>
+        </p:txBody>
+      </p:sp>
+    </p:spTree>
+    <p:custDataLst>
+      <p:tags r:id="rId3"/>
+    </p:custDataLst>
+  </p:cSld>
+  <p:clrMapOvr>
+    <a:masterClrMapping/>
+  </p:clrMapOvr>
+</p:sld>
+</file>
+
+<file path=ppt/slides/slide6.xml><?xml version="1.0" encoding="utf-8"?>
+<p:sld xmlns:a="http://schemas.openxmlformats.org/drawingml/2006/main" xmlns:r="http://schemas.openxmlformats.org/officeDocument/2006/relationships" xmlns:p="http://schemas.openxmlformats.org/presentationml/2006/main">
+  <p:cSld>
+    <p:spTree>
+      <p:nvGrpSpPr>
+        <p:cNvPr id="1" name=""/>
+        <p:cNvGrpSpPr/>
+        <p:nvPr/>
+      </p:nvGrpSpPr>
+      <p:grpSpPr>
+        <a:xfrm>
+          <a:off x="0" y="0"/>
+          <a:ext cx="0" cy="0"/>
+          <a:chOff x="0" y="0"/>
+          <a:chExt cx="0" cy="0"/>
+        </a:xfrm>
+      </p:grpSpPr>
+      <p:sp>
+        <p:nvSpPr>
+          <p:cNvPr id="2" name="内容占位符 1"/>
+          <p:cNvSpPr txBox="1"/>
+          <p:nvPr>
+            <p:custDataLst>
+              <p:tags r:id="rId1"/>
+            </p:custDataLst>
+          </p:nvPr>
+        </p:nvSpPr>
+        <p:spPr>
+          <a:xfrm>
+            <a:off x="608400" y="1491101"/>
+            <a:ext cx="10970190" cy="4758499"/>
+          </a:xfrm>
+          <a:prstGeom prst="rect">
+            <a:avLst/>
+          </a:prstGeom>
+        </p:spPr>
+        <p:txBody>
+          <a:bodyPr>
+            <a:normAutofit/>
+          </a:bodyPr>
+          <a:lstStyle>
+            <a:lvl1pPr marL="228600" indent="-228600" algn="l" defTabSz="914400" rtl="0" eaLnBrk="1" fontAlgn="auto" latinLnBrk="0" hangingPunct="1">
+              <a:lnSpc>
+                <a:spcPct val="130000"/>
+              </a:lnSpc>
+              <a:spcBef>
+                <a:spcPts val="0"/>
+              </a:spcBef>
+              <a:spcAft>
+                <a:spcPts val="1000"/>
+              </a:spcAft>
+              <a:buFont typeface="Arial" panose="020B0604020202020204" pitchFamily="34" charset="0"/>
+              <a:buChar char="•"/>
+              <a:defRPr sz="1600" u="none" strike="noStrike" kern="1200" cap="none" spc="150" normalizeH="0" baseline="0">
+                <a:solidFill>
+                  <a:schemeClr val="tx1"/>
+                </a:solidFill>
+                <a:uFillTx/>
+                <a:latin typeface="微软雅黑" panose="020B0503020204020204" charset="-122"/>
+                <a:ea typeface="微软雅黑" panose="020B0503020204020204" charset="-122"/>
+                <a:cs typeface="+mn-cs"/>
+              </a:defRPr>
+            </a:lvl1pPr>
+            <a:lvl2pPr marL="685800" indent="-228600" algn="l" defTabSz="914400" rtl="0" eaLnBrk="1" fontAlgn="auto" latinLnBrk="0" hangingPunct="1">
+              <a:lnSpc>
+                <a:spcPct val="130000"/>
+              </a:lnSpc>
+              <a:spcBef>
+                <a:spcPts val="0"/>
+              </a:spcBef>
+              <a:spcAft>
+                <a:spcPts val="1000"/>
+              </a:spcAft>
+              <a:buFont typeface="Arial" panose="020B0604020202020204" pitchFamily="34" charset="0"/>
+              <a:buChar char="•"/>
+              <a:tabLst>
+                <a:tab pos="1609725" algn="l"/>
+              </a:tabLst>
+              <a:defRPr sz="1600" u="none" strike="noStrike" kern="1200" cap="none" spc="150" normalizeH="0" baseline="0">
+                <a:solidFill>
+                  <a:schemeClr val="tx1"/>
+                </a:solidFill>
+                <a:uFillTx/>
+                <a:latin typeface="微软雅黑" panose="020B0503020204020204" charset="-122"/>
+                <a:ea typeface="微软雅黑" panose="020B0503020204020204" charset="-122"/>
+                <a:cs typeface="+mn-cs"/>
+              </a:defRPr>
+            </a:lvl2pPr>
+            <a:lvl3pPr marL="1143000" indent="-228600" algn="l" defTabSz="914400" rtl="0" eaLnBrk="1" fontAlgn="auto" latinLnBrk="0" hangingPunct="1">
+              <a:lnSpc>
+                <a:spcPct val="130000"/>
+              </a:lnSpc>
+              <a:spcBef>
+                <a:spcPts val="0"/>
+              </a:spcBef>
+              <a:spcAft>
+                <a:spcPts val="1000"/>
+              </a:spcAft>
+              <a:buFont typeface="Arial" panose="020B0604020202020204" pitchFamily="34" charset="0"/>
+              <a:buChar char="•"/>
+              <a:defRPr sz="1600" u="none" strike="noStrike" kern="1200" cap="none" spc="150" normalizeH="0" baseline="0">
+                <a:solidFill>
+                  <a:schemeClr val="tx1"/>
+                </a:solidFill>
+                <a:uFillTx/>
+                <a:latin typeface="微软雅黑" panose="020B0503020204020204" charset="-122"/>
+                <a:ea typeface="微软雅黑" panose="020B0503020204020204" charset="-122"/>
+                <a:cs typeface="+mn-cs"/>
+              </a:defRPr>
+            </a:lvl3pPr>
+            <a:lvl4pPr marL="1600200" indent="-228600" algn="l" defTabSz="914400" rtl="0" eaLnBrk="1" fontAlgn="auto" latinLnBrk="0" hangingPunct="1">
+              <a:lnSpc>
+                <a:spcPct val="130000"/>
+              </a:lnSpc>
+              <a:spcBef>
+                <a:spcPts val="0"/>
+              </a:spcBef>
+              <a:spcAft>
+                <a:spcPts val="1000"/>
+              </a:spcAft>
+              <a:buFont typeface="Arial" panose="020B0604020202020204" pitchFamily="34" charset="0"/>
+              <a:buChar char="•"/>
+              <a:defRPr sz="1600" u="none" strike="noStrike" kern="1200" cap="none" spc="150" normalizeH="0" baseline="0">
+                <a:solidFill>
+                  <a:schemeClr val="tx1"/>
+                </a:solidFill>
+                <a:uFillTx/>
+                <a:latin typeface="微软雅黑" panose="020B0503020204020204" charset="-122"/>
+                <a:ea typeface="微软雅黑" panose="020B0503020204020204" charset="-122"/>
+                <a:cs typeface="+mn-cs"/>
+              </a:defRPr>
+            </a:lvl4pPr>
+            <a:lvl5pPr marL="2057400" indent="-228600" algn="l" defTabSz="914400" rtl="0" eaLnBrk="1" fontAlgn="auto" latinLnBrk="0" hangingPunct="1">
+              <a:lnSpc>
+                <a:spcPct val="130000"/>
+              </a:lnSpc>
+              <a:spcBef>
+                <a:spcPts val="0"/>
+              </a:spcBef>
+              <a:spcAft>
+                <a:spcPts val="1000"/>
+              </a:spcAft>
+              <a:buFont typeface="Arial" panose="020B0604020202020204" pitchFamily="34" charset="0"/>
+              <a:buChar char="•"/>
+              <a:defRPr sz="1600" u="none" strike="noStrike" kern="1200" cap="none" spc="150" normalizeH="0" baseline="0">
+                <a:solidFill>
+                  <a:schemeClr val="tx1"/>
+                </a:solidFill>
+                <a:uFillTx/>
+                <a:latin typeface="微软雅黑" panose="020B0503020204020204" charset="-122"/>
+                <a:ea typeface="微软雅黑" panose="020B0503020204020204" charset="-122"/>
+                <a:cs typeface="+mn-cs"/>
+              </a:defRPr>
+            </a:lvl5pPr>
+            <a:lvl6pPr marL="2514600" indent="-228600" algn="l" defTabSz="914400" rtl="0" eaLnBrk="1" latinLnBrk="0" hangingPunct="1">
+              <a:lnSpc>
+                <a:spcPct val="90000"/>
+              </a:lnSpc>
+              <a:spcBef>
+                <a:spcPts val="500"/>
+              </a:spcBef>
+              <a:buFont typeface="Arial" panose="020B0604020202020204" pitchFamily="34" charset="0"/>
+              <a:buChar char="•"/>
+              <a:defRPr sz="1800" kern="1200">
+                <a:solidFill>
+                  <a:schemeClr val="tx1"/>
+                </a:solidFill>
+                <a:latin typeface="+mn-lt"/>
+                <a:ea typeface="+mn-ea"/>
+                <a:cs typeface="+mn-cs"/>
+              </a:defRPr>
+            </a:lvl6pPr>
+            <a:lvl7pPr marL="2971800" indent="-228600" algn="l" defTabSz="914400" rtl="0" eaLnBrk="1" latinLnBrk="0" hangingPunct="1">
+              <a:lnSpc>
+                <a:spcPct val="90000"/>
+              </a:lnSpc>
+              <a:spcBef>
+                <a:spcPts val="500"/>
+              </a:spcBef>
+              <a:buFont typeface="Arial" panose="020B0604020202020204" pitchFamily="34" charset="0"/>
+              <a:buChar char="•"/>
+              <a:defRPr sz="1800" kern="1200">
+                <a:solidFill>
+                  <a:schemeClr val="tx1"/>
+                </a:solidFill>
+                <a:latin typeface="+mn-lt"/>
+                <a:ea typeface="+mn-ea"/>
+                <a:cs typeface="+mn-cs"/>
+              </a:defRPr>
+            </a:lvl7pPr>
+            <a:lvl8pPr marL="3429000" indent="-228600" algn="l" defTabSz="914400" rtl="0" eaLnBrk="1" latinLnBrk="0" hangingPunct="1">
+              <a:lnSpc>
+                <a:spcPct val="90000"/>
+              </a:lnSpc>
+              <a:spcBef>
+                <a:spcPts val="500"/>
+              </a:spcBef>
+              <a:buFont typeface="Arial" panose="020B0604020202020204" pitchFamily="34" charset="0"/>
+              <a:buChar char="•"/>
+              <a:defRPr sz="1800" kern="1200">
+                <a:solidFill>
+                  <a:schemeClr val="tx1"/>
+                </a:solidFill>
+                <a:latin typeface="+mn-lt"/>
+                <a:ea typeface="+mn-ea"/>
+                <a:cs typeface="+mn-cs"/>
+              </a:defRPr>
+            </a:lvl8pPr>
+            <a:lvl9pPr marL="3886200" indent="-228600" algn="l" defTabSz="914400" rtl="0" eaLnBrk="1" latinLnBrk="0" hangingPunct="1">
+              <a:lnSpc>
+                <a:spcPct val="90000"/>
+              </a:lnSpc>
+              <a:spcBef>
+                <a:spcPts val="500"/>
+              </a:spcBef>
+              <a:buFont typeface="Arial" panose="020B0604020202020204" pitchFamily="34" charset="0"/>
+              <a:buChar char="•"/>
+              <a:defRPr sz="1800" kern="1200">
+                <a:solidFill>
+                  <a:schemeClr val="tx1"/>
+                </a:solidFill>
+                <a:latin typeface="+mn-lt"/>
+                <a:ea typeface="+mn-ea"/>
+                <a:cs typeface="+mn-cs"/>
+              </a:defRPr>
+            </a:lvl9pPr>
+          </a:lstStyle>
+          <a:p>
+            <a:pPr marR="0" lvl="0" indent="0" algn="just" defTabSz="914400" rtl="0" eaLnBrk="1" fontAlgn="auto" latinLnBrk="0" hangingPunct="1">
+              <a:lnSpc>
+                <a:spcPct val="130000"/>
+              </a:lnSpc>
+              <a:spcBef>
+                <a:spcPts val="0"/>
+              </a:spcBef>
+              <a:spcAft>
+                <a:spcPts val="800"/>
+              </a:spcAft>
+              <a:buClrTx/>
+              <a:buSzTx/>
+              <a:buFont typeface="Arial" panose="020B0604020202020204" pitchFamily="34" charset="0"/>
+              <a:buNone/>
+              <a:defRPr/>
+            </a:pPr>
+            <a:r>
+              <a:rPr lang="en-US" spc="0" dirty="0">
+                <a:solidFill>
+                  <a:schemeClr val="tx1">
+                    <a:lumMod val="65000"/>
+                    <a:lumOff val="35000"/>
+                  </a:schemeClr>
+                </a:solidFill>
+                <a:latin typeface="隶书" panose="02010509060101010101" charset="-122"/>
+                <a:ea typeface="隶书" panose="02010509060101010101" charset="-122"/>
+              </a:rPr>
+              <a:t>第四阶段</a:t>
+            </a:r>
+            <a:endParaRPr lang="en-US" spc="0" dirty="0">
+              <a:solidFill>
+                <a:schemeClr val="tx1">
+                  <a:lumMod val="65000"/>
+                  <a:lumOff val="35000"/>
+                </a:schemeClr>
+              </a:solidFill>
+              <a:latin typeface="隶书" panose="02010509060101010101" charset="-122"/>
+              <a:ea typeface="隶书" panose="02010509060101010101" charset="-122"/>
+            </a:endParaRPr>
+          </a:p>
+          <a:p>
+            <a:pPr marR="0" lvl="0" indent="0" algn="just" defTabSz="914400" rtl="0" eaLnBrk="1" fontAlgn="auto" latinLnBrk="0" hangingPunct="1">
+              <a:lnSpc>
+                <a:spcPct val="130000"/>
+              </a:lnSpc>
+              <a:spcBef>
+                <a:spcPts val="0"/>
+              </a:spcBef>
+              <a:spcAft>
+                <a:spcPts val="800"/>
+              </a:spcAft>
+              <a:buClrTx/>
+              <a:buSzTx/>
+              <a:buFont typeface="Arial" panose="020B0604020202020204" pitchFamily="34" charset="0"/>
+              <a:buNone/>
+              <a:defRPr/>
+            </a:pPr>
+            <a:r>
+              <a:rPr lang="en-US" spc="0" dirty="0">
+                <a:solidFill>
+                  <a:schemeClr val="tx1">
+                    <a:lumMod val="65000"/>
+                    <a:lumOff val="35000"/>
+                  </a:schemeClr>
+                </a:solidFill>
+                <a:latin typeface="隶书" panose="02010509060101010101" charset="-122"/>
+                <a:ea typeface="隶书" panose="02010509060101010101" charset="-122"/>
+              </a:rPr>
+              <a:t>熟悉Redis数据库的实现 </a:t>
+            </a:r>
+            <a:endParaRPr lang="en-US" spc="0" dirty="0">
+              <a:solidFill>
+                <a:schemeClr val="tx1">
+                  <a:lumMod val="65000"/>
+                  <a:lumOff val="35000"/>
+                </a:schemeClr>
+              </a:solidFill>
+              <a:latin typeface="隶书" panose="02010509060101010101" charset="-122"/>
+              <a:ea typeface="隶书" panose="02010509060101010101" charset="-122"/>
+            </a:endParaRPr>
+          </a:p>
+          <a:p>
+            <a:pPr marR="0" lvl="0" indent="0" algn="just" defTabSz="914400" rtl="0" eaLnBrk="1" fontAlgn="auto" latinLnBrk="0" hangingPunct="1">
+              <a:lnSpc>
+                <a:spcPct val="130000"/>
+              </a:lnSpc>
+              <a:spcBef>
+                <a:spcPts val="0"/>
+              </a:spcBef>
+              <a:spcAft>
+                <a:spcPts val="800"/>
+              </a:spcAft>
+              <a:buClrTx/>
+              <a:buSzTx/>
+              <a:buFont typeface="Arial" panose="020B0604020202020204" pitchFamily="34" charset="0"/>
+              <a:buNone/>
+              <a:defRPr/>
+            </a:pPr>
+            <a:r>
+              <a:rPr lang="en-US" spc="0" dirty="0">
+                <a:solidFill>
+                  <a:schemeClr val="tx1">
+                    <a:lumMod val="65000"/>
+                    <a:lumOff val="35000"/>
+                  </a:schemeClr>
+                </a:solidFill>
+                <a:latin typeface="隶书" panose="02010509060101010101" charset="-122"/>
+                <a:ea typeface="隶书" panose="02010509060101010101" charset="-122"/>
+              </a:rPr>
+              <a:t>+ 数据库实现 redis.h文件中的redisDb结构，以及db.c文件 </a:t>
+            </a:r>
+            <a:endParaRPr lang="en-US" spc="0" dirty="0">
+              <a:solidFill>
+                <a:schemeClr val="tx1">
+                  <a:lumMod val="65000"/>
+                  <a:lumOff val="35000"/>
+                </a:schemeClr>
+              </a:solidFill>
+              <a:latin typeface="隶书" panose="02010509060101010101" charset="-122"/>
+              <a:ea typeface="隶书" panose="02010509060101010101" charset="-122"/>
+            </a:endParaRPr>
+          </a:p>
+          <a:p>
+            <a:pPr marR="0" lvl="0" indent="0" algn="just" defTabSz="914400" rtl="0" eaLnBrk="1" fontAlgn="auto" latinLnBrk="0" hangingPunct="1">
+              <a:lnSpc>
+                <a:spcPct val="130000"/>
+              </a:lnSpc>
+              <a:spcBef>
+                <a:spcPts val="0"/>
+              </a:spcBef>
+              <a:spcAft>
+                <a:spcPts val="800"/>
+              </a:spcAft>
+              <a:buClrTx/>
+              <a:buSzTx/>
+              <a:buFont typeface="Arial" panose="020B0604020202020204" pitchFamily="34" charset="0"/>
+              <a:buNone/>
+              <a:defRPr/>
+            </a:pPr>
+            <a:r>
+              <a:rPr lang="en-US" spc="0" dirty="0">
+                <a:solidFill>
+                  <a:schemeClr val="tx1">
+                    <a:lumMod val="65000"/>
+                    <a:lumOff val="35000"/>
+                  </a:schemeClr>
+                </a:solidFill>
+                <a:latin typeface="隶书" panose="02010509060101010101" charset="-122"/>
+                <a:ea typeface="隶书" panose="02010509060101010101" charset="-122"/>
+              </a:rPr>
+              <a:t>+ 通知功能 notify.c </a:t>
+            </a:r>
+            <a:endParaRPr lang="en-US" spc="0" dirty="0">
+              <a:solidFill>
+                <a:schemeClr val="tx1">
+                  <a:lumMod val="65000"/>
+                  <a:lumOff val="35000"/>
+                </a:schemeClr>
+              </a:solidFill>
+              <a:latin typeface="隶书" panose="02010509060101010101" charset="-122"/>
+              <a:ea typeface="隶书" panose="02010509060101010101" charset="-122"/>
+            </a:endParaRPr>
+          </a:p>
+          <a:p>
+            <a:pPr marR="0" lvl="0" indent="0" algn="just" defTabSz="914400" rtl="0" eaLnBrk="1" fontAlgn="auto" latinLnBrk="0" hangingPunct="1">
+              <a:lnSpc>
+                <a:spcPct val="130000"/>
+              </a:lnSpc>
+              <a:spcBef>
+                <a:spcPts val="0"/>
+              </a:spcBef>
+              <a:spcAft>
+                <a:spcPts val="800"/>
+              </a:spcAft>
+              <a:buClrTx/>
+              <a:buSzTx/>
+              <a:buFont typeface="Arial" panose="020B0604020202020204" pitchFamily="34" charset="0"/>
+              <a:buNone/>
+              <a:defRPr/>
+            </a:pPr>
+            <a:r>
+              <a:rPr lang="en-US" spc="0" dirty="0">
+                <a:solidFill>
+                  <a:schemeClr val="tx1">
+                    <a:lumMod val="65000"/>
+                    <a:lumOff val="35000"/>
+                  </a:schemeClr>
+                </a:solidFill>
+                <a:latin typeface="隶书" panose="02010509060101010101" charset="-122"/>
+                <a:ea typeface="隶书" panose="02010509060101010101" charset="-122"/>
+              </a:rPr>
+              <a:t>+ RDB持久化 rdb.c </a:t>
+            </a:r>
+            <a:endParaRPr lang="en-US" spc="0" dirty="0">
+              <a:solidFill>
+                <a:schemeClr val="tx1">
+                  <a:lumMod val="65000"/>
+                  <a:lumOff val="35000"/>
+                </a:schemeClr>
+              </a:solidFill>
+              <a:latin typeface="隶书" panose="02010509060101010101" charset="-122"/>
+              <a:ea typeface="隶书" panose="02010509060101010101" charset="-122"/>
+            </a:endParaRPr>
+          </a:p>
+          <a:p>
+            <a:pPr marR="0" lvl="0" indent="0" algn="just" defTabSz="914400" rtl="0" eaLnBrk="1" fontAlgn="auto" latinLnBrk="0" hangingPunct="1">
+              <a:lnSpc>
+                <a:spcPct val="130000"/>
+              </a:lnSpc>
+              <a:spcBef>
+                <a:spcPts val="0"/>
+              </a:spcBef>
+              <a:spcAft>
+                <a:spcPts val="800"/>
+              </a:spcAft>
+              <a:buClrTx/>
+              <a:buSzTx/>
+              <a:buFont typeface="Arial" panose="020B0604020202020204" pitchFamily="34" charset="0"/>
+              <a:buNone/>
+              <a:defRPr/>
+            </a:pPr>
+            <a:r>
+              <a:rPr lang="en-US" spc="0" dirty="0">
+                <a:solidFill>
+                  <a:schemeClr val="tx1">
+                    <a:lumMod val="65000"/>
+                    <a:lumOff val="35000"/>
+                  </a:schemeClr>
+                </a:solidFill>
+                <a:latin typeface="隶书" panose="02010509060101010101" charset="-122"/>
+                <a:ea typeface="隶书" panose="02010509060101010101" charset="-122"/>
+              </a:rPr>
+              <a:t>+ AOF持久化 aof.c</a:t>
+            </a:r>
+            <a:endParaRPr lang="en-US" spc="0" dirty="0">
+              <a:solidFill>
+                <a:schemeClr val="tx1">
+                  <a:lumMod val="65000"/>
+                  <a:lumOff val="35000"/>
+                </a:schemeClr>
+              </a:solidFill>
+              <a:latin typeface="隶书" panose="02010509060101010101" charset="-122"/>
+              <a:ea typeface="隶书" panose="02010509060101010101" charset="-122"/>
+            </a:endParaRPr>
+          </a:p>
+          <a:p>
+            <a:pPr marR="0" lvl="0" indent="0" algn="just" defTabSz="914400" rtl="0" eaLnBrk="1" fontAlgn="auto" latinLnBrk="0" hangingPunct="1">
+              <a:lnSpc>
+                <a:spcPct val="130000"/>
+              </a:lnSpc>
+              <a:spcBef>
+                <a:spcPts val="0"/>
+              </a:spcBef>
+              <a:spcAft>
+                <a:spcPts val="800"/>
+              </a:spcAft>
+              <a:buClrTx/>
+              <a:buSzTx/>
+              <a:buFont typeface="Arial" panose="020B0604020202020204" pitchFamily="34" charset="0"/>
+              <a:buNone/>
+              <a:defRPr/>
+            </a:pPr>
+            <a:endParaRPr lang="en-US" spc="0" dirty="0">
+              <a:solidFill>
+                <a:schemeClr val="tx1">
+                  <a:lumMod val="65000"/>
+                  <a:lumOff val="35000"/>
+                </a:schemeClr>
+              </a:solidFill>
+              <a:latin typeface="隶书" panose="02010509060101010101" charset="-122"/>
+              <a:ea typeface="隶书" panose="02010509060101010101" charset="-122"/>
+            </a:endParaRPr>
+          </a:p>
+          <a:p>
+            <a:pPr marR="0" lvl="0" indent="0" algn="just" defTabSz="914400" rtl="0" eaLnBrk="1" fontAlgn="auto" latinLnBrk="0" hangingPunct="1">
+              <a:lnSpc>
+                <a:spcPct val="130000"/>
+              </a:lnSpc>
+              <a:spcBef>
+                <a:spcPts val="0"/>
+              </a:spcBef>
+              <a:spcAft>
+                <a:spcPts val="800"/>
+              </a:spcAft>
+              <a:buClrTx/>
+              <a:buSzTx/>
+              <a:buFont typeface="Arial" panose="020B0604020202020204" pitchFamily="34" charset="0"/>
+              <a:buNone/>
+              <a:defRPr/>
+            </a:pPr>
+            <a:r>
+              <a:rPr lang="en-US" spc="0" dirty="0">
+                <a:solidFill>
+                  <a:schemeClr val="tx1">
+                    <a:lumMod val="65000"/>
+                    <a:lumOff val="35000"/>
+                  </a:schemeClr>
+                </a:solidFill>
+                <a:latin typeface="隶书" panose="02010509060101010101" charset="-122"/>
+                <a:ea typeface="隶书" panose="02010509060101010101" charset="-122"/>
+              </a:rPr>
+              <a:t>以及一些独立功能模块的实现 </a:t>
+            </a:r>
+            <a:endParaRPr lang="en-US" spc="0" dirty="0">
+              <a:solidFill>
+                <a:schemeClr val="tx1">
+                  <a:lumMod val="65000"/>
+                  <a:lumOff val="35000"/>
+                </a:schemeClr>
+              </a:solidFill>
+              <a:latin typeface="隶书" panose="02010509060101010101" charset="-122"/>
+              <a:ea typeface="隶书" panose="02010509060101010101" charset="-122"/>
+            </a:endParaRPr>
+          </a:p>
+          <a:p>
+            <a:pPr marR="0" lvl="0" indent="0" algn="just" defTabSz="914400" rtl="0" eaLnBrk="1" fontAlgn="auto" latinLnBrk="0" hangingPunct="1">
+              <a:lnSpc>
+                <a:spcPct val="130000"/>
+              </a:lnSpc>
+              <a:spcBef>
+                <a:spcPts val="0"/>
+              </a:spcBef>
+              <a:spcAft>
+                <a:spcPts val="800"/>
+              </a:spcAft>
+              <a:buClrTx/>
+              <a:buSzTx/>
+              <a:buFont typeface="Arial" panose="020B0604020202020204" pitchFamily="34" charset="0"/>
+              <a:buNone/>
+              <a:defRPr/>
+            </a:pPr>
+            <a:r>
+              <a:rPr lang="en-US" spc="0" dirty="0">
+                <a:solidFill>
+                  <a:schemeClr val="tx1">
+                    <a:lumMod val="65000"/>
+                    <a:lumOff val="35000"/>
+                  </a:schemeClr>
+                </a:solidFill>
+                <a:latin typeface="隶书" panose="02010509060101010101" charset="-122"/>
+                <a:ea typeface="隶书" panose="02010509060101010101" charset="-122"/>
+              </a:rPr>
+              <a:t>+ 发布和订阅 redis.h文件的pubsubPattern结构，以及pubsub.c文件 </a:t>
+            </a:r>
+            <a:endParaRPr lang="en-US" spc="0" dirty="0">
+              <a:solidFill>
+                <a:schemeClr val="tx1">
+                  <a:lumMod val="65000"/>
+                  <a:lumOff val="35000"/>
+                </a:schemeClr>
+              </a:solidFill>
+              <a:latin typeface="隶书" panose="02010509060101010101" charset="-122"/>
+              <a:ea typeface="隶书" panose="02010509060101010101" charset="-122"/>
+            </a:endParaRPr>
+          </a:p>
+          <a:p>
+            <a:pPr marR="0" lvl="0" indent="0" algn="just" defTabSz="914400" rtl="0" eaLnBrk="1" fontAlgn="auto" latinLnBrk="0" hangingPunct="1">
+              <a:lnSpc>
+                <a:spcPct val="130000"/>
+              </a:lnSpc>
+              <a:spcBef>
+                <a:spcPts val="0"/>
+              </a:spcBef>
+              <a:spcAft>
+                <a:spcPts val="800"/>
+              </a:spcAft>
+              <a:buClrTx/>
+              <a:buSzTx/>
+              <a:buFont typeface="Arial" panose="020B0604020202020204" pitchFamily="34" charset="0"/>
+              <a:buNone/>
+              <a:defRPr/>
+            </a:pPr>
+            <a:r>
+              <a:rPr lang="en-US" spc="0" dirty="0">
+                <a:solidFill>
+                  <a:schemeClr val="tx1">
+                    <a:lumMod val="65000"/>
+                    <a:lumOff val="35000"/>
+                  </a:schemeClr>
+                </a:solidFill>
+                <a:latin typeface="隶书" panose="02010509060101010101" charset="-122"/>
+                <a:ea typeface="隶书" panose="02010509060101010101" charset="-122"/>
+              </a:rPr>
+              <a:t>+ 事务 redis.h文件的multiState结构以及multiCmd结构，multi.c文件</a:t>
+            </a:r>
+            <a:endParaRPr lang="en-US" spc="0" dirty="0">
+              <a:solidFill>
+                <a:schemeClr val="tx1">
+                  <a:lumMod val="65000"/>
+                  <a:lumOff val="35000"/>
+                </a:schemeClr>
+              </a:solidFill>
+              <a:latin typeface="隶书" panose="02010509060101010101" charset="-122"/>
+              <a:ea typeface="隶书" panose="02010509060101010101" charset="-122"/>
+            </a:endParaRPr>
+          </a:p>
+        </p:txBody>
+      </p:sp>
+      <p:sp>
+        <p:nvSpPr>
+          <p:cNvPr id="3" name="文本框 2"/>
+          <p:cNvSpPr txBox="1"/>
+          <p:nvPr>
+            <p:custDataLst>
+              <p:tags r:id="rId2"/>
+            </p:custDataLst>
+          </p:nvPr>
+        </p:nvSpPr>
+        <p:spPr>
+          <a:xfrm>
+            <a:off x="608400" y="608400"/>
+            <a:ext cx="10970823" cy="706755"/>
+          </a:xfrm>
+          <a:prstGeom prst="rect">
+            <a:avLst/>
+          </a:prstGeom>
+        </p:spPr>
+        <p:txBody>
+          <a:bodyPr vert="horz" lIns="90170" tIns="46990" rIns="90170" bIns="46990" rtlCol="0" anchor="ctr" anchorCtr="0">
+            <a:normAutofit/>
+          </a:bodyPr>
+          <a:lstStyle>
+            <a:lvl1pPr marR="0" fontAlgn="auto">
+              <a:lnSpc>
+                <a:spcPct val="100000"/>
+              </a:lnSpc>
+              <a:spcBef>
+                <a:spcPct val="0"/>
+              </a:spcBef>
+              <a:buNone/>
+              <a:defRPr kumimoji="0" lang="zh-CN" altLang="en-US" sz="3600" b="1" i="0" u="none" strike="noStrike" cap="none" spc="300" normalizeH="0" baseline="0" noProof="1" dirty="0">
+                <a:solidFill>
+                  <a:schemeClr val="tx1">
+                    <a:lumMod val="85000"/>
+                    <a:lumOff val="15000"/>
+                  </a:schemeClr>
+                </a:solidFill>
+                <a:uFillTx/>
+                <a:latin typeface="微软雅黑" panose="020B0503020204020204" charset="-122"/>
+                <a:ea typeface="微软雅黑" panose="020B0503020204020204" charset="-122"/>
+                <a:cs typeface="+mj-cs"/>
+                <a:sym typeface="+mn-ea"/>
+              </a:defRPr>
+            </a:lvl1pPr>
+          </a:lstStyle>
+          <a:p>
+            <a:r>
+              <a:rPr dirty="0">
+                <a:solidFill>
+                  <a:schemeClr val="tx1">
+                    <a:lumMod val="85000"/>
+                    <a:lumOff val="15000"/>
+                  </a:schemeClr>
+                </a:solidFill>
+                <a:uFillTx/>
+                <a:latin typeface="隶书" panose="02010509060101010101" charset="-122"/>
+                <a:ea typeface="隶书" panose="02010509060101010101" charset="-122"/>
+              </a:rPr>
+              <a:t>学习路线</a:t>
+            </a:r>
+            <a:endParaRPr dirty="0">
+              <a:solidFill>
+                <a:schemeClr val="tx1">
+                  <a:lumMod val="85000"/>
+                  <a:lumOff val="15000"/>
+                </a:schemeClr>
+              </a:solidFill>
+              <a:uFillTx/>
+              <a:latin typeface="隶书" panose="02010509060101010101" charset="-122"/>
+              <a:ea typeface="隶书" panose="02010509060101010101" charset="-122"/>
+            </a:endParaRPr>
+          </a:p>
+        </p:txBody>
+      </p:sp>
+    </p:spTree>
+    <p:custDataLst>
+      <p:tags r:id="rId3"/>
+    </p:custDataLst>
+  </p:cSld>
+  <p:clrMapOvr>
+    <a:masterClrMapping/>
+  </p:clrMapOvr>
+</p:sld>
+</file>
+
+<file path=ppt/slides/slide7.xml><?xml version="1.0" encoding="utf-8"?>
+<p:sld xmlns:a="http://schemas.openxmlformats.org/drawingml/2006/main" xmlns:r="http://schemas.openxmlformats.org/officeDocument/2006/relationships" xmlns:p="http://schemas.openxmlformats.org/presentationml/2006/main">
+  <p:cSld>
+    <p:spTree>
+      <p:nvGrpSpPr>
+        <p:cNvPr id="1" name=""/>
+        <p:cNvGrpSpPr/>
+        <p:nvPr/>
+      </p:nvGrpSpPr>
+      <p:grpSpPr>
+        <a:xfrm>
+          <a:off x="0" y="0"/>
+          <a:ext cx="0" cy="0"/>
+          <a:chOff x="0" y="0"/>
+          <a:chExt cx="0" cy="0"/>
+        </a:xfrm>
+      </p:grpSpPr>
+      <p:sp>
+        <p:nvSpPr>
+          <p:cNvPr id="2" name="内容占位符 1"/>
+          <p:cNvSpPr txBox="1"/>
+          <p:nvPr>
+            <p:custDataLst>
+              <p:tags r:id="rId1"/>
+            </p:custDataLst>
+          </p:nvPr>
+        </p:nvSpPr>
+        <p:spPr>
+          <a:xfrm>
+            <a:off x="608400" y="1491101"/>
+            <a:ext cx="10970190" cy="4758499"/>
+          </a:xfrm>
+          <a:prstGeom prst="rect">
+            <a:avLst/>
+          </a:prstGeom>
+        </p:spPr>
+        <p:txBody>
+          <a:bodyPr>
+            <a:normAutofit/>
+          </a:bodyPr>
+          <a:lstStyle>
+            <a:lvl1pPr marL="228600" indent="-228600" algn="l" defTabSz="914400" rtl="0" eaLnBrk="1" fontAlgn="auto" latinLnBrk="0" hangingPunct="1">
+              <a:lnSpc>
+                <a:spcPct val="130000"/>
+              </a:lnSpc>
+              <a:spcBef>
+                <a:spcPts val="0"/>
+              </a:spcBef>
+              <a:spcAft>
+                <a:spcPts val="1000"/>
+              </a:spcAft>
+              <a:buFont typeface="Arial" panose="020B0604020202020204" pitchFamily="34" charset="0"/>
+              <a:buChar char="•"/>
+              <a:defRPr sz="1600" u="none" strike="noStrike" kern="1200" cap="none" spc="150" normalizeH="0" baseline="0">
+                <a:solidFill>
+                  <a:schemeClr val="tx1"/>
+                </a:solidFill>
+                <a:uFillTx/>
+                <a:latin typeface="微软雅黑" panose="020B0503020204020204" charset="-122"/>
+                <a:ea typeface="微软雅黑" panose="020B0503020204020204" charset="-122"/>
+                <a:cs typeface="+mn-cs"/>
+              </a:defRPr>
+            </a:lvl1pPr>
+            <a:lvl2pPr marL="685800" indent="-228600" algn="l" defTabSz="914400" rtl="0" eaLnBrk="1" fontAlgn="auto" latinLnBrk="0" hangingPunct="1">
+              <a:lnSpc>
+                <a:spcPct val="130000"/>
+              </a:lnSpc>
+              <a:spcBef>
+                <a:spcPts val="0"/>
+              </a:spcBef>
+              <a:spcAft>
+                <a:spcPts val="1000"/>
+              </a:spcAft>
+              <a:buFont typeface="Arial" panose="020B0604020202020204" pitchFamily="34" charset="0"/>
+              <a:buChar char="•"/>
+              <a:tabLst>
+                <a:tab pos="1609725" algn="l"/>
+              </a:tabLst>
+              <a:defRPr sz="1600" u="none" strike="noStrike" kern="1200" cap="none" spc="150" normalizeH="0" baseline="0">
+                <a:solidFill>
+                  <a:schemeClr val="tx1"/>
+                </a:solidFill>
+                <a:uFillTx/>
+                <a:latin typeface="微软雅黑" panose="020B0503020204020204" charset="-122"/>
+                <a:ea typeface="微软雅黑" panose="020B0503020204020204" charset="-122"/>
+                <a:cs typeface="+mn-cs"/>
+              </a:defRPr>
+            </a:lvl2pPr>
+            <a:lvl3pPr marL="1143000" indent="-228600" algn="l" defTabSz="914400" rtl="0" eaLnBrk="1" fontAlgn="auto" latinLnBrk="0" hangingPunct="1">
+              <a:lnSpc>
+                <a:spcPct val="130000"/>
+              </a:lnSpc>
+              <a:spcBef>
+                <a:spcPts val="0"/>
+              </a:spcBef>
+              <a:spcAft>
+                <a:spcPts val="1000"/>
+              </a:spcAft>
+              <a:buFont typeface="Arial" panose="020B0604020202020204" pitchFamily="34" charset="0"/>
+              <a:buChar char="•"/>
+              <a:defRPr sz="1600" u="none" strike="noStrike" kern="1200" cap="none" spc="150" normalizeH="0" baseline="0">
+                <a:solidFill>
+                  <a:schemeClr val="tx1"/>
+                </a:solidFill>
+                <a:uFillTx/>
+                <a:latin typeface="微软雅黑" panose="020B0503020204020204" charset="-122"/>
+                <a:ea typeface="微软雅黑" panose="020B0503020204020204" charset="-122"/>
+                <a:cs typeface="+mn-cs"/>
+              </a:defRPr>
+            </a:lvl3pPr>
+            <a:lvl4pPr marL="1600200" indent="-228600" algn="l" defTabSz="914400" rtl="0" eaLnBrk="1" fontAlgn="auto" latinLnBrk="0" hangingPunct="1">
+              <a:lnSpc>
+                <a:spcPct val="130000"/>
+              </a:lnSpc>
+              <a:spcBef>
+                <a:spcPts val="0"/>
+              </a:spcBef>
+              <a:spcAft>
+                <a:spcPts val="1000"/>
+              </a:spcAft>
+              <a:buFont typeface="Arial" panose="020B0604020202020204" pitchFamily="34" charset="0"/>
+              <a:buChar char="•"/>
+              <a:defRPr sz="1600" u="none" strike="noStrike" kern="1200" cap="none" spc="150" normalizeH="0" baseline="0">
+                <a:solidFill>
+                  <a:schemeClr val="tx1"/>
+                </a:solidFill>
+                <a:uFillTx/>
+                <a:latin typeface="微软雅黑" panose="020B0503020204020204" charset="-122"/>
+                <a:ea typeface="微软雅黑" panose="020B0503020204020204" charset="-122"/>
+                <a:cs typeface="+mn-cs"/>
+              </a:defRPr>
+            </a:lvl4pPr>
+            <a:lvl5pPr marL="2057400" indent="-228600" algn="l" defTabSz="914400" rtl="0" eaLnBrk="1" fontAlgn="auto" latinLnBrk="0" hangingPunct="1">
+              <a:lnSpc>
+                <a:spcPct val="130000"/>
+              </a:lnSpc>
+              <a:spcBef>
+                <a:spcPts val="0"/>
+              </a:spcBef>
+              <a:spcAft>
+                <a:spcPts val="1000"/>
+              </a:spcAft>
+              <a:buFont typeface="Arial" panose="020B0604020202020204" pitchFamily="34" charset="0"/>
+              <a:buChar char="•"/>
+              <a:defRPr sz="1600" u="none" strike="noStrike" kern="1200" cap="none" spc="150" normalizeH="0" baseline="0">
+                <a:solidFill>
+                  <a:schemeClr val="tx1"/>
+                </a:solidFill>
+                <a:uFillTx/>
+                <a:latin typeface="微软雅黑" panose="020B0503020204020204" charset="-122"/>
+                <a:ea typeface="微软雅黑" panose="020B0503020204020204" charset="-122"/>
+                <a:cs typeface="+mn-cs"/>
+              </a:defRPr>
+            </a:lvl5pPr>
+            <a:lvl6pPr marL="2514600" indent="-228600" algn="l" defTabSz="914400" rtl="0" eaLnBrk="1" latinLnBrk="0" hangingPunct="1">
+              <a:lnSpc>
+                <a:spcPct val="90000"/>
+              </a:lnSpc>
+              <a:spcBef>
+                <a:spcPts val="500"/>
+              </a:spcBef>
+              <a:buFont typeface="Arial" panose="020B0604020202020204" pitchFamily="34" charset="0"/>
+              <a:buChar char="•"/>
+              <a:defRPr sz="1800" kern="1200">
+                <a:solidFill>
+                  <a:schemeClr val="tx1"/>
+                </a:solidFill>
+                <a:latin typeface="+mn-lt"/>
+                <a:ea typeface="+mn-ea"/>
+                <a:cs typeface="+mn-cs"/>
+              </a:defRPr>
+            </a:lvl6pPr>
+            <a:lvl7pPr marL="2971800" indent="-228600" algn="l" defTabSz="914400" rtl="0" eaLnBrk="1" latinLnBrk="0" hangingPunct="1">
+              <a:lnSpc>
+                <a:spcPct val="90000"/>
+              </a:lnSpc>
+              <a:spcBef>
+                <a:spcPts val="500"/>
+              </a:spcBef>
+              <a:buFont typeface="Arial" panose="020B0604020202020204" pitchFamily="34" charset="0"/>
+              <a:buChar char="•"/>
+              <a:defRPr sz="1800" kern="1200">
+                <a:solidFill>
+                  <a:schemeClr val="tx1"/>
+                </a:solidFill>
+                <a:latin typeface="+mn-lt"/>
+                <a:ea typeface="+mn-ea"/>
+                <a:cs typeface="+mn-cs"/>
+              </a:defRPr>
+            </a:lvl7pPr>
+            <a:lvl8pPr marL="3429000" indent="-228600" algn="l" defTabSz="914400" rtl="0" eaLnBrk="1" latinLnBrk="0" hangingPunct="1">
+              <a:lnSpc>
+                <a:spcPct val="90000"/>
+              </a:lnSpc>
+              <a:spcBef>
+                <a:spcPts val="500"/>
+              </a:spcBef>
+              <a:buFont typeface="Arial" panose="020B0604020202020204" pitchFamily="34" charset="0"/>
+              <a:buChar char="•"/>
+              <a:defRPr sz="1800" kern="1200">
+                <a:solidFill>
+                  <a:schemeClr val="tx1"/>
+                </a:solidFill>
+                <a:latin typeface="+mn-lt"/>
+                <a:ea typeface="+mn-ea"/>
+                <a:cs typeface="+mn-cs"/>
+              </a:defRPr>
+            </a:lvl8pPr>
+            <a:lvl9pPr marL="3886200" indent="-228600" algn="l" defTabSz="914400" rtl="0" eaLnBrk="1" latinLnBrk="0" hangingPunct="1">
+              <a:lnSpc>
+                <a:spcPct val="90000"/>
+              </a:lnSpc>
+              <a:spcBef>
+                <a:spcPts val="500"/>
+              </a:spcBef>
+              <a:buFont typeface="Arial" panose="020B0604020202020204" pitchFamily="34" charset="0"/>
+              <a:buChar char="•"/>
+              <a:defRPr sz="1800" kern="1200">
+                <a:solidFill>
+                  <a:schemeClr val="tx1"/>
+                </a:solidFill>
+                <a:latin typeface="+mn-lt"/>
+                <a:ea typeface="+mn-ea"/>
+                <a:cs typeface="+mn-cs"/>
+              </a:defRPr>
+            </a:lvl9pPr>
+          </a:lstStyle>
+          <a:p>
+            <a:pPr marR="0" lvl="0" indent="0" algn="just" defTabSz="914400" rtl="0" eaLnBrk="1" fontAlgn="auto" latinLnBrk="0" hangingPunct="1">
+              <a:lnSpc>
+                <a:spcPct val="130000"/>
+              </a:lnSpc>
+              <a:spcBef>
+                <a:spcPts val="0"/>
+              </a:spcBef>
+              <a:spcAft>
+                <a:spcPts val="800"/>
+              </a:spcAft>
+              <a:buClrTx/>
+              <a:buSzTx/>
+              <a:buFont typeface="Arial" panose="020B0604020202020204" pitchFamily="34" charset="0"/>
+              <a:buNone/>
+              <a:defRPr/>
+            </a:pPr>
+            <a:r>
+              <a:rPr lang="en-US" spc="0" dirty="0">
+                <a:solidFill>
+                  <a:schemeClr val="tx1">
+                    <a:lumMod val="65000"/>
+                    <a:lumOff val="35000"/>
+                  </a:schemeClr>
+                </a:solidFill>
+                <a:latin typeface="隶书" panose="02010509060101010101" charset="-122"/>
+                <a:ea typeface="隶书" panose="02010509060101010101" charset="-122"/>
+              </a:rPr>
+              <a:t>第五阶段</a:t>
+            </a:r>
+            <a:endParaRPr lang="en-US" spc="0" dirty="0">
+              <a:solidFill>
+                <a:schemeClr val="tx1">
+                  <a:lumMod val="65000"/>
+                  <a:lumOff val="35000"/>
+                </a:schemeClr>
+              </a:solidFill>
+              <a:latin typeface="隶书" panose="02010509060101010101" charset="-122"/>
+              <a:ea typeface="隶书" panose="02010509060101010101" charset="-122"/>
+            </a:endParaRPr>
+          </a:p>
+          <a:p>
+            <a:pPr marR="0" lvl="0" indent="0" algn="just" defTabSz="914400" rtl="0" eaLnBrk="1" fontAlgn="auto" latinLnBrk="0" hangingPunct="1">
+              <a:lnSpc>
+                <a:spcPct val="130000"/>
+              </a:lnSpc>
+              <a:spcBef>
+                <a:spcPts val="0"/>
+              </a:spcBef>
+              <a:spcAft>
+                <a:spcPts val="800"/>
+              </a:spcAft>
+              <a:buClrTx/>
+              <a:buSzTx/>
+              <a:buFont typeface="Arial" panose="020B0604020202020204" pitchFamily="34" charset="0"/>
+              <a:buNone/>
+              <a:defRPr/>
+            </a:pPr>
+            <a:r>
+              <a:rPr lang="en-US" spc="0" dirty="0">
+                <a:solidFill>
+                  <a:schemeClr val="tx1">
+                    <a:lumMod val="65000"/>
+                    <a:lumOff val="35000"/>
+                  </a:schemeClr>
+                </a:solidFill>
+                <a:latin typeface="隶书" panose="02010509060101010101" charset="-122"/>
+                <a:ea typeface="隶书" panose="02010509060101010101" charset="-122"/>
+              </a:rPr>
+              <a:t>熟悉客户端和服务器端的代码实现 </a:t>
+            </a:r>
+            <a:endParaRPr lang="en-US" spc="0" dirty="0">
+              <a:solidFill>
+                <a:schemeClr val="tx1">
+                  <a:lumMod val="65000"/>
+                  <a:lumOff val="35000"/>
+                </a:schemeClr>
+              </a:solidFill>
+              <a:latin typeface="隶书" panose="02010509060101010101" charset="-122"/>
+              <a:ea typeface="隶书" panose="02010509060101010101" charset="-122"/>
+            </a:endParaRPr>
+          </a:p>
+          <a:p>
+            <a:pPr marR="0" lvl="0" indent="0" algn="just" defTabSz="914400" rtl="0" eaLnBrk="1" fontAlgn="auto" latinLnBrk="0" hangingPunct="1">
+              <a:lnSpc>
+                <a:spcPct val="130000"/>
+              </a:lnSpc>
+              <a:spcBef>
+                <a:spcPts val="0"/>
+              </a:spcBef>
+              <a:spcAft>
+                <a:spcPts val="800"/>
+              </a:spcAft>
+              <a:buClrTx/>
+              <a:buSzTx/>
+              <a:buFont typeface="Arial" panose="020B0604020202020204" pitchFamily="34" charset="0"/>
+              <a:buNone/>
+              <a:defRPr/>
+            </a:pPr>
+            <a:r>
+              <a:rPr lang="en-US" spc="0" dirty="0">
+                <a:solidFill>
+                  <a:schemeClr val="tx1">
+                    <a:lumMod val="65000"/>
+                    <a:lumOff val="35000"/>
+                  </a:schemeClr>
+                </a:solidFill>
+                <a:latin typeface="隶书" panose="02010509060101010101" charset="-122"/>
+                <a:ea typeface="隶书" panose="02010509060101010101" charset="-122"/>
+              </a:rPr>
+              <a:t>+ 事件处理模块 ae.c/ae_epoll.c/ae_evport.c/ae_kqueue.c/ae_select.c </a:t>
+            </a:r>
+            <a:endParaRPr lang="en-US" spc="0" dirty="0">
+              <a:solidFill>
+                <a:schemeClr val="tx1">
+                  <a:lumMod val="65000"/>
+                  <a:lumOff val="35000"/>
+                </a:schemeClr>
+              </a:solidFill>
+              <a:latin typeface="隶书" panose="02010509060101010101" charset="-122"/>
+              <a:ea typeface="隶书" panose="02010509060101010101" charset="-122"/>
+            </a:endParaRPr>
+          </a:p>
+          <a:p>
+            <a:pPr marR="0" lvl="0" indent="0" algn="just" defTabSz="914400" rtl="0" eaLnBrk="1" fontAlgn="auto" latinLnBrk="0" hangingPunct="1">
+              <a:lnSpc>
+                <a:spcPct val="130000"/>
+              </a:lnSpc>
+              <a:spcBef>
+                <a:spcPts val="0"/>
+              </a:spcBef>
+              <a:spcAft>
+                <a:spcPts val="800"/>
+              </a:spcAft>
+              <a:buClrTx/>
+              <a:buSzTx/>
+              <a:buFont typeface="Arial" panose="020B0604020202020204" pitchFamily="34" charset="0"/>
+              <a:buNone/>
+              <a:defRPr/>
+            </a:pPr>
+            <a:r>
+              <a:rPr lang="en-US" spc="0" dirty="0">
+                <a:solidFill>
+                  <a:schemeClr val="tx1">
+                    <a:lumMod val="65000"/>
+                    <a:lumOff val="35000"/>
+                  </a:schemeClr>
+                </a:solidFill>
+                <a:latin typeface="隶书" panose="02010509060101010101" charset="-122"/>
+                <a:ea typeface="隶书" panose="02010509060101010101" charset="-122"/>
+              </a:rPr>
+              <a:t>+ 网路链接库 anet.c和networking.c </a:t>
+            </a:r>
+            <a:endParaRPr lang="en-US" spc="0" dirty="0">
+              <a:solidFill>
+                <a:schemeClr val="tx1">
+                  <a:lumMod val="65000"/>
+                  <a:lumOff val="35000"/>
+                </a:schemeClr>
+              </a:solidFill>
+              <a:latin typeface="隶书" panose="02010509060101010101" charset="-122"/>
+              <a:ea typeface="隶书" panose="02010509060101010101" charset="-122"/>
+            </a:endParaRPr>
+          </a:p>
+          <a:p>
+            <a:pPr marR="0" lvl="0" indent="0" algn="just" defTabSz="914400" rtl="0" eaLnBrk="1" fontAlgn="auto" latinLnBrk="0" hangingPunct="1">
+              <a:lnSpc>
+                <a:spcPct val="130000"/>
+              </a:lnSpc>
+              <a:spcBef>
+                <a:spcPts val="0"/>
+              </a:spcBef>
+              <a:spcAft>
+                <a:spcPts val="800"/>
+              </a:spcAft>
+              <a:buClrTx/>
+              <a:buSzTx/>
+              <a:buFont typeface="Arial" panose="020B0604020202020204" pitchFamily="34" charset="0"/>
+              <a:buNone/>
+              <a:defRPr/>
+            </a:pPr>
+            <a:r>
+              <a:rPr lang="en-US" spc="0" dirty="0">
+                <a:solidFill>
+                  <a:schemeClr val="tx1">
+                    <a:lumMod val="65000"/>
+                    <a:lumOff val="35000"/>
+                  </a:schemeClr>
+                </a:solidFill>
+                <a:latin typeface="隶书" panose="02010509060101010101" charset="-122"/>
+                <a:ea typeface="隶书" panose="02010509060101010101" charset="-122"/>
+              </a:rPr>
+              <a:t>+ 服务器端 redis.c </a:t>
+            </a:r>
+            <a:endParaRPr lang="en-US" spc="0" dirty="0">
+              <a:solidFill>
+                <a:schemeClr val="tx1">
+                  <a:lumMod val="65000"/>
+                  <a:lumOff val="35000"/>
+                </a:schemeClr>
+              </a:solidFill>
+              <a:latin typeface="隶书" panose="02010509060101010101" charset="-122"/>
+              <a:ea typeface="隶书" panose="02010509060101010101" charset="-122"/>
+            </a:endParaRPr>
+          </a:p>
+          <a:p>
+            <a:pPr marR="0" lvl="0" indent="0" algn="just" defTabSz="914400" rtl="0" eaLnBrk="1" fontAlgn="auto" latinLnBrk="0" hangingPunct="1">
+              <a:lnSpc>
+                <a:spcPct val="130000"/>
+              </a:lnSpc>
+              <a:spcBef>
+                <a:spcPts val="0"/>
+              </a:spcBef>
+              <a:spcAft>
+                <a:spcPts val="800"/>
+              </a:spcAft>
+              <a:buClrTx/>
+              <a:buSzTx/>
+              <a:buFont typeface="Arial" panose="020B0604020202020204" pitchFamily="34" charset="0"/>
+              <a:buNone/>
+              <a:defRPr/>
+            </a:pPr>
+            <a:r>
+              <a:rPr lang="en-US" spc="0" dirty="0">
+                <a:solidFill>
+                  <a:schemeClr val="tx1">
+                    <a:lumMod val="65000"/>
+                    <a:lumOff val="35000"/>
+                  </a:schemeClr>
+                </a:solidFill>
+                <a:latin typeface="隶书" panose="02010509060101010101" charset="-122"/>
+                <a:ea typeface="隶书" panose="02010509060101010101" charset="-122"/>
+              </a:rPr>
+              <a:t>+ 客户端 redis-cli.c</a:t>
+            </a:r>
+            <a:endParaRPr lang="en-US" spc="0" dirty="0">
+              <a:solidFill>
+                <a:schemeClr val="tx1">
+                  <a:lumMod val="65000"/>
+                  <a:lumOff val="35000"/>
+                </a:schemeClr>
+              </a:solidFill>
+              <a:latin typeface="隶书" panose="02010509060101010101" charset="-122"/>
+              <a:ea typeface="隶书" panose="02010509060101010101" charset="-122"/>
+            </a:endParaRPr>
+          </a:p>
+          <a:p>
+            <a:pPr marR="0" lvl="0" indent="0" algn="just" defTabSz="914400" rtl="0" eaLnBrk="1" fontAlgn="auto" latinLnBrk="0" hangingPunct="1">
+              <a:lnSpc>
+                <a:spcPct val="130000"/>
+              </a:lnSpc>
+              <a:spcBef>
+                <a:spcPts val="0"/>
+              </a:spcBef>
+              <a:spcAft>
+                <a:spcPts val="800"/>
+              </a:spcAft>
+              <a:buClrTx/>
+              <a:buSzTx/>
+              <a:buFont typeface="Arial" panose="020B0604020202020204" pitchFamily="34" charset="0"/>
+              <a:buNone/>
+              <a:defRPr/>
+            </a:pPr>
+            <a:endParaRPr lang="en-US" spc="0" dirty="0">
+              <a:solidFill>
+                <a:schemeClr val="tx1">
+                  <a:lumMod val="65000"/>
+                  <a:lumOff val="35000"/>
+                </a:schemeClr>
+              </a:solidFill>
+              <a:latin typeface="隶书" panose="02010509060101010101" charset="-122"/>
+              <a:ea typeface="隶书" panose="02010509060101010101" charset="-122"/>
+            </a:endParaRPr>
+          </a:p>
+          <a:p>
+            <a:pPr marR="0" lvl="0" indent="0" algn="just" defTabSz="914400" rtl="0" eaLnBrk="1" fontAlgn="auto" latinLnBrk="0" hangingPunct="1">
+              <a:lnSpc>
+                <a:spcPct val="130000"/>
+              </a:lnSpc>
+              <a:spcBef>
+                <a:spcPts val="0"/>
+              </a:spcBef>
+              <a:spcAft>
+                <a:spcPts val="800"/>
+              </a:spcAft>
+              <a:buClrTx/>
+              <a:buSzTx/>
+              <a:buFont typeface="Arial" panose="020B0604020202020204" pitchFamily="34" charset="0"/>
+              <a:buNone/>
+              <a:defRPr/>
+            </a:pPr>
+            <a:r>
+              <a:rPr lang="en-US" spc="0" dirty="0">
+                <a:solidFill>
+                  <a:schemeClr val="tx1">
+                    <a:lumMod val="65000"/>
+                    <a:lumOff val="35000"/>
+                  </a:schemeClr>
+                </a:solidFill>
+                <a:latin typeface="隶书" panose="02010509060101010101" charset="-122"/>
+                <a:ea typeface="隶书" panose="02010509060101010101" charset="-122"/>
+              </a:rPr>
+              <a:t>这个时候可以阅读下面的独立功能模块的代码实现 </a:t>
+            </a:r>
+            <a:endParaRPr lang="en-US" spc="0" dirty="0">
+              <a:solidFill>
+                <a:schemeClr val="tx1">
+                  <a:lumMod val="65000"/>
+                  <a:lumOff val="35000"/>
+                </a:schemeClr>
+              </a:solidFill>
+              <a:latin typeface="隶书" panose="02010509060101010101" charset="-122"/>
+              <a:ea typeface="隶书" panose="02010509060101010101" charset="-122"/>
+            </a:endParaRPr>
+          </a:p>
+          <a:p>
+            <a:pPr marR="0" lvl="0" indent="0" algn="just" defTabSz="914400" rtl="0" eaLnBrk="1" fontAlgn="auto" latinLnBrk="0" hangingPunct="1">
+              <a:lnSpc>
+                <a:spcPct val="130000"/>
+              </a:lnSpc>
+              <a:spcBef>
+                <a:spcPts val="0"/>
+              </a:spcBef>
+              <a:spcAft>
+                <a:spcPts val="800"/>
+              </a:spcAft>
+              <a:buClrTx/>
+              <a:buSzTx/>
+              <a:buFont typeface="Arial" panose="020B0604020202020204" pitchFamily="34" charset="0"/>
+              <a:buNone/>
+              <a:defRPr/>
+            </a:pPr>
+            <a:r>
+              <a:rPr lang="en-US" spc="0" dirty="0">
+                <a:solidFill>
+                  <a:schemeClr val="tx1">
+                    <a:lumMod val="65000"/>
+                    <a:lumOff val="35000"/>
+                  </a:schemeClr>
+                </a:solidFill>
+                <a:latin typeface="隶书" panose="02010509060101010101" charset="-122"/>
+                <a:ea typeface="隶书" panose="02010509060101010101" charset="-122"/>
+              </a:rPr>
+              <a:t>+ lua脚本 scripting.c </a:t>
+            </a:r>
+            <a:endParaRPr lang="en-US" spc="0" dirty="0">
+              <a:solidFill>
+                <a:schemeClr val="tx1">
+                  <a:lumMod val="65000"/>
+                  <a:lumOff val="35000"/>
+                </a:schemeClr>
+              </a:solidFill>
+              <a:latin typeface="隶书" panose="02010509060101010101" charset="-122"/>
+              <a:ea typeface="隶书" panose="02010509060101010101" charset="-122"/>
+            </a:endParaRPr>
+          </a:p>
+          <a:p>
+            <a:pPr marR="0" lvl="0" indent="0" algn="just" defTabSz="914400" rtl="0" eaLnBrk="1" fontAlgn="auto" latinLnBrk="0" hangingPunct="1">
+              <a:lnSpc>
+                <a:spcPct val="130000"/>
+              </a:lnSpc>
+              <a:spcBef>
+                <a:spcPts val="0"/>
+              </a:spcBef>
+              <a:spcAft>
+                <a:spcPts val="800"/>
+              </a:spcAft>
+              <a:buClrTx/>
+              <a:buSzTx/>
+              <a:buFont typeface="Arial" panose="020B0604020202020204" pitchFamily="34" charset="0"/>
+              <a:buNone/>
+              <a:defRPr/>
+            </a:pPr>
+            <a:r>
+              <a:rPr lang="en-US" spc="0" dirty="0">
+                <a:solidFill>
+                  <a:schemeClr val="tx1">
+                    <a:lumMod val="65000"/>
+                    <a:lumOff val="35000"/>
+                  </a:schemeClr>
+                </a:solidFill>
+                <a:latin typeface="隶书" panose="02010509060101010101" charset="-122"/>
+                <a:ea typeface="隶书" panose="02010509060101010101" charset="-122"/>
+              </a:rPr>
+              <a:t>+ 慢查询 slowlog.c </a:t>
+            </a:r>
+            <a:endParaRPr lang="en-US" spc="0" dirty="0">
+              <a:solidFill>
+                <a:schemeClr val="tx1">
+                  <a:lumMod val="65000"/>
+                  <a:lumOff val="35000"/>
+                </a:schemeClr>
+              </a:solidFill>
+              <a:latin typeface="隶书" panose="02010509060101010101" charset="-122"/>
+              <a:ea typeface="隶书" panose="02010509060101010101" charset="-122"/>
+            </a:endParaRPr>
+          </a:p>
+          <a:p>
+            <a:pPr marR="0" lvl="0" indent="0" algn="just" defTabSz="914400" rtl="0" eaLnBrk="1" fontAlgn="auto" latinLnBrk="0" hangingPunct="1">
+              <a:lnSpc>
+                <a:spcPct val="130000"/>
+              </a:lnSpc>
+              <a:spcBef>
+                <a:spcPts val="0"/>
+              </a:spcBef>
+              <a:spcAft>
+                <a:spcPts val="800"/>
+              </a:spcAft>
+              <a:buClrTx/>
+              <a:buSzTx/>
+              <a:buFont typeface="Arial" panose="020B0604020202020204" pitchFamily="34" charset="0"/>
+              <a:buNone/>
+              <a:defRPr/>
+            </a:pPr>
+            <a:r>
+              <a:rPr lang="en-US" spc="0" dirty="0">
+                <a:solidFill>
+                  <a:schemeClr val="tx1">
+                    <a:lumMod val="65000"/>
+                    <a:lumOff val="35000"/>
+                  </a:schemeClr>
+                </a:solidFill>
+                <a:latin typeface="隶书" panose="02010509060101010101" charset="-122"/>
+                <a:ea typeface="隶书" panose="02010509060101010101" charset="-122"/>
+              </a:rPr>
+              <a:t>+ 监视 monitor.c</a:t>
+            </a:r>
+            <a:endParaRPr lang="en-US" spc="0" dirty="0">
+              <a:solidFill>
+                <a:schemeClr val="tx1">
+                  <a:lumMod val="65000"/>
+                  <a:lumOff val="35000"/>
+                </a:schemeClr>
+              </a:solidFill>
+              <a:latin typeface="隶书" panose="02010509060101010101" charset="-122"/>
+              <a:ea typeface="隶书" panose="02010509060101010101" charset="-122"/>
+            </a:endParaRPr>
+          </a:p>
+        </p:txBody>
+      </p:sp>
+      <p:sp>
+        <p:nvSpPr>
+          <p:cNvPr id="3" name="文本框 2"/>
+          <p:cNvSpPr txBox="1"/>
+          <p:nvPr>
+            <p:custDataLst>
+              <p:tags r:id="rId2"/>
+            </p:custDataLst>
+          </p:nvPr>
+        </p:nvSpPr>
+        <p:spPr>
+          <a:xfrm>
+            <a:off x="608400" y="608400"/>
+            <a:ext cx="10970823" cy="706755"/>
+          </a:xfrm>
+          <a:prstGeom prst="rect">
+            <a:avLst/>
+          </a:prstGeom>
+        </p:spPr>
+        <p:txBody>
+          <a:bodyPr vert="horz" lIns="90170" tIns="46990" rIns="90170" bIns="46990" rtlCol="0" anchor="ctr" anchorCtr="0">
+            <a:normAutofit/>
+          </a:bodyPr>
+          <a:lstStyle>
+            <a:lvl1pPr marR="0" fontAlgn="auto">
+              <a:lnSpc>
+                <a:spcPct val="100000"/>
+              </a:lnSpc>
+              <a:spcBef>
+                <a:spcPct val="0"/>
+              </a:spcBef>
+              <a:buNone/>
+              <a:defRPr kumimoji="0" lang="zh-CN" altLang="en-US" sz="3600" b="1" i="0" u="none" strike="noStrike" cap="none" spc="300" normalizeH="0" baseline="0" noProof="1" dirty="0">
+                <a:solidFill>
+                  <a:schemeClr val="tx1">
+                    <a:lumMod val="85000"/>
+                    <a:lumOff val="15000"/>
+                  </a:schemeClr>
+                </a:solidFill>
+                <a:uFillTx/>
+                <a:latin typeface="微软雅黑" panose="020B0503020204020204" charset="-122"/>
+                <a:ea typeface="微软雅黑" panose="020B0503020204020204" charset="-122"/>
+                <a:cs typeface="+mj-cs"/>
+                <a:sym typeface="+mn-ea"/>
+              </a:defRPr>
+            </a:lvl1pPr>
+          </a:lstStyle>
+          <a:p>
+            <a:r>
+              <a:rPr dirty="0">
+                <a:solidFill>
+                  <a:schemeClr val="tx1">
+                    <a:lumMod val="85000"/>
+                    <a:lumOff val="15000"/>
+                  </a:schemeClr>
+                </a:solidFill>
+                <a:uFillTx/>
+                <a:latin typeface="隶书" panose="02010509060101010101" charset="-122"/>
+                <a:ea typeface="隶书" panose="02010509060101010101" charset="-122"/>
+              </a:rPr>
+              <a:t>学习路线</a:t>
+            </a:r>
+            <a:endParaRPr dirty="0">
+              <a:solidFill>
+                <a:schemeClr val="tx1">
+                  <a:lumMod val="85000"/>
+                  <a:lumOff val="15000"/>
+                </a:schemeClr>
+              </a:solidFill>
+              <a:uFillTx/>
+              <a:latin typeface="隶书" panose="02010509060101010101" charset="-122"/>
+              <a:ea typeface="隶书" panose="02010509060101010101" charset="-122"/>
+            </a:endParaRPr>
+          </a:p>
+        </p:txBody>
+      </p:sp>
+    </p:spTree>
+    <p:custDataLst>
+      <p:tags r:id="rId3"/>
+    </p:custDataLst>
+  </p:cSld>
+  <p:clrMapOvr>
+    <a:masterClrMapping/>
+  </p:clrMapOvr>
+</p:sld>
+</file>
+
+<file path=ppt/slides/slide8.xml><?xml version="1.0" encoding="utf-8"?>
+<p:sld xmlns:a="http://schemas.openxmlformats.org/drawingml/2006/main" xmlns:r="http://schemas.openxmlformats.org/officeDocument/2006/relationships" xmlns:p="http://schemas.openxmlformats.org/presentationml/2006/main">
+  <p:cSld>
+    <p:spTree>
+      <p:nvGrpSpPr>
+        <p:cNvPr id="1" name=""/>
+        <p:cNvGrpSpPr/>
+        <p:nvPr/>
+      </p:nvGrpSpPr>
+      <p:grpSpPr>
+        <a:xfrm>
+          <a:off x="0" y="0"/>
+          <a:ext cx="0" cy="0"/>
+          <a:chOff x="0" y="0"/>
+          <a:chExt cx="0" cy="0"/>
+        </a:xfrm>
+      </p:grpSpPr>
+      <p:sp>
+        <p:nvSpPr>
+          <p:cNvPr id="2" name="内容占位符 1"/>
+          <p:cNvSpPr txBox="1"/>
+          <p:nvPr>
+            <p:custDataLst>
+              <p:tags r:id="rId1"/>
+            </p:custDataLst>
+          </p:nvPr>
+        </p:nvSpPr>
+        <p:spPr>
+          <a:xfrm>
+            <a:off x="608400" y="1491101"/>
+            <a:ext cx="10970190" cy="4758499"/>
+          </a:xfrm>
+          <a:prstGeom prst="rect">
+            <a:avLst/>
+          </a:prstGeom>
+        </p:spPr>
+        <p:txBody>
+          <a:bodyPr>
+            <a:normAutofit/>
+          </a:bodyPr>
+          <a:lstStyle>
+            <a:lvl1pPr marL="228600" indent="-228600" algn="l" defTabSz="914400" rtl="0" eaLnBrk="1" fontAlgn="auto" latinLnBrk="0" hangingPunct="1">
+              <a:lnSpc>
+                <a:spcPct val="130000"/>
+              </a:lnSpc>
+              <a:spcBef>
+                <a:spcPts val="0"/>
+              </a:spcBef>
+              <a:spcAft>
+                <a:spcPts val="1000"/>
+              </a:spcAft>
+              <a:buFont typeface="Arial" panose="020B0604020202020204" pitchFamily="34" charset="0"/>
+              <a:buChar char="•"/>
+              <a:defRPr sz="1600" u="none" strike="noStrike" kern="1200" cap="none" spc="150" normalizeH="0" baseline="0">
+                <a:solidFill>
+                  <a:schemeClr val="tx1"/>
+                </a:solidFill>
+                <a:uFillTx/>
+                <a:latin typeface="微软雅黑" panose="020B0503020204020204" charset="-122"/>
+                <a:ea typeface="微软雅黑" panose="020B0503020204020204" charset="-122"/>
+                <a:cs typeface="+mn-cs"/>
+              </a:defRPr>
+            </a:lvl1pPr>
+            <a:lvl2pPr marL="685800" indent="-228600" algn="l" defTabSz="914400" rtl="0" eaLnBrk="1" fontAlgn="auto" latinLnBrk="0" hangingPunct="1">
+              <a:lnSpc>
+                <a:spcPct val="130000"/>
+              </a:lnSpc>
+              <a:spcBef>
+                <a:spcPts val="0"/>
+              </a:spcBef>
+              <a:spcAft>
+                <a:spcPts val="1000"/>
+              </a:spcAft>
+              <a:buFont typeface="Arial" panose="020B0604020202020204" pitchFamily="34" charset="0"/>
+              <a:buChar char="•"/>
+              <a:tabLst>
+                <a:tab pos="1609725" algn="l"/>
+              </a:tabLst>
+              <a:defRPr sz="1600" u="none" strike="noStrike" kern="1200" cap="none" spc="150" normalizeH="0" baseline="0">
+                <a:solidFill>
+                  <a:schemeClr val="tx1"/>
+                </a:solidFill>
+                <a:uFillTx/>
+                <a:latin typeface="微软雅黑" panose="020B0503020204020204" charset="-122"/>
+                <a:ea typeface="微软雅黑" panose="020B0503020204020204" charset="-122"/>
+                <a:cs typeface="+mn-cs"/>
+              </a:defRPr>
+            </a:lvl2pPr>
+            <a:lvl3pPr marL="1143000" indent="-228600" algn="l" defTabSz="914400" rtl="0" eaLnBrk="1" fontAlgn="auto" latinLnBrk="0" hangingPunct="1">
+              <a:lnSpc>
+                <a:spcPct val="130000"/>
+              </a:lnSpc>
+              <a:spcBef>
+                <a:spcPts val="0"/>
+              </a:spcBef>
+              <a:spcAft>
+                <a:spcPts val="1000"/>
+              </a:spcAft>
+              <a:buFont typeface="Arial" panose="020B0604020202020204" pitchFamily="34" charset="0"/>
+              <a:buChar char="•"/>
+              <a:defRPr sz="1600" u="none" strike="noStrike" kern="1200" cap="none" spc="150" normalizeH="0" baseline="0">
+                <a:solidFill>
+                  <a:schemeClr val="tx1"/>
+                </a:solidFill>
+                <a:uFillTx/>
+                <a:latin typeface="微软雅黑" panose="020B0503020204020204" charset="-122"/>
+                <a:ea typeface="微软雅黑" panose="020B0503020204020204" charset="-122"/>
+                <a:cs typeface="+mn-cs"/>
+              </a:defRPr>
+            </a:lvl3pPr>
+            <a:lvl4pPr marL="1600200" indent="-228600" algn="l" defTabSz="914400" rtl="0" eaLnBrk="1" fontAlgn="auto" latinLnBrk="0" hangingPunct="1">
+              <a:lnSpc>
+                <a:spcPct val="130000"/>
+              </a:lnSpc>
+              <a:spcBef>
+                <a:spcPts val="0"/>
+              </a:spcBef>
+              <a:spcAft>
+                <a:spcPts val="1000"/>
+              </a:spcAft>
+              <a:buFont typeface="Arial" panose="020B0604020202020204" pitchFamily="34" charset="0"/>
+              <a:buChar char="•"/>
+              <a:defRPr sz="1600" u="none" strike="noStrike" kern="1200" cap="none" spc="150" normalizeH="0" baseline="0">
+                <a:solidFill>
+                  <a:schemeClr val="tx1"/>
+                </a:solidFill>
+                <a:uFillTx/>
+                <a:latin typeface="微软雅黑" panose="020B0503020204020204" charset="-122"/>
+                <a:ea typeface="微软雅黑" panose="020B0503020204020204" charset="-122"/>
+                <a:cs typeface="+mn-cs"/>
+              </a:defRPr>
+            </a:lvl4pPr>
+            <a:lvl5pPr marL="2057400" indent="-228600" algn="l" defTabSz="914400" rtl="0" eaLnBrk="1" fontAlgn="auto" latinLnBrk="0" hangingPunct="1">
+              <a:lnSpc>
+                <a:spcPct val="130000"/>
+              </a:lnSpc>
+              <a:spcBef>
+                <a:spcPts val="0"/>
+              </a:spcBef>
+              <a:spcAft>
+                <a:spcPts val="1000"/>
+              </a:spcAft>
+              <a:buFont typeface="Arial" panose="020B0604020202020204" pitchFamily="34" charset="0"/>
+              <a:buChar char="•"/>
+              <a:defRPr sz="1600" u="none" strike="noStrike" kern="1200" cap="none" spc="150" normalizeH="0" baseline="0">
+                <a:solidFill>
+                  <a:schemeClr val="tx1"/>
+                </a:solidFill>
+                <a:uFillTx/>
+                <a:latin typeface="微软雅黑" panose="020B0503020204020204" charset="-122"/>
+                <a:ea typeface="微软雅黑" panose="020B0503020204020204" charset="-122"/>
+                <a:cs typeface="+mn-cs"/>
+              </a:defRPr>
+            </a:lvl5pPr>
+            <a:lvl6pPr marL="2514600" indent="-228600" algn="l" defTabSz="914400" rtl="0" eaLnBrk="1" latinLnBrk="0" hangingPunct="1">
+              <a:lnSpc>
+                <a:spcPct val="90000"/>
+              </a:lnSpc>
+              <a:spcBef>
+                <a:spcPts val="500"/>
+              </a:spcBef>
+              <a:buFont typeface="Arial" panose="020B0604020202020204" pitchFamily="34" charset="0"/>
+              <a:buChar char="•"/>
+              <a:defRPr sz="1800" kern="1200">
+                <a:solidFill>
+                  <a:schemeClr val="tx1"/>
+                </a:solidFill>
+                <a:latin typeface="+mn-lt"/>
+                <a:ea typeface="+mn-ea"/>
+                <a:cs typeface="+mn-cs"/>
+              </a:defRPr>
+            </a:lvl6pPr>
+            <a:lvl7pPr marL="2971800" indent="-228600" algn="l" defTabSz="914400" rtl="0" eaLnBrk="1" latinLnBrk="0" hangingPunct="1">
+              <a:lnSpc>
+                <a:spcPct val="90000"/>
+              </a:lnSpc>
+              <a:spcBef>
+                <a:spcPts val="500"/>
+              </a:spcBef>
+              <a:buFont typeface="Arial" panose="020B0604020202020204" pitchFamily="34" charset="0"/>
+              <a:buChar char="•"/>
+              <a:defRPr sz="1800" kern="1200">
+                <a:solidFill>
+                  <a:schemeClr val="tx1"/>
+                </a:solidFill>
+                <a:latin typeface="+mn-lt"/>
+                <a:ea typeface="+mn-ea"/>
+                <a:cs typeface="+mn-cs"/>
+              </a:defRPr>
+            </a:lvl7pPr>
+            <a:lvl8pPr marL="3429000" indent="-228600" algn="l" defTabSz="914400" rtl="0" eaLnBrk="1" latinLnBrk="0" hangingPunct="1">
+              <a:lnSpc>
+                <a:spcPct val="90000"/>
+              </a:lnSpc>
+              <a:spcBef>
+                <a:spcPts val="500"/>
+              </a:spcBef>
+              <a:buFont typeface="Arial" panose="020B0604020202020204" pitchFamily="34" charset="0"/>
+              <a:buChar char="•"/>
+              <a:defRPr sz="1800" kern="1200">
+                <a:solidFill>
+                  <a:schemeClr val="tx1"/>
+                </a:solidFill>
+                <a:latin typeface="+mn-lt"/>
+                <a:ea typeface="+mn-ea"/>
+                <a:cs typeface="+mn-cs"/>
+              </a:defRPr>
+            </a:lvl8pPr>
+            <a:lvl9pPr marL="3886200" indent="-228600" algn="l" defTabSz="914400" rtl="0" eaLnBrk="1" latinLnBrk="0" hangingPunct="1">
+              <a:lnSpc>
+                <a:spcPct val="90000"/>
+              </a:lnSpc>
+              <a:spcBef>
+                <a:spcPts val="500"/>
+              </a:spcBef>
+              <a:buFont typeface="Arial" panose="020B0604020202020204" pitchFamily="34" charset="0"/>
+              <a:buChar char="•"/>
+              <a:defRPr sz="1800" kern="1200">
+                <a:solidFill>
+                  <a:schemeClr val="tx1"/>
+                </a:solidFill>
+                <a:latin typeface="+mn-lt"/>
+                <a:ea typeface="+mn-ea"/>
+                <a:cs typeface="+mn-cs"/>
+              </a:defRPr>
+            </a:lvl9pPr>
+          </a:lstStyle>
+          <a:p>
+            <a:pPr marR="0" lvl="0" indent="0" algn="just" defTabSz="914400" rtl="0" eaLnBrk="1" fontAlgn="auto" latinLnBrk="0" hangingPunct="1">
+              <a:lnSpc>
+                <a:spcPct val="130000"/>
+              </a:lnSpc>
+              <a:spcBef>
+                <a:spcPts val="0"/>
+              </a:spcBef>
+              <a:spcAft>
+                <a:spcPts val="800"/>
+              </a:spcAft>
+              <a:buClrTx/>
+              <a:buSzTx/>
+              <a:buFont typeface="Arial" panose="020B0604020202020204" pitchFamily="34" charset="0"/>
+              <a:buNone/>
+              <a:defRPr/>
+            </a:pPr>
+            <a:r>
+              <a:rPr lang="en-US" spc="0" dirty="0">
+                <a:solidFill>
+                  <a:schemeClr val="tx1">
+                    <a:lumMod val="65000"/>
+                    <a:lumOff val="35000"/>
+                  </a:schemeClr>
+                </a:solidFill>
+                <a:latin typeface="隶书" panose="02010509060101010101" charset="-122"/>
+                <a:ea typeface="隶书" panose="02010509060101010101" charset="-122"/>
+              </a:rPr>
+              <a:t>第六阶段</a:t>
+            </a:r>
+            <a:endParaRPr lang="en-US" spc="0" dirty="0">
+              <a:solidFill>
+                <a:schemeClr val="tx1">
+                  <a:lumMod val="65000"/>
+                  <a:lumOff val="35000"/>
+                </a:schemeClr>
+              </a:solidFill>
+              <a:latin typeface="隶书" panose="02010509060101010101" charset="-122"/>
+              <a:ea typeface="隶书" panose="02010509060101010101" charset="-122"/>
+            </a:endParaRPr>
+          </a:p>
+          <a:p>
+            <a:pPr marR="0" lvl="0" indent="0" algn="just" defTabSz="914400" rtl="0" eaLnBrk="1" fontAlgn="auto" latinLnBrk="0" hangingPunct="1">
+              <a:lnSpc>
+                <a:spcPct val="130000"/>
+              </a:lnSpc>
+              <a:spcBef>
+                <a:spcPts val="0"/>
+              </a:spcBef>
+              <a:spcAft>
+                <a:spcPts val="800"/>
+              </a:spcAft>
+              <a:buClrTx/>
+              <a:buSzTx/>
+              <a:buFont typeface="Arial" panose="020B0604020202020204" pitchFamily="34" charset="0"/>
+              <a:buNone/>
+              <a:defRPr/>
+            </a:pPr>
+            <a:r>
+              <a:rPr lang="en-US" spc="0" dirty="0">
+                <a:solidFill>
+                  <a:schemeClr val="tx1">
+                    <a:lumMod val="65000"/>
+                    <a:lumOff val="35000"/>
+                  </a:schemeClr>
+                </a:solidFill>
+                <a:latin typeface="隶书" panose="02010509060101010101" charset="-122"/>
+                <a:ea typeface="隶书" panose="02010509060101010101" charset="-122"/>
+              </a:rPr>
+              <a:t>这一阶段主要是熟悉Redis多机部分的代码实现</a:t>
+            </a:r>
+            <a:endParaRPr lang="en-US" spc="0" dirty="0">
+              <a:solidFill>
+                <a:schemeClr val="tx1">
+                  <a:lumMod val="65000"/>
+                  <a:lumOff val="35000"/>
+                </a:schemeClr>
+              </a:solidFill>
+              <a:latin typeface="隶书" panose="02010509060101010101" charset="-122"/>
+              <a:ea typeface="隶书" panose="02010509060101010101" charset="-122"/>
+            </a:endParaRPr>
+          </a:p>
+          <a:p>
+            <a:pPr marR="0" lvl="0" indent="0" algn="just" defTabSz="914400" rtl="0" eaLnBrk="1" fontAlgn="auto" latinLnBrk="0" hangingPunct="1">
+              <a:lnSpc>
+                <a:spcPct val="130000"/>
+              </a:lnSpc>
+              <a:spcBef>
+                <a:spcPts val="0"/>
+              </a:spcBef>
+              <a:spcAft>
+                <a:spcPts val="800"/>
+              </a:spcAft>
+              <a:buClrTx/>
+              <a:buSzTx/>
+              <a:buFont typeface="Arial" panose="020B0604020202020204" pitchFamily="34" charset="0"/>
+              <a:buNone/>
+              <a:defRPr/>
+            </a:pPr>
+            <a:endParaRPr lang="en-US" spc="0" dirty="0">
+              <a:solidFill>
+                <a:schemeClr val="tx1">
+                  <a:lumMod val="65000"/>
+                  <a:lumOff val="35000"/>
+                </a:schemeClr>
+              </a:solidFill>
+              <a:latin typeface="隶书" panose="02010509060101010101" charset="-122"/>
+              <a:ea typeface="隶书" panose="02010509060101010101" charset="-122"/>
+            </a:endParaRPr>
+          </a:p>
+          <a:p>
+            <a:pPr marR="0" lvl="0" indent="0" algn="just" defTabSz="914400" rtl="0" eaLnBrk="1" fontAlgn="auto" latinLnBrk="0" hangingPunct="1">
+              <a:lnSpc>
+                <a:spcPct val="130000"/>
+              </a:lnSpc>
+              <a:spcBef>
+                <a:spcPts val="0"/>
+              </a:spcBef>
+              <a:spcAft>
+                <a:spcPts val="800"/>
+              </a:spcAft>
+              <a:buClrTx/>
+              <a:buSzTx/>
+              <a:buFont typeface="Arial" panose="020B0604020202020204" pitchFamily="34" charset="0"/>
+              <a:buNone/>
+              <a:defRPr/>
+            </a:pPr>
+            <a:r>
+              <a:rPr lang="en-US" spc="0" dirty="0">
+                <a:solidFill>
+                  <a:schemeClr val="tx1">
+                    <a:lumMod val="65000"/>
+                    <a:lumOff val="35000"/>
+                  </a:schemeClr>
+                </a:solidFill>
+                <a:latin typeface="隶书" panose="02010509060101010101" charset="-122"/>
+                <a:ea typeface="隶书" panose="02010509060101010101" charset="-122"/>
+              </a:rPr>
+              <a:t>复制功能 replication.c</a:t>
+            </a:r>
+            <a:endParaRPr lang="en-US" spc="0" dirty="0">
+              <a:solidFill>
+                <a:schemeClr val="tx1">
+                  <a:lumMod val="65000"/>
+                  <a:lumOff val="35000"/>
+                </a:schemeClr>
+              </a:solidFill>
+              <a:latin typeface="隶书" panose="02010509060101010101" charset="-122"/>
+              <a:ea typeface="隶书" panose="02010509060101010101" charset="-122"/>
+            </a:endParaRPr>
+          </a:p>
+          <a:p>
+            <a:pPr marR="0" lvl="0" indent="0" algn="just" defTabSz="914400" rtl="0" eaLnBrk="1" fontAlgn="auto" latinLnBrk="0" hangingPunct="1">
+              <a:lnSpc>
+                <a:spcPct val="130000"/>
+              </a:lnSpc>
+              <a:spcBef>
+                <a:spcPts val="0"/>
+              </a:spcBef>
+              <a:spcAft>
+                <a:spcPts val="800"/>
+              </a:spcAft>
+              <a:buClrTx/>
+              <a:buSzTx/>
+              <a:buFont typeface="Arial" panose="020B0604020202020204" pitchFamily="34" charset="0"/>
+              <a:buNone/>
+              <a:defRPr/>
+            </a:pPr>
+            <a:r>
+              <a:rPr lang="en-US" spc="0" dirty="0">
+                <a:solidFill>
+                  <a:schemeClr val="tx1">
+                    <a:lumMod val="65000"/>
+                    <a:lumOff val="35000"/>
+                  </a:schemeClr>
+                </a:solidFill>
+                <a:latin typeface="隶书" panose="02010509060101010101" charset="-122"/>
+                <a:ea typeface="隶书" panose="02010509060101010101" charset="-122"/>
+              </a:rPr>
+              <a:t>Redis Sentinel sentinel.c</a:t>
+            </a:r>
+            <a:endParaRPr lang="en-US" spc="0" dirty="0">
+              <a:solidFill>
+                <a:schemeClr val="tx1">
+                  <a:lumMod val="65000"/>
+                  <a:lumOff val="35000"/>
+                </a:schemeClr>
+              </a:solidFill>
+              <a:latin typeface="隶书" panose="02010509060101010101" charset="-122"/>
+              <a:ea typeface="隶书" panose="02010509060101010101" charset="-122"/>
+            </a:endParaRPr>
+          </a:p>
+          <a:p>
+            <a:pPr marR="0" lvl="0" indent="0" algn="just" defTabSz="914400" rtl="0" eaLnBrk="1" fontAlgn="auto" latinLnBrk="0" hangingPunct="1">
+              <a:lnSpc>
+                <a:spcPct val="130000"/>
+              </a:lnSpc>
+              <a:spcBef>
+                <a:spcPts val="0"/>
+              </a:spcBef>
+              <a:spcAft>
+                <a:spcPts val="800"/>
+              </a:spcAft>
+              <a:buClrTx/>
+              <a:buSzTx/>
+              <a:buFont typeface="Arial" panose="020B0604020202020204" pitchFamily="34" charset="0"/>
+              <a:buNone/>
+              <a:defRPr/>
+            </a:pPr>
+            <a:r>
+              <a:rPr lang="en-US" spc="0" dirty="0">
+                <a:solidFill>
+                  <a:schemeClr val="tx1">
+                    <a:lumMod val="65000"/>
+                    <a:lumOff val="35000"/>
+                  </a:schemeClr>
+                </a:solidFill>
+                <a:latin typeface="隶书" panose="02010509060101010101" charset="-122"/>
+                <a:ea typeface="隶书" panose="02010509060101010101" charset="-122"/>
+              </a:rPr>
+              <a:t>集群 cluster.c</a:t>
+            </a:r>
+            <a:endParaRPr lang="en-US" spc="0" dirty="0">
+              <a:solidFill>
+                <a:schemeClr val="tx1">
+                  <a:lumMod val="65000"/>
+                  <a:lumOff val="35000"/>
+                </a:schemeClr>
+              </a:solidFill>
+              <a:latin typeface="隶书" panose="02010509060101010101" charset="-122"/>
+              <a:ea typeface="隶书" panose="02010509060101010101" charset="-122"/>
+            </a:endParaRPr>
+          </a:p>
+        </p:txBody>
+      </p:sp>
+      <p:sp>
+        <p:nvSpPr>
+          <p:cNvPr id="3" name="文本框 2"/>
+          <p:cNvSpPr txBox="1"/>
+          <p:nvPr>
+            <p:custDataLst>
+              <p:tags r:id="rId2"/>
+            </p:custDataLst>
+          </p:nvPr>
+        </p:nvSpPr>
+        <p:spPr>
+          <a:xfrm>
+            <a:off x="608400" y="608400"/>
+            <a:ext cx="10970823" cy="706755"/>
+          </a:xfrm>
+          <a:prstGeom prst="rect">
+            <a:avLst/>
+          </a:prstGeom>
+        </p:spPr>
+        <p:txBody>
+          <a:bodyPr vert="horz" lIns="90170" tIns="46990" rIns="90170" bIns="46990" rtlCol="0" anchor="ctr" anchorCtr="0">
+            <a:normAutofit/>
+          </a:bodyPr>
+          <a:lstStyle>
+            <a:lvl1pPr marR="0" fontAlgn="auto">
+              <a:lnSpc>
+                <a:spcPct val="100000"/>
+              </a:lnSpc>
+              <a:spcBef>
+                <a:spcPct val="0"/>
+              </a:spcBef>
+              <a:buNone/>
+              <a:defRPr kumimoji="0" lang="zh-CN" altLang="en-US" sz="3600" b="1" i="0" u="none" strike="noStrike" cap="none" spc="300" normalizeH="0" baseline="0" noProof="1" dirty="0">
+                <a:solidFill>
+                  <a:schemeClr val="tx1">
+                    <a:lumMod val="85000"/>
+                    <a:lumOff val="15000"/>
+                  </a:schemeClr>
+                </a:solidFill>
+                <a:uFillTx/>
+                <a:latin typeface="微软雅黑" panose="020B0503020204020204" charset="-122"/>
+                <a:ea typeface="微软雅黑" panose="020B0503020204020204" charset="-122"/>
+                <a:cs typeface="+mj-cs"/>
+                <a:sym typeface="+mn-ea"/>
+              </a:defRPr>
+            </a:lvl1pPr>
+          </a:lstStyle>
+          <a:p>
+            <a:r>
+              <a:rPr dirty="0">
+                <a:solidFill>
+                  <a:schemeClr val="tx1">
+                    <a:lumMod val="85000"/>
+                    <a:lumOff val="15000"/>
+                  </a:schemeClr>
+                </a:solidFill>
+                <a:uFillTx/>
+                <a:latin typeface="隶书" panose="02010509060101010101" charset="-122"/>
+                <a:ea typeface="隶书" panose="02010509060101010101" charset="-122"/>
+              </a:rPr>
+              <a:t>学习路线</a:t>
+            </a:r>
+            <a:endParaRPr dirty="0">
+              <a:solidFill>
+                <a:schemeClr val="tx1">
+                  <a:lumMod val="85000"/>
+                  <a:lumOff val="15000"/>
+                </a:schemeClr>
+              </a:solidFill>
+              <a:uFillTx/>
+              <a:latin typeface="隶书" panose="02010509060101010101" charset="-122"/>
+              <a:ea typeface="隶书" panose="02010509060101010101" charset="-122"/>
+            </a:endParaRPr>
+          </a:p>
+        </p:txBody>
+      </p:sp>
+    </p:spTree>
+    <p:custDataLst>
+      <p:tags r:id="rId3"/>
+    </p:custDataLst>
+  </p:cSld>
+  <p:clrMapOvr>
+    <a:masterClrMapping/>
+  </p:clrMapOvr>
+</p:sld>
+</file>
+
+<file path=ppt/slides/slide9.xml><?xml version="1.0" encoding="utf-8"?>
+<p:sld xmlns:a="http://schemas.openxmlformats.org/drawingml/2006/main" xmlns:r="http://schemas.openxmlformats.org/officeDocument/2006/relationships" xmlns:p="http://schemas.openxmlformats.org/presentationml/2006/main">
+  <p:cSld>
+    <p:spTree>
+      <p:nvGrpSpPr>
+        <p:cNvPr id="1" name=""/>
+        <p:cNvGrpSpPr/>
+        <p:nvPr/>
+      </p:nvGrpSpPr>
+      <p:grpSpPr>
+        <a:xfrm>
+          <a:off x="0" y="0"/>
+          <a:ext cx="0" cy="0"/>
+          <a:chOff x="0" y="0"/>
+          <a:chExt cx="0" cy="0"/>
+        </a:xfrm>
+      </p:grpSpPr>
+      <p:sp>
+        <p:nvSpPr>
+          <p:cNvPr id="2" name="内容占位符 1"/>
+          <p:cNvSpPr txBox="1"/>
+          <p:nvPr>
+            <p:custDataLst>
+              <p:tags r:id="rId1"/>
+            </p:custDataLst>
+          </p:nvPr>
+        </p:nvSpPr>
+        <p:spPr>
+          <a:xfrm>
+            <a:off x="608400" y="1491101"/>
+            <a:ext cx="10970190" cy="4758499"/>
+          </a:xfrm>
+          <a:prstGeom prst="rect">
+            <a:avLst/>
+          </a:prstGeom>
+        </p:spPr>
+        <p:txBody>
+          <a:bodyPr>
+            <a:normAutofit/>
+          </a:bodyPr>
+          <a:lstStyle>
+            <a:lvl1pPr marL="228600" indent="-228600" algn="l" defTabSz="914400" rtl="0" eaLnBrk="1" fontAlgn="auto" latinLnBrk="0" hangingPunct="1">
+              <a:lnSpc>
+                <a:spcPct val="130000"/>
+              </a:lnSpc>
+              <a:spcBef>
+                <a:spcPts val="0"/>
+              </a:spcBef>
+              <a:spcAft>
+                <a:spcPts val="1000"/>
+              </a:spcAft>
+              <a:buFont typeface="Arial" panose="020B0604020202020204" pitchFamily="34" charset="0"/>
+              <a:buChar char="•"/>
+              <a:defRPr sz="1600" u="none" strike="noStrike" kern="1200" cap="none" spc="150" normalizeH="0" baseline="0">
+                <a:solidFill>
+                  <a:schemeClr val="tx1"/>
+                </a:solidFill>
+                <a:uFillTx/>
+                <a:latin typeface="微软雅黑" panose="020B0503020204020204" charset="-122"/>
+                <a:ea typeface="微软雅黑" panose="020B0503020204020204" charset="-122"/>
+                <a:cs typeface="+mn-cs"/>
+              </a:defRPr>
+            </a:lvl1pPr>
+            <a:lvl2pPr marL="685800" indent="-228600" algn="l" defTabSz="914400" rtl="0" eaLnBrk="1" fontAlgn="auto" latinLnBrk="0" hangingPunct="1">
+              <a:lnSpc>
+                <a:spcPct val="130000"/>
+              </a:lnSpc>
+              <a:spcBef>
+                <a:spcPts val="0"/>
+              </a:spcBef>
+              <a:spcAft>
+                <a:spcPts val="1000"/>
+              </a:spcAft>
+              <a:buFont typeface="Arial" panose="020B0604020202020204" pitchFamily="34" charset="0"/>
+              <a:buChar char="•"/>
+              <a:tabLst>
+                <a:tab pos="1609725" algn="l"/>
+              </a:tabLst>
+              <a:defRPr sz="1600" u="none" strike="noStrike" kern="1200" cap="none" spc="150" normalizeH="0" baseline="0">
+                <a:solidFill>
+                  <a:schemeClr val="tx1"/>
+                </a:solidFill>
+                <a:uFillTx/>
+                <a:latin typeface="微软雅黑" panose="020B0503020204020204" charset="-122"/>
+                <a:ea typeface="微软雅黑" panose="020B0503020204020204" charset="-122"/>
+                <a:cs typeface="+mn-cs"/>
+              </a:defRPr>
+            </a:lvl2pPr>
+            <a:lvl3pPr marL="1143000" indent="-228600" algn="l" defTabSz="914400" rtl="0" eaLnBrk="1" fontAlgn="auto" latinLnBrk="0" hangingPunct="1">
+              <a:lnSpc>
+                <a:spcPct val="130000"/>
+              </a:lnSpc>
+              <a:spcBef>
+                <a:spcPts val="0"/>
+              </a:spcBef>
+              <a:spcAft>
+                <a:spcPts val="1000"/>
+              </a:spcAft>
+              <a:buFont typeface="Arial" panose="020B0604020202020204" pitchFamily="34" charset="0"/>
+              <a:buChar char="•"/>
+              <a:defRPr sz="1600" u="none" strike="noStrike" kern="1200" cap="none" spc="150" normalizeH="0" baseline="0">
+                <a:solidFill>
+                  <a:schemeClr val="tx1"/>
+                </a:solidFill>
+                <a:uFillTx/>
+                <a:latin typeface="微软雅黑" panose="020B0503020204020204" charset="-122"/>
+                <a:ea typeface="微软雅黑" panose="020B0503020204020204" charset="-122"/>
+                <a:cs typeface="+mn-cs"/>
+              </a:defRPr>
+            </a:lvl3pPr>
+            <a:lvl4pPr marL="1600200" indent="-228600" algn="l" defTabSz="914400" rtl="0" eaLnBrk="1" fontAlgn="auto" latinLnBrk="0" hangingPunct="1">
+              <a:lnSpc>
+                <a:spcPct val="130000"/>
+              </a:lnSpc>
+              <a:spcBef>
+                <a:spcPts val="0"/>
+              </a:spcBef>
+              <a:spcAft>
+                <a:spcPts val="1000"/>
+              </a:spcAft>
+              <a:buFont typeface="Arial" panose="020B0604020202020204" pitchFamily="34" charset="0"/>
+              <a:buChar char="•"/>
+              <a:defRPr sz="1600" u="none" strike="noStrike" kern="1200" cap="none" spc="150" normalizeH="0" baseline="0">
+                <a:solidFill>
+                  <a:schemeClr val="tx1"/>
+                </a:solidFill>
+                <a:uFillTx/>
+                <a:latin typeface="微软雅黑" panose="020B0503020204020204" charset="-122"/>
+                <a:ea typeface="微软雅黑" panose="020B0503020204020204" charset="-122"/>
+                <a:cs typeface="+mn-cs"/>
+              </a:defRPr>
+            </a:lvl4pPr>
+            <a:lvl5pPr marL="2057400" indent="-228600" algn="l" defTabSz="914400" rtl="0" eaLnBrk="1" fontAlgn="auto" latinLnBrk="0" hangingPunct="1">
+              <a:lnSpc>
+                <a:spcPct val="130000"/>
+              </a:lnSpc>
+              <a:spcBef>
+                <a:spcPts val="0"/>
+              </a:spcBef>
+              <a:spcAft>
+                <a:spcPts val="1000"/>
+              </a:spcAft>
+              <a:buFont typeface="Arial" panose="020B0604020202020204" pitchFamily="34" charset="0"/>
+              <a:buChar char="•"/>
+              <a:defRPr sz="1600" u="none" strike="noStrike" kern="1200" cap="none" spc="150" normalizeH="0" baseline="0">
+                <a:solidFill>
+                  <a:schemeClr val="tx1"/>
+                </a:solidFill>
+                <a:uFillTx/>
+                <a:latin typeface="微软雅黑" panose="020B0503020204020204" charset="-122"/>
+                <a:ea typeface="微软雅黑" panose="020B0503020204020204" charset="-122"/>
+                <a:cs typeface="+mn-cs"/>
+              </a:defRPr>
+            </a:lvl5pPr>
+            <a:lvl6pPr marL="2514600" indent="-228600" algn="l" defTabSz="914400" rtl="0" eaLnBrk="1" latinLnBrk="0" hangingPunct="1">
+              <a:lnSpc>
+                <a:spcPct val="90000"/>
+              </a:lnSpc>
+              <a:spcBef>
+                <a:spcPts val="500"/>
+              </a:spcBef>
+              <a:buFont typeface="Arial" panose="020B0604020202020204" pitchFamily="34" charset="0"/>
+              <a:buChar char="•"/>
+              <a:defRPr sz="1800" kern="1200">
+                <a:solidFill>
+                  <a:schemeClr val="tx1"/>
+                </a:solidFill>
+                <a:latin typeface="+mn-lt"/>
+                <a:ea typeface="+mn-ea"/>
+                <a:cs typeface="+mn-cs"/>
+              </a:defRPr>
+            </a:lvl6pPr>
+            <a:lvl7pPr marL="2971800" indent="-228600" algn="l" defTabSz="914400" rtl="0" eaLnBrk="1" latinLnBrk="0" hangingPunct="1">
+              <a:lnSpc>
+                <a:spcPct val="90000"/>
+              </a:lnSpc>
+              <a:spcBef>
+                <a:spcPts val="500"/>
+              </a:spcBef>
+              <a:buFont typeface="Arial" panose="020B0604020202020204" pitchFamily="34" charset="0"/>
+              <a:buChar char="•"/>
+              <a:defRPr sz="1800" kern="1200">
+                <a:solidFill>
+                  <a:schemeClr val="tx1"/>
+                </a:solidFill>
+                <a:latin typeface="+mn-lt"/>
+                <a:ea typeface="+mn-ea"/>
+                <a:cs typeface="+mn-cs"/>
+              </a:defRPr>
+            </a:lvl7pPr>
+            <a:lvl8pPr marL="3429000" indent="-228600" algn="l" defTabSz="914400" rtl="0" eaLnBrk="1" latinLnBrk="0" hangingPunct="1">
+              <a:lnSpc>
+                <a:spcPct val="90000"/>
+              </a:lnSpc>
+              <a:spcBef>
+                <a:spcPts val="500"/>
+              </a:spcBef>
+              <a:buFont typeface="Arial" panose="020B0604020202020204" pitchFamily="34" charset="0"/>
+              <a:buChar char="•"/>
+              <a:defRPr sz="1800" kern="1200">
+                <a:solidFill>
+                  <a:schemeClr val="tx1"/>
+                </a:solidFill>
+                <a:latin typeface="+mn-lt"/>
+                <a:ea typeface="+mn-ea"/>
+                <a:cs typeface="+mn-cs"/>
+              </a:defRPr>
+            </a:lvl8pPr>
+            <a:lvl9pPr marL="3886200" indent="-228600" algn="l" defTabSz="914400" rtl="0" eaLnBrk="1" latinLnBrk="0" hangingPunct="1">
+              <a:lnSpc>
+                <a:spcPct val="90000"/>
+              </a:lnSpc>
+              <a:spcBef>
+                <a:spcPts val="500"/>
+              </a:spcBef>
+              <a:buFont typeface="Arial" panose="020B0604020202020204" pitchFamily="34" charset="0"/>
+              <a:buChar char="•"/>
+              <a:defRPr sz="1800" kern="1200">
+                <a:solidFill>
+                  <a:schemeClr val="tx1"/>
+                </a:solidFill>
+                <a:latin typeface="+mn-lt"/>
+                <a:ea typeface="+mn-ea"/>
+                <a:cs typeface="+mn-cs"/>
+              </a:defRPr>
+            </a:lvl9pPr>
+          </a:lstStyle>
+          <a:p>
+            <a:pPr marR="0" lvl="0" indent="0" algn="just" defTabSz="914400" rtl="0" eaLnBrk="1" fontAlgn="auto" latinLnBrk="0" hangingPunct="1">
+              <a:lnSpc>
+                <a:spcPct val="130000"/>
+              </a:lnSpc>
+              <a:spcBef>
+                <a:spcPts val="0"/>
+              </a:spcBef>
+              <a:spcAft>
+                <a:spcPts val="800"/>
+              </a:spcAft>
+              <a:buClrTx/>
+              <a:buSzTx/>
+              <a:buFont typeface="Arial" panose="020B0604020202020204" pitchFamily="34" charset="0"/>
+              <a:buNone/>
+              <a:defRPr/>
+            </a:pPr>
+            <a:r>
+              <a:rPr lang="en-US" spc="0" dirty="0">
+                <a:solidFill>
+                  <a:schemeClr val="tx1">
+                    <a:lumMod val="65000"/>
+                    <a:lumOff val="35000"/>
+                  </a:schemeClr>
+                </a:solidFill>
+                <a:latin typeface="隶书" panose="02010509060101010101" charset="-122"/>
+                <a:ea typeface="隶书" panose="02010509060101010101" charset="-122"/>
+              </a:rPr>
+              <a:t>关于测试方面的文件有： </a:t>
+            </a:r>
+            <a:endParaRPr lang="en-US" spc="0" dirty="0">
+              <a:solidFill>
+                <a:schemeClr val="tx1">
+                  <a:lumMod val="65000"/>
+                  <a:lumOff val="35000"/>
+                </a:schemeClr>
+              </a:solidFill>
+              <a:latin typeface="隶书" panose="02010509060101010101" charset="-122"/>
+              <a:ea typeface="隶书" panose="02010509060101010101" charset="-122"/>
+            </a:endParaRPr>
+          </a:p>
+          <a:p>
+            <a:pPr marR="0" lvl="0" indent="0" algn="just" defTabSz="914400" rtl="0" eaLnBrk="1" fontAlgn="auto" latinLnBrk="0" hangingPunct="1">
+              <a:lnSpc>
+                <a:spcPct val="130000"/>
+              </a:lnSpc>
+              <a:spcBef>
+                <a:spcPts val="0"/>
+              </a:spcBef>
+              <a:spcAft>
+                <a:spcPts val="800"/>
+              </a:spcAft>
+              <a:buClrTx/>
+              <a:buSzTx/>
+              <a:buFont typeface="Arial" panose="020B0604020202020204" pitchFamily="34" charset="0"/>
+              <a:buNone/>
+              <a:defRPr/>
+            </a:pPr>
+            <a:r>
+              <a:rPr lang="en-US" spc="0" dirty="0">
+                <a:solidFill>
+                  <a:schemeClr val="tx1">
+                    <a:lumMod val="65000"/>
+                    <a:lumOff val="35000"/>
+                  </a:schemeClr>
+                </a:solidFill>
+                <a:latin typeface="隶书" panose="02010509060101010101" charset="-122"/>
+                <a:ea typeface="隶书" panose="02010509060101010101" charset="-122"/>
+              </a:rPr>
+              <a:t>+ memtest.c 内存检测 </a:t>
+            </a:r>
+            <a:endParaRPr lang="en-US" spc="0" dirty="0">
+              <a:solidFill>
+                <a:schemeClr val="tx1">
+                  <a:lumMod val="65000"/>
+                  <a:lumOff val="35000"/>
+                </a:schemeClr>
+              </a:solidFill>
+              <a:latin typeface="隶书" panose="02010509060101010101" charset="-122"/>
+              <a:ea typeface="隶书" panose="02010509060101010101" charset="-122"/>
+            </a:endParaRPr>
+          </a:p>
+          <a:p>
+            <a:pPr marR="0" lvl="0" indent="0" algn="just" defTabSz="914400" rtl="0" eaLnBrk="1" fontAlgn="auto" latinLnBrk="0" hangingPunct="1">
+              <a:lnSpc>
+                <a:spcPct val="130000"/>
+              </a:lnSpc>
+              <a:spcBef>
+                <a:spcPts val="0"/>
+              </a:spcBef>
+              <a:spcAft>
+                <a:spcPts val="800"/>
+              </a:spcAft>
+              <a:buClrTx/>
+              <a:buSzTx/>
+              <a:buFont typeface="Arial" panose="020B0604020202020204" pitchFamily="34" charset="0"/>
+              <a:buNone/>
+              <a:defRPr/>
+            </a:pPr>
+            <a:r>
+              <a:rPr lang="en-US" spc="0" dirty="0">
+                <a:solidFill>
+                  <a:schemeClr val="tx1">
+                    <a:lumMod val="65000"/>
+                    <a:lumOff val="35000"/>
+                  </a:schemeClr>
+                </a:solidFill>
+                <a:latin typeface="隶书" panose="02010509060101010101" charset="-122"/>
+                <a:ea typeface="隶书" panose="02010509060101010101" charset="-122"/>
+              </a:rPr>
+              <a:t>+ redis_benchmark.c 用于redis性能测试的实现。 </a:t>
+            </a:r>
+            <a:endParaRPr lang="en-US" spc="0" dirty="0">
+              <a:solidFill>
+                <a:schemeClr val="tx1">
+                  <a:lumMod val="65000"/>
+                  <a:lumOff val="35000"/>
+                </a:schemeClr>
+              </a:solidFill>
+              <a:latin typeface="隶书" panose="02010509060101010101" charset="-122"/>
+              <a:ea typeface="隶书" panose="02010509060101010101" charset="-122"/>
+            </a:endParaRPr>
+          </a:p>
+          <a:p>
+            <a:pPr marR="0" lvl="0" indent="0" algn="just" defTabSz="914400" rtl="0" eaLnBrk="1" fontAlgn="auto" latinLnBrk="0" hangingPunct="1">
+              <a:lnSpc>
+                <a:spcPct val="130000"/>
+              </a:lnSpc>
+              <a:spcBef>
+                <a:spcPts val="0"/>
+              </a:spcBef>
+              <a:spcAft>
+                <a:spcPts val="800"/>
+              </a:spcAft>
+              <a:buClrTx/>
+              <a:buSzTx/>
+              <a:buFont typeface="Arial" panose="020B0604020202020204" pitchFamily="34" charset="0"/>
+              <a:buNone/>
+              <a:defRPr/>
+            </a:pPr>
+            <a:r>
+              <a:rPr lang="en-US" spc="0" dirty="0">
+                <a:solidFill>
+                  <a:schemeClr val="tx1">
+                    <a:lumMod val="65000"/>
+                    <a:lumOff val="35000"/>
+                  </a:schemeClr>
+                </a:solidFill>
+                <a:latin typeface="隶书" panose="02010509060101010101" charset="-122"/>
+                <a:ea typeface="隶书" panose="02010509060101010101" charset="-122"/>
+              </a:rPr>
+              <a:t>+ redis_check_aof.c 用于更新日志检查的实现。 </a:t>
+            </a:r>
+            <a:endParaRPr lang="en-US" spc="0" dirty="0">
+              <a:solidFill>
+                <a:schemeClr val="tx1">
+                  <a:lumMod val="65000"/>
+                  <a:lumOff val="35000"/>
+                </a:schemeClr>
+              </a:solidFill>
+              <a:latin typeface="隶书" panose="02010509060101010101" charset="-122"/>
+              <a:ea typeface="隶书" panose="02010509060101010101" charset="-122"/>
+            </a:endParaRPr>
+          </a:p>
+          <a:p>
+            <a:pPr marR="0" lvl="0" indent="0" algn="just" defTabSz="914400" rtl="0" eaLnBrk="1" fontAlgn="auto" latinLnBrk="0" hangingPunct="1">
+              <a:lnSpc>
+                <a:spcPct val="130000"/>
+              </a:lnSpc>
+              <a:spcBef>
+                <a:spcPts val="0"/>
+              </a:spcBef>
+              <a:spcAft>
+                <a:spcPts val="800"/>
+              </a:spcAft>
+              <a:buClrTx/>
+              <a:buSzTx/>
+              <a:buFont typeface="Arial" panose="020B0604020202020204" pitchFamily="34" charset="0"/>
+              <a:buNone/>
+              <a:defRPr/>
+            </a:pPr>
+            <a:r>
+              <a:rPr lang="en-US" spc="0" dirty="0">
+                <a:solidFill>
+                  <a:schemeClr val="tx1">
+                    <a:lumMod val="65000"/>
+                    <a:lumOff val="35000"/>
+                  </a:schemeClr>
+                </a:solidFill>
+                <a:latin typeface="隶书" panose="02010509060101010101" charset="-122"/>
+                <a:ea typeface="隶书" panose="02010509060101010101" charset="-122"/>
+              </a:rPr>
+              <a:t>+ redis_check_dump.c 用于本地数据库检查的实现。 </a:t>
+            </a:r>
+            <a:endParaRPr lang="en-US" spc="0" dirty="0">
+              <a:solidFill>
+                <a:schemeClr val="tx1">
+                  <a:lumMod val="65000"/>
+                  <a:lumOff val="35000"/>
+                </a:schemeClr>
+              </a:solidFill>
+              <a:latin typeface="隶书" panose="02010509060101010101" charset="-122"/>
+              <a:ea typeface="隶书" panose="02010509060101010101" charset="-122"/>
+            </a:endParaRPr>
+          </a:p>
+          <a:p>
+            <a:pPr marR="0" lvl="0" indent="0" algn="just" defTabSz="914400" rtl="0" eaLnBrk="1" fontAlgn="auto" latinLnBrk="0" hangingPunct="1">
+              <a:lnSpc>
+                <a:spcPct val="130000"/>
+              </a:lnSpc>
+              <a:spcBef>
+                <a:spcPts val="0"/>
+              </a:spcBef>
+              <a:spcAft>
+                <a:spcPts val="800"/>
+              </a:spcAft>
+              <a:buClrTx/>
+              <a:buSzTx/>
+              <a:buFont typeface="Arial" panose="020B0604020202020204" pitchFamily="34" charset="0"/>
+              <a:buNone/>
+              <a:defRPr/>
+            </a:pPr>
+            <a:r>
+              <a:rPr lang="en-US" spc="0" dirty="0">
+                <a:solidFill>
+                  <a:schemeClr val="tx1">
+                    <a:lumMod val="65000"/>
+                    <a:lumOff val="35000"/>
+                  </a:schemeClr>
+                </a:solidFill>
+                <a:latin typeface="隶书" panose="02010509060101010101" charset="-122"/>
+                <a:ea typeface="隶书" panose="02010509060101010101" charset="-122"/>
+              </a:rPr>
+              <a:t>+ testhelp.c 一个C风格的小型测试框架。</a:t>
+            </a:r>
+            <a:endParaRPr lang="en-US" spc="0" dirty="0">
+              <a:solidFill>
+                <a:schemeClr val="tx1">
+                  <a:lumMod val="65000"/>
+                  <a:lumOff val="35000"/>
+                </a:schemeClr>
+              </a:solidFill>
+              <a:latin typeface="隶书" panose="02010509060101010101" charset="-122"/>
+              <a:ea typeface="隶书" panose="02010509060101010101" charset="-122"/>
+            </a:endParaRPr>
+          </a:p>
+        </p:txBody>
+      </p:sp>
+      <p:sp>
+        <p:nvSpPr>
+          <p:cNvPr id="3" name="文本框 2"/>
+          <p:cNvSpPr txBox="1"/>
+          <p:nvPr>
+            <p:custDataLst>
+              <p:tags r:id="rId2"/>
+            </p:custDataLst>
+          </p:nvPr>
+        </p:nvSpPr>
+        <p:spPr>
+          <a:xfrm>
+            <a:off x="608400" y="608400"/>
+            <a:ext cx="10970823" cy="706755"/>
+          </a:xfrm>
+          <a:prstGeom prst="rect">
+            <a:avLst/>
+          </a:prstGeom>
+        </p:spPr>
+        <p:txBody>
+          <a:bodyPr vert="horz" lIns="90170" tIns="46990" rIns="90170" bIns="46990" rtlCol="0" anchor="ctr" anchorCtr="0">
+            <a:normAutofit/>
+          </a:bodyPr>
+          <a:lstStyle>
+            <a:lvl1pPr marR="0" fontAlgn="auto">
+              <a:lnSpc>
+                <a:spcPct val="100000"/>
+              </a:lnSpc>
+              <a:spcBef>
+                <a:spcPct val="0"/>
+              </a:spcBef>
+              <a:buNone/>
+              <a:defRPr kumimoji="0" lang="zh-CN" altLang="en-US" sz="3600" b="1" i="0" u="none" strike="noStrike" cap="none" spc="300" normalizeH="0" baseline="0" noProof="1" dirty="0">
+                <a:solidFill>
+                  <a:schemeClr val="tx1">
+                    <a:lumMod val="85000"/>
+                    <a:lumOff val="15000"/>
+                  </a:schemeClr>
+                </a:solidFill>
+                <a:uFillTx/>
+                <a:latin typeface="微软雅黑" panose="020B0503020204020204" charset="-122"/>
+                <a:ea typeface="微软雅黑" panose="020B0503020204020204" charset="-122"/>
+                <a:cs typeface="+mj-cs"/>
+                <a:sym typeface="+mn-ea"/>
+              </a:defRPr>
+            </a:lvl1pPr>
+          </a:lstStyle>
+          <a:p>
+            <a:r>
+              <a:rPr dirty="0">
+                <a:solidFill>
+                  <a:schemeClr val="tx1">
+                    <a:lumMod val="85000"/>
+                    <a:lumOff val="15000"/>
+                  </a:schemeClr>
+                </a:solidFill>
+                <a:uFillTx/>
+                <a:latin typeface="隶书" panose="02010509060101010101" charset="-122"/>
+                <a:ea typeface="隶书" panose="02010509060101010101" charset="-122"/>
+              </a:rPr>
+              <a:t>其他代码文件介绍</a:t>
+            </a:r>
+            <a:endParaRPr dirty="0">
+              <a:solidFill>
+                <a:schemeClr val="tx1">
+                  <a:lumMod val="85000"/>
+                  <a:lumOff val="15000"/>
+                </a:schemeClr>
+              </a:solidFill>
+              <a:uFillTx/>
+              <a:latin typeface="隶书" panose="02010509060101010101" charset="-122"/>
+              <a:ea typeface="隶书" panose="02010509060101010101" charset="-122"/>
+            </a:endParaRPr>
+          </a:p>
+        </p:txBody>
+      </p:sp>
+    </p:spTree>
+    <p:custDataLst>
+      <p:tags r:id="rId3"/>
+    </p:custDataLst>
+  </p:cSld>
+  <p:clrMapOvr>
+    <a:masterClrMapping/>
+  </p:clrMapOvr>
+</p:sld>
+</file>
+
 <file path=ppt/tags/tag1.xml><?xml version="1.0" encoding="utf-8"?>
 <p:tagLst xmlns:p="http://schemas.openxmlformats.org/presentationml/2006/main">
   <p:tag name="KSO_WM_UNIT_HIGHLIGHT" val="0"/>
@@ -13916,6 +18522,344 @@
   <p:tag name="KSO_WM_UNIT_LAYERLEVEL" val="1"/>
   <p:tag name="KSO_WM_TAG_VERSION" val="1.0"/>
   <p:tag name="KSO_WM_BEAUTIFY_FLAG" val="#wm#"/>
+  <p:tag name="KSO_WM_UNIT_NOCLEAR" val="0"/>
+  <p:tag name="KSO_WM_UNIT_VALUE" val="636"/>
+  <p:tag name="KSO_WM_UNIT_TYPE" val="f"/>
+  <p:tag name="KSO_WM_UNIT_INDEX" val="1"/>
+  <p:tag name="KSO_WM_TEMPLATE_CATEGORY" val="custom"/>
+  <p:tag name="KSO_WM_TEMPLATE_INDEX" val="20204179"/>
+  <p:tag name="KSO_WM_UNIT_ID" val="custom20204179_8*f*1"/>
+  <p:tag name="KSO_WM_UNIT_PRESET_TEXT" val="单击此处输入你的正文，文字是您思想的提炼，为了最终演示发布的良好效果，请尽量言简意赅的阐述观点；根据需要可酌情增减文字，以便观者可以准确理解您所传达的信息。&#13;您的正文已经简明扼要，字字珠玑，但信息却错综复杂，需要用更多的文字来表述；但请您尽可能提炼思想的精髓，否则容易造成观者的阅读压力，适得其反。正如我们都希望改变世界，希望给人带去光明，但更多时候只需播下一颗种子，自然有微光照拂，雨露滋养。恰如其分的表达观点，往往可以事半功倍。&#13;单击此处输入你的正文，文字是您思想的提炼，为了最终演示发布的良好效果，请尽量言简意赅的阐述观点；根据需要可酌情增减文字，以便观者可以准确理解您所传达的信息。&#13;您的正文已经简明扼要，字字珠玑，但信息却错综复杂，需要用更多的文字来表述；但请您尽可能提炼思想的精髓，否则容易造成观者的阅读压力，适得其反。正如我们都希望改变世界，希望给人带去光明，但更多时候只需播下一颗种子，自然有微光照拂，雨露滋养。恰如其分的表达观点，往往可以事半功倍。"/>
+  <p:tag name="KSO_WM_UNIT_SUBTYPE" val="a"/>
+</p:tagLst>
+</file>
+
+<file path=ppt/tags/tag161.xml><?xml version="1.0" encoding="utf-8"?>
+<p:tagLst xmlns:p="http://schemas.openxmlformats.org/presentationml/2006/main">
+  <p:tag name="KSO_WM_UNIT_HIGHLIGHT" val="0"/>
+  <p:tag name="KSO_WM_UNIT_COMPATIBLE" val="0"/>
+  <p:tag name="KSO_WM_UNIT_DIAGRAM_ISNUMVISUAL" val="0"/>
+  <p:tag name="KSO_WM_UNIT_DIAGRAM_ISREFERUNIT" val="0"/>
+  <p:tag name="KSO_WM_UNIT_LAYERLEVEL" val="1"/>
+  <p:tag name="KSO_WM_TAG_VERSION" val="1.0"/>
+  <p:tag name="KSO_WM_BEAUTIFY_FLAG" val="#wm#"/>
+  <p:tag name="KSO_WM_UNIT_ISCONTENTSTITLE" val="0"/>
+  <p:tag name="KSO_WM_UNIT_NOCLEAR" val="0"/>
+  <p:tag name="KSO_WM_UNIT_VALUE" val="26"/>
+  <p:tag name="KSO_WM_UNIT_TYPE" val="a"/>
+  <p:tag name="KSO_WM_UNIT_INDEX" val="1"/>
+  <p:tag name="KSO_WM_UNIT_BLOCK" val="0"/>
+  <p:tag name="KSO_WM_TEMPLATE_CATEGORY" val="custom"/>
+  <p:tag name="KSO_WM_TEMPLATE_INDEX" val="20204179"/>
+  <p:tag name="KSO_WM_UNIT_ID" val="custom20204179_8*a*1"/>
+  <p:tag name="KSO_WM_UNIT_PRESET_TEXT" val="单击此处添加大标题"/>
+  <p:tag name="KSO_WM_UNIT_ISNUMDGMTITLE" val="0"/>
+</p:tagLst>
+</file>
+
+<file path=ppt/tags/tag162.xml><?xml version="1.0" encoding="utf-8"?>
+<p:tagLst xmlns:p="http://schemas.openxmlformats.org/presentationml/2006/main">
+  <p:tag name="KSO_WM_BEAUTIFY_FLAG" val="#wm#"/>
+  <p:tag name="KSO_WM_TEMPLATE_SUBCATEGORY" val="0"/>
+  <p:tag name="KSO_WM_SLIDE_ITEM_CNT" val="0"/>
+  <p:tag name="KSO_WM_SLIDE_INDEX" val="8"/>
+  <p:tag name="KSO_WM_TAG_VERSION" val="1.0"/>
+  <p:tag name="KSO_WM_SLIDE_TYPE" val="text"/>
+  <p:tag name="KSO_WM_SLIDE_SUBTYPE" val="pureTxt"/>
+  <p:tag name="KSO_WM_SLIDE_SIZE" val="863*444"/>
+  <p:tag name="KSO_WM_SLIDE_POSITION" val="47*47"/>
+  <p:tag name="KSO_WM_SLIDE_LAYOUT" val="a_f"/>
+  <p:tag name="KSO_WM_SLIDE_LAYOUT_CNT" val="1_1"/>
+  <p:tag name="KSO_WM_TEMPLATE_MASTER_TYPE" val="1"/>
+  <p:tag name="KSO_WM_TEMPLATE_COLOR_TYPE" val="1"/>
+  <p:tag name="KSO_WM_TEMPLATE_CATEGORY" val="custom"/>
+  <p:tag name="KSO_WM_TEMPLATE_INDEX" val="20204179"/>
+  <p:tag name="KSO_WM_SLIDE_ID" val="custom20204179_8"/>
+</p:tagLst>
+</file>
+
+<file path=ppt/tags/tag163.xml><?xml version="1.0" encoding="utf-8"?>
+<p:tagLst xmlns:p="http://schemas.openxmlformats.org/presentationml/2006/main">
+  <p:tag name="KSO_WM_UNIT_HIGHLIGHT" val="0"/>
+  <p:tag name="KSO_WM_UNIT_COMPATIBLE" val="0"/>
+  <p:tag name="KSO_WM_UNIT_DIAGRAM_ISNUMVISUAL" val="0"/>
+  <p:tag name="KSO_WM_UNIT_DIAGRAM_ISREFERUNIT" val="0"/>
+  <p:tag name="KSO_WM_UNIT_LAYERLEVEL" val="1"/>
+  <p:tag name="KSO_WM_TAG_VERSION" val="1.0"/>
+  <p:tag name="KSO_WM_BEAUTIFY_FLAG" val="#wm#"/>
+  <p:tag name="KSO_WM_UNIT_NOCLEAR" val="0"/>
+  <p:tag name="KSO_WM_UNIT_VALUE" val="636"/>
+  <p:tag name="KSO_WM_UNIT_TYPE" val="f"/>
+  <p:tag name="KSO_WM_UNIT_INDEX" val="1"/>
+  <p:tag name="KSO_WM_TEMPLATE_CATEGORY" val="custom"/>
+  <p:tag name="KSO_WM_TEMPLATE_INDEX" val="20204179"/>
+  <p:tag name="KSO_WM_UNIT_ID" val="custom20204179_8*f*1"/>
+  <p:tag name="KSO_WM_UNIT_PRESET_TEXT" val="单击此处输入你的正文，文字是您思想的提炼，为了最终演示发布的良好效果，请尽量言简意赅的阐述观点；根据需要可酌情增减文字，以便观者可以准确理解您所传达的信息。&#13;您的正文已经简明扼要，字字珠玑，但信息却错综复杂，需要用更多的文字来表述；但请您尽可能提炼思想的精髓，否则容易造成观者的阅读压力，适得其反。正如我们都希望改变世界，希望给人带去光明，但更多时候只需播下一颗种子，自然有微光照拂，雨露滋养。恰如其分的表达观点，往往可以事半功倍。&#13;单击此处输入你的正文，文字是您思想的提炼，为了最终演示发布的良好效果，请尽量言简意赅的阐述观点；根据需要可酌情增减文字，以便观者可以准确理解您所传达的信息。&#13;您的正文已经简明扼要，字字珠玑，但信息却错综复杂，需要用更多的文字来表述；但请您尽可能提炼思想的精髓，否则容易造成观者的阅读压力，适得其反。正如我们都希望改变世界，希望给人带去光明，但更多时候只需播下一颗种子，自然有微光照拂，雨露滋养。恰如其分的表达观点，往往可以事半功倍。"/>
+  <p:tag name="KSO_WM_UNIT_SUBTYPE" val="a"/>
+</p:tagLst>
+</file>
+
+<file path=ppt/tags/tag164.xml><?xml version="1.0" encoding="utf-8"?>
+<p:tagLst xmlns:p="http://schemas.openxmlformats.org/presentationml/2006/main">
+  <p:tag name="KSO_WM_UNIT_HIGHLIGHT" val="0"/>
+  <p:tag name="KSO_WM_UNIT_COMPATIBLE" val="0"/>
+  <p:tag name="KSO_WM_UNIT_DIAGRAM_ISNUMVISUAL" val="0"/>
+  <p:tag name="KSO_WM_UNIT_DIAGRAM_ISREFERUNIT" val="0"/>
+  <p:tag name="KSO_WM_UNIT_LAYERLEVEL" val="1"/>
+  <p:tag name="KSO_WM_TAG_VERSION" val="1.0"/>
+  <p:tag name="KSO_WM_BEAUTIFY_FLAG" val="#wm#"/>
+  <p:tag name="KSO_WM_UNIT_ISCONTENTSTITLE" val="0"/>
+  <p:tag name="KSO_WM_UNIT_NOCLEAR" val="0"/>
+  <p:tag name="KSO_WM_UNIT_VALUE" val="26"/>
+  <p:tag name="KSO_WM_UNIT_TYPE" val="a"/>
+  <p:tag name="KSO_WM_UNIT_INDEX" val="1"/>
+  <p:tag name="KSO_WM_UNIT_BLOCK" val="0"/>
+  <p:tag name="KSO_WM_TEMPLATE_CATEGORY" val="custom"/>
+  <p:tag name="KSO_WM_TEMPLATE_INDEX" val="20204179"/>
+  <p:tag name="KSO_WM_UNIT_ID" val="custom20204179_8*a*1"/>
+  <p:tag name="KSO_WM_UNIT_PRESET_TEXT" val="单击此处添加大标题"/>
+  <p:tag name="KSO_WM_UNIT_ISNUMDGMTITLE" val="0"/>
+</p:tagLst>
+</file>
+
+<file path=ppt/tags/tag165.xml><?xml version="1.0" encoding="utf-8"?>
+<p:tagLst xmlns:p="http://schemas.openxmlformats.org/presentationml/2006/main">
+  <p:tag name="KSO_WM_BEAUTIFY_FLAG" val="#wm#"/>
+  <p:tag name="KSO_WM_TEMPLATE_SUBCATEGORY" val="0"/>
+  <p:tag name="KSO_WM_SLIDE_ITEM_CNT" val="0"/>
+  <p:tag name="KSO_WM_SLIDE_INDEX" val="8"/>
+  <p:tag name="KSO_WM_TAG_VERSION" val="1.0"/>
+  <p:tag name="KSO_WM_SLIDE_TYPE" val="text"/>
+  <p:tag name="KSO_WM_SLIDE_SUBTYPE" val="pureTxt"/>
+  <p:tag name="KSO_WM_SLIDE_SIZE" val="863*444"/>
+  <p:tag name="KSO_WM_SLIDE_POSITION" val="47*47"/>
+  <p:tag name="KSO_WM_SLIDE_LAYOUT" val="a_f"/>
+  <p:tag name="KSO_WM_SLIDE_LAYOUT_CNT" val="1_1"/>
+  <p:tag name="KSO_WM_TEMPLATE_MASTER_TYPE" val="1"/>
+  <p:tag name="KSO_WM_TEMPLATE_COLOR_TYPE" val="1"/>
+  <p:tag name="KSO_WM_TEMPLATE_CATEGORY" val="custom"/>
+  <p:tag name="KSO_WM_TEMPLATE_INDEX" val="20204179"/>
+  <p:tag name="KSO_WM_SLIDE_ID" val="custom20204179_8"/>
+</p:tagLst>
+</file>
+
+<file path=ppt/tags/tag166.xml><?xml version="1.0" encoding="utf-8"?>
+<p:tagLst xmlns:p="http://schemas.openxmlformats.org/presentationml/2006/main">
+  <p:tag name="KSO_WM_UNIT_HIGHLIGHT" val="0"/>
+  <p:tag name="KSO_WM_UNIT_COMPATIBLE" val="0"/>
+  <p:tag name="KSO_WM_UNIT_DIAGRAM_ISNUMVISUAL" val="0"/>
+  <p:tag name="KSO_WM_UNIT_DIAGRAM_ISREFERUNIT" val="0"/>
+  <p:tag name="KSO_WM_UNIT_LAYERLEVEL" val="1"/>
+  <p:tag name="KSO_WM_TAG_VERSION" val="1.0"/>
+  <p:tag name="KSO_WM_BEAUTIFY_FLAG" val="#wm#"/>
+  <p:tag name="KSO_WM_UNIT_NOCLEAR" val="0"/>
+  <p:tag name="KSO_WM_UNIT_VALUE" val="636"/>
+  <p:tag name="KSO_WM_UNIT_TYPE" val="f"/>
+  <p:tag name="KSO_WM_UNIT_INDEX" val="1"/>
+  <p:tag name="KSO_WM_TEMPLATE_CATEGORY" val="custom"/>
+  <p:tag name="KSO_WM_TEMPLATE_INDEX" val="20204179"/>
+  <p:tag name="KSO_WM_UNIT_ID" val="custom20204179_8*f*1"/>
+  <p:tag name="KSO_WM_UNIT_PRESET_TEXT" val="单击此处输入你的正文，文字是您思想的提炼，为了最终演示发布的良好效果，请尽量言简意赅的阐述观点；根据需要可酌情增减文字，以便观者可以准确理解您所传达的信息。&#13;您的正文已经简明扼要，字字珠玑，但信息却错综复杂，需要用更多的文字来表述；但请您尽可能提炼思想的精髓，否则容易造成观者的阅读压力，适得其反。正如我们都希望改变世界，希望给人带去光明，但更多时候只需播下一颗种子，自然有微光照拂，雨露滋养。恰如其分的表达观点，往往可以事半功倍。&#13;单击此处输入你的正文，文字是您思想的提炼，为了最终演示发布的良好效果，请尽量言简意赅的阐述观点；根据需要可酌情增减文字，以便观者可以准确理解您所传达的信息。&#13;您的正文已经简明扼要，字字珠玑，但信息却错综复杂，需要用更多的文字来表述；但请您尽可能提炼思想的精髓，否则容易造成观者的阅读压力，适得其反。正如我们都希望改变世界，希望给人带去光明，但更多时候只需播下一颗种子，自然有微光照拂，雨露滋养。恰如其分的表达观点，往往可以事半功倍。"/>
+  <p:tag name="KSO_WM_UNIT_SUBTYPE" val="a"/>
+</p:tagLst>
+</file>
+
+<file path=ppt/tags/tag167.xml><?xml version="1.0" encoding="utf-8"?>
+<p:tagLst xmlns:p="http://schemas.openxmlformats.org/presentationml/2006/main">
+  <p:tag name="KSO_WM_UNIT_HIGHLIGHT" val="0"/>
+  <p:tag name="KSO_WM_UNIT_COMPATIBLE" val="0"/>
+  <p:tag name="KSO_WM_UNIT_DIAGRAM_ISNUMVISUAL" val="0"/>
+  <p:tag name="KSO_WM_UNIT_DIAGRAM_ISREFERUNIT" val="0"/>
+  <p:tag name="KSO_WM_UNIT_LAYERLEVEL" val="1"/>
+  <p:tag name="KSO_WM_TAG_VERSION" val="1.0"/>
+  <p:tag name="KSO_WM_BEAUTIFY_FLAG" val="#wm#"/>
+  <p:tag name="KSO_WM_UNIT_ISCONTENTSTITLE" val="0"/>
+  <p:tag name="KSO_WM_UNIT_NOCLEAR" val="0"/>
+  <p:tag name="KSO_WM_UNIT_VALUE" val="26"/>
+  <p:tag name="KSO_WM_UNIT_TYPE" val="a"/>
+  <p:tag name="KSO_WM_UNIT_INDEX" val="1"/>
+  <p:tag name="KSO_WM_UNIT_BLOCK" val="0"/>
+  <p:tag name="KSO_WM_TEMPLATE_CATEGORY" val="custom"/>
+  <p:tag name="KSO_WM_TEMPLATE_INDEX" val="20204179"/>
+  <p:tag name="KSO_WM_UNIT_ID" val="custom20204179_8*a*1"/>
+  <p:tag name="KSO_WM_UNIT_PRESET_TEXT" val="单击此处添加大标题"/>
+  <p:tag name="KSO_WM_UNIT_ISNUMDGMTITLE" val="0"/>
+</p:tagLst>
+</file>
+
+<file path=ppt/tags/tag168.xml><?xml version="1.0" encoding="utf-8"?>
+<p:tagLst xmlns:p="http://schemas.openxmlformats.org/presentationml/2006/main">
+  <p:tag name="KSO_WM_BEAUTIFY_FLAG" val="#wm#"/>
+  <p:tag name="KSO_WM_TEMPLATE_SUBCATEGORY" val="0"/>
+  <p:tag name="KSO_WM_SLIDE_ITEM_CNT" val="0"/>
+  <p:tag name="KSO_WM_SLIDE_INDEX" val="8"/>
+  <p:tag name="KSO_WM_TAG_VERSION" val="1.0"/>
+  <p:tag name="KSO_WM_SLIDE_TYPE" val="text"/>
+  <p:tag name="KSO_WM_SLIDE_SUBTYPE" val="pureTxt"/>
+  <p:tag name="KSO_WM_SLIDE_SIZE" val="863*444"/>
+  <p:tag name="KSO_WM_SLIDE_POSITION" val="47*47"/>
+  <p:tag name="KSO_WM_SLIDE_LAYOUT" val="a_f"/>
+  <p:tag name="KSO_WM_SLIDE_LAYOUT_CNT" val="1_1"/>
+  <p:tag name="KSO_WM_TEMPLATE_MASTER_TYPE" val="1"/>
+  <p:tag name="KSO_WM_TEMPLATE_COLOR_TYPE" val="1"/>
+  <p:tag name="KSO_WM_TEMPLATE_CATEGORY" val="custom"/>
+  <p:tag name="KSO_WM_TEMPLATE_INDEX" val="20204179"/>
+  <p:tag name="KSO_WM_SLIDE_ID" val="custom20204179_8"/>
+</p:tagLst>
+</file>
+
+<file path=ppt/tags/tag169.xml><?xml version="1.0" encoding="utf-8"?>
+<p:tagLst xmlns:p="http://schemas.openxmlformats.org/presentationml/2006/main">
+  <p:tag name="KSO_WM_UNIT_HIGHLIGHT" val="0"/>
+  <p:tag name="KSO_WM_UNIT_COMPATIBLE" val="0"/>
+  <p:tag name="KSO_WM_UNIT_DIAGRAM_ISNUMVISUAL" val="0"/>
+  <p:tag name="KSO_WM_UNIT_DIAGRAM_ISREFERUNIT" val="0"/>
+  <p:tag name="KSO_WM_UNIT_LAYERLEVEL" val="1"/>
+  <p:tag name="KSO_WM_TAG_VERSION" val="1.0"/>
+  <p:tag name="KSO_WM_BEAUTIFY_FLAG" val="#wm#"/>
+  <p:tag name="KSO_WM_UNIT_NOCLEAR" val="0"/>
+  <p:tag name="KSO_WM_UNIT_VALUE" val="636"/>
+  <p:tag name="KSO_WM_UNIT_TYPE" val="f"/>
+  <p:tag name="KSO_WM_UNIT_INDEX" val="1"/>
+  <p:tag name="KSO_WM_TEMPLATE_CATEGORY" val="custom"/>
+  <p:tag name="KSO_WM_TEMPLATE_INDEX" val="20204179"/>
+  <p:tag name="KSO_WM_UNIT_ID" val="custom20204179_8*f*1"/>
+  <p:tag name="KSO_WM_UNIT_PRESET_TEXT" val="单击此处输入你的正文，文字是您思想的提炼，为了最终演示发布的良好效果，请尽量言简意赅的阐述观点；根据需要可酌情增减文字，以便观者可以准确理解您所传达的信息。&#13;您的正文已经简明扼要，字字珠玑，但信息却错综复杂，需要用更多的文字来表述；但请您尽可能提炼思想的精髓，否则容易造成观者的阅读压力，适得其反。正如我们都希望改变世界，希望给人带去光明，但更多时候只需播下一颗种子，自然有微光照拂，雨露滋养。恰如其分的表达观点，往往可以事半功倍。&#13;单击此处输入你的正文，文字是您思想的提炼，为了最终演示发布的良好效果，请尽量言简意赅的阐述观点；根据需要可酌情增减文字，以便观者可以准确理解您所传达的信息。&#13;您的正文已经简明扼要，字字珠玑，但信息却错综复杂，需要用更多的文字来表述；但请您尽可能提炼思想的精髓，否则容易造成观者的阅读压力，适得其反。正如我们都希望改变世界，希望给人带去光明，但更多时候只需播下一颗种子，自然有微光照拂，雨露滋养。恰如其分的表达观点，往往可以事半功倍。"/>
+  <p:tag name="KSO_WM_UNIT_SUBTYPE" val="a"/>
+</p:tagLst>
+</file>
+
+<file path=ppt/tags/tag17.xml><?xml version="1.0" encoding="utf-8"?>
+<p:tagLst xmlns:p="http://schemas.openxmlformats.org/presentationml/2006/main">
+  <p:tag name="KSO_WM_UNIT_HIGHLIGHT" val="0"/>
+  <p:tag name="KSO_WM_UNIT_COMPATIBLE" val="0"/>
+  <p:tag name="KSO_WM_UNIT_DIAGRAM_ISNUMVISUAL" val="0"/>
+  <p:tag name="KSO_WM_UNIT_DIAGRAM_ISREFERUNIT" val="0"/>
+  <p:tag name="KSO_WM_UNIT_ID" val="_3**"/>
+  <p:tag name="KSO_WM_UNIT_LAYERLEVEL" val="1"/>
+  <p:tag name="KSO_WM_TAG_VERSION" val="1.0"/>
+  <p:tag name="KSO_WM_BEAUTIFY_FLAG" val="#wm#"/>
+</p:tagLst>
+</file>
+
+<file path=ppt/tags/tag170.xml><?xml version="1.0" encoding="utf-8"?>
+<p:tagLst xmlns:p="http://schemas.openxmlformats.org/presentationml/2006/main">
+  <p:tag name="KSO_WM_UNIT_HIGHLIGHT" val="0"/>
+  <p:tag name="KSO_WM_UNIT_COMPATIBLE" val="0"/>
+  <p:tag name="KSO_WM_UNIT_DIAGRAM_ISNUMVISUAL" val="0"/>
+  <p:tag name="KSO_WM_UNIT_DIAGRAM_ISREFERUNIT" val="0"/>
+  <p:tag name="KSO_WM_UNIT_LAYERLEVEL" val="1"/>
+  <p:tag name="KSO_WM_TAG_VERSION" val="1.0"/>
+  <p:tag name="KSO_WM_BEAUTIFY_FLAG" val="#wm#"/>
+  <p:tag name="KSO_WM_UNIT_ISCONTENTSTITLE" val="0"/>
+  <p:tag name="KSO_WM_UNIT_NOCLEAR" val="0"/>
+  <p:tag name="KSO_WM_UNIT_VALUE" val="26"/>
+  <p:tag name="KSO_WM_UNIT_TYPE" val="a"/>
+  <p:tag name="KSO_WM_UNIT_INDEX" val="1"/>
+  <p:tag name="KSO_WM_UNIT_BLOCK" val="0"/>
+  <p:tag name="KSO_WM_TEMPLATE_CATEGORY" val="custom"/>
+  <p:tag name="KSO_WM_TEMPLATE_INDEX" val="20204179"/>
+  <p:tag name="KSO_WM_UNIT_ID" val="custom20204179_8*a*1"/>
+  <p:tag name="KSO_WM_UNIT_PRESET_TEXT" val="单击此处添加大标题"/>
+  <p:tag name="KSO_WM_UNIT_ISNUMDGMTITLE" val="0"/>
+</p:tagLst>
+</file>
+
+<file path=ppt/tags/tag171.xml><?xml version="1.0" encoding="utf-8"?>
+<p:tagLst xmlns:p="http://schemas.openxmlformats.org/presentationml/2006/main">
+  <p:tag name="KSO_WM_BEAUTIFY_FLAG" val="#wm#"/>
+  <p:tag name="KSO_WM_TEMPLATE_SUBCATEGORY" val="0"/>
+  <p:tag name="KSO_WM_SLIDE_ITEM_CNT" val="0"/>
+  <p:tag name="KSO_WM_SLIDE_INDEX" val="8"/>
+  <p:tag name="KSO_WM_TAG_VERSION" val="1.0"/>
+  <p:tag name="KSO_WM_SLIDE_TYPE" val="text"/>
+  <p:tag name="KSO_WM_SLIDE_SUBTYPE" val="pureTxt"/>
+  <p:tag name="KSO_WM_SLIDE_SIZE" val="863*444"/>
+  <p:tag name="KSO_WM_SLIDE_POSITION" val="47*47"/>
+  <p:tag name="KSO_WM_SLIDE_LAYOUT" val="a_f"/>
+  <p:tag name="KSO_WM_SLIDE_LAYOUT_CNT" val="1_1"/>
+  <p:tag name="KSO_WM_TEMPLATE_MASTER_TYPE" val="1"/>
+  <p:tag name="KSO_WM_TEMPLATE_COLOR_TYPE" val="1"/>
+  <p:tag name="KSO_WM_TEMPLATE_CATEGORY" val="custom"/>
+  <p:tag name="KSO_WM_TEMPLATE_INDEX" val="20204179"/>
+  <p:tag name="KSO_WM_SLIDE_ID" val="custom20204179_8"/>
+</p:tagLst>
+</file>
+
+<file path=ppt/tags/tag172.xml><?xml version="1.0" encoding="utf-8"?>
+<p:tagLst xmlns:p="http://schemas.openxmlformats.org/presentationml/2006/main">
+  <p:tag name="KSO_WM_UNIT_HIGHLIGHT" val="0"/>
+  <p:tag name="KSO_WM_UNIT_COMPATIBLE" val="0"/>
+  <p:tag name="KSO_WM_UNIT_DIAGRAM_ISNUMVISUAL" val="0"/>
+  <p:tag name="KSO_WM_UNIT_DIAGRAM_ISREFERUNIT" val="0"/>
+  <p:tag name="KSO_WM_UNIT_LAYERLEVEL" val="1"/>
+  <p:tag name="KSO_WM_TAG_VERSION" val="1.0"/>
+  <p:tag name="KSO_WM_BEAUTIFY_FLAG" val="#wm#"/>
+  <p:tag name="KSO_WM_UNIT_NOCLEAR" val="0"/>
+  <p:tag name="KSO_WM_UNIT_VALUE" val="636"/>
+  <p:tag name="KSO_WM_UNIT_TYPE" val="f"/>
+  <p:tag name="KSO_WM_UNIT_INDEX" val="1"/>
+  <p:tag name="KSO_WM_TEMPLATE_CATEGORY" val="custom"/>
+  <p:tag name="KSO_WM_TEMPLATE_INDEX" val="20204179"/>
+  <p:tag name="KSO_WM_UNIT_ID" val="custom20204179_8*f*1"/>
+  <p:tag name="KSO_WM_UNIT_PRESET_TEXT" val="单击此处输入你的正文，文字是您思想的提炼，为了最终演示发布的良好效果，请尽量言简意赅的阐述观点；根据需要可酌情增减文字，以便观者可以准确理解您所传达的信息。&#13;您的正文已经简明扼要，字字珠玑，但信息却错综复杂，需要用更多的文字来表述；但请您尽可能提炼思想的精髓，否则容易造成观者的阅读压力，适得其反。正如我们都希望改变世界，希望给人带去光明，但更多时候只需播下一颗种子，自然有微光照拂，雨露滋养。恰如其分的表达观点，往往可以事半功倍。&#13;单击此处输入你的正文，文字是您思想的提炼，为了最终演示发布的良好效果，请尽量言简意赅的阐述观点；根据需要可酌情增减文字，以便观者可以准确理解您所传达的信息。&#13;您的正文已经简明扼要，字字珠玑，但信息却错综复杂，需要用更多的文字来表述；但请您尽可能提炼思想的精髓，否则容易造成观者的阅读压力，适得其反。正如我们都希望改变世界，希望给人带去光明，但更多时候只需播下一颗种子，自然有微光照拂，雨露滋养。恰如其分的表达观点，往往可以事半功倍。"/>
+  <p:tag name="KSO_WM_UNIT_SUBTYPE" val="a"/>
+</p:tagLst>
+</file>
+
+<file path=ppt/tags/tag173.xml><?xml version="1.0" encoding="utf-8"?>
+<p:tagLst xmlns:p="http://schemas.openxmlformats.org/presentationml/2006/main">
+  <p:tag name="KSO_WM_UNIT_HIGHLIGHT" val="0"/>
+  <p:tag name="KSO_WM_UNIT_COMPATIBLE" val="0"/>
+  <p:tag name="KSO_WM_UNIT_DIAGRAM_ISNUMVISUAL" val="0"/>
+  <p:tag name="KSO_WM_UNIT_DIAGRAM_ISREFERUNIT" val="0"/>
+  <p:tag name="KSO_WM_UNIT_LAYERLEVEL" val="1"/>
+  <p:tag name="KSO_WM_TAG_VERSION" val="1.0"/>
+  <p:tag name="KSO_WM_BEAUTIFY_FLAG" val="#wm#"/>
+  <p:tag name="KSO_WM_UNIT_ISCONTENTSTITLE" val="0"/>
+  <p:tag name="KSO_WM_UNIT_NOCLEAR" val="0"/>
+  <p:tag name="KSO_WM_UNIT_VALUE" val="26"/>
+  <p:tag name="KSO_WM_UNIT_TYPE" val="a"/>
+  <p:tag name="KSO_WM_UNIT_INDEX" val="1"/>
+  <p:tag name="KSO_WM_UNIT_BLOCK" val="0"/>
+  <p:tag name="KSO_WM_TEMPLATE_CATEGORY" val="custom"/>
+  <p:tag name="KSO_WM_TEMPLATE_INDEX" val="20204179"/>
+  <p:tag name="KSO_WM_UNIT_ID" val="custom20204179_8*a*1"/>
+  <p:tag name="KSO_WM_UNIT_PRESET_TEXT" val="单击此处添加大标题"/>
+  <p:tag name="KSO_WM_UNIT_ISNUMDGMTITLE" val="0"/>
+</p:tagLst>
+</file>
+
+<file path=ppt/tags/tag174.xml><?xml version="1.0" encoding="utf-8"?>
+<p:tagLst xmlns:p="http://schemas.openxmlformats.org/presentationml/2006/main">
+  <p:tag name="KSO_WM_BEAUTIFY_FLAG" val="#wm#"/>
+  <p:tag name="KSO_WM_TEMPLATE_SUBCATEGORY" val="0"/>
+  <p:tag name="KSO_WM_SLIDE_ITEM_CNT" val="0"/>
+  <p:tag name="KSO_WM_SLIDE_INDEX" val="8"/>
+  <p:tag name="KSO_WM_TAG_VERSION" val="1.0"/>
+  <p:tag name="KSO_WM_SLIDE_TYPE" val="text"/>
+  <p:tag name="KSO_WM_SLIDE_SUBTYPE" val="pureTxt"/>
+  <p:tag name="KSO_WM_SLIDE_SIZE" val="863*444"/>
+  <p:tag name="KSO_WM_SLIDE_POSITION" val="47*47"/>
+  <p:tag name="KSO_WM_SLIDE_LAYOUT" val="a_f"/>
+  <p:tag name="KSO_WM_SLIDE_LAYOUT_CNT" val="1_1"/>
+  <p:tag name="KSO_WM_TEMPLATE_MASTER_TYPE" val="1"/>
+  <p:tag name="KSO_WM_TEMPLATE_COLOR_TYPE" val="1"/>
+  <p:tag name="KSO_WM_TEMPLATE_CATEGORY" val="custom"/>
+  <p:tag name="KSO_WM_TEMPLATE_INDEX" val="20204179"/>
+  <p:tag name="KSO_WM_SLIDE_ID" val="custom20204179_8"/>
+</p:tagLst>
+</file>
+
+<file path=ppt/tags/tag175.xml><?xml version="1.0" encoding="utf-8"?>
+<p:tagLst xmlns:p="http://schemas.openxmlformats.org/presentationml/2006/main">
+  <p:tag name="KSO_WM_UNIT_HIGHLIGHT" val="0"/>
+  <p:tag name="KSO_WM_UNIT_COMPATIBLE" val="0"/>
+  <p:tag name="KSO_WM_UNIT_DIAGRAM_ISNUMVISUAL" val="0"/>
+  <p:tag name="KSO_WM_UNIT_DIAGRAM_ISREFERUNIT" val="0"/>
+  <p:tag name="KSO_WM_UNIT_LAYERLEVEL" val="1"/>
+  <p:tag name="KSO_WM_TAG_VERSION" val="1.0"/>
+  <p:tag name="KSO_WM_BEAUTIFY_FLAG" val="#wm#"/>
   <p:tag name="KSO_WM_UNIT_ISCONTENTSTITLE" val="0"/>
   <p:tag name="KSO_WM_UNIT_NOCLEAR" val="1"/>
   <p:tag name="KSO_WM_UNIT_VALUE" val="10"/>
@@ -13929,7 +18873,7 @@
 </p:tagLst>
 </file>
 
-<file path=ppt/tags/tag161.xml><?xml version="1.0" encoding="utf-8"?>
+<file path=ppt/tags/tag176.xml><?xml version="1.0" encoding="utf-8"?>
 <p:tagLst xmlns:p="http://schemas.openxmlformats.org/presentationml/2006/main">
   <p:tag name="KSO_WM_BEAUTIFY_FLAG" val="#wm#"/>
   <p:tag name="KSO_WM_TEMPLATE_SUBCATEGORY" val="0"/>
@@ -13945,19 +18889,6 @@
   <p:tag name="KSO_WM_TEMPLATE_CATEGORY" val="custom"/>
   <p:tag name="KSO_WM_TEMPLATE_INDEX" val="20204179"/>
   <p:tag name="KSO_WM_SLIDE_ID" val="custom20204179_43"/>
-</p:tagLst>
-</file>
-
-<file path=ppt/tags/tag17.xml><?xml version="1.0" encoding="utf-8"?>
-<p:tagLst xmlns:p="http://schemas.openxmlformats.org/presentationml/2006/main">
-  <p:tag name="KSO_WM_UNIT_HIGHLIGHT" val="0"/>
-  <p:tag name="KSO_WM_UNIT_COMPATIBLE" val="0"/>
-  <p:tag name="KSO_WM_UNIT_DIAGRAM_ISNUMVISUAL" val="0"/>
-  <p:tag name="KSO_WM_UNIT_DIAGRAM_ISREFERUNIT" val="0"/>
-  <p:tag name="KSO_WM_UNIT_ID" val="_3**"/>
-  <p:tag name="KSO_WM_UNIT_LAYERLEVEL" val="1"/>
-  <p:tag name="KSO_WM_TAG_VERSION" val="1.0"/>
-  <p:tag name="KSO_WM_BEAUTIFY_FLAG" val="#wm#"/>
 </p:tagLst>
 </file>
 
